--- a/docs/week-2/week-2.tr.md_word.pptx
+++ b/docs/week-2/week-2.tr.md_word.pptx
@@ -22,6 +22,48 @@
     <p:sldId id="270" r:id="rId16"/>
     <p:sldId id="271" r:id="rId17"/>
     <p:sldId id="272" r:id="rId18"/>
+    <p:sldId id="273" r:id="rId19"/>
+    <p:sldId id="274" r:id="rId20"/>
+    <p:sldId id="275" r:id="rId21"/>
+    <p:sldId id="276" r:id="rId22"/>
+    <p:sldId id="277" r:id="rId23"/>
+    <p:sldId id="278" r:id="rId24"/>
+    <p:sldId id="279" r:id="rId25"/>
+    <p:sldId id="280" r:id="rId26"/>
+    <p:sldId id="281" r:id="rId27"/>
+    <p:sldId id="282" r:id="rId28"/>
+    <p:sldId id="283" r:id="rId29"/>
+    <p:sldId id="284" r:id="rId30"/>
+    <p:sldId id="285" r:id="rId31"/>
+    <p:sldId id="286" r:id="rId32"/>
+    <p:sldId id="287" r:id="rId33"/>
+    <p:sldId id="288" r:id="rId34"/>
+    <p:sldId id="289" r:id="rId35"/>
+    <p:sldId id="290" r:id="rId36"/>
+    <p:sldId id="291" r:id="rId37"/>
+    <p:sldId id="292" r:id="rId38"/>
+    <p:sldId id="293" r:id="rId39"/>
+    <p:sldId id="294" r:id="rId40"/>
+    <p:sldId id="295" r:id="rId41"/>
+    <p:sldId id="296" r:id="rId42"/>
+    <p:sldId id="297" r:id="rId43"/>
+    <p:sldId id="298" r:id="rId44"/>
+    <p:sldId id="299" r:id="rId45"/>
+    <p:sldId id="300" r:id="rId46"/>
+    <p:sldId id="301" r:id="rId47"/>
+    <p:sldId id="302" r:id="rId48"/>
+    <p:sldId id="303" r:id="rId49"/>
+    <p:sldId id="304" r:id="rId50"/>
+    <p:sldId id="305" r:id="rId51"/>
+    <p:sldId id="306" r:id="rId52"/>
+    <p:sldId id="307" r:id="rId53"/>
+    <p:sldId id="308" r:id="rId54"/>
+    <p:sldId id="309" r:id="rId55"/>
+    <p:sldId id="310" r:id="rId56"/>
+    <p:sldId id="311" r:id="rId57"/>
+    <p:sldId id="312" r:id="rId58"/>
+    <p:sldId id="313" r:id="rId59"/>
+    <p:sldId id="314" r:id="rId60"/>
   </p:sldIdLst>
   <p:sldSz cx="9144000" cy="6858000" type="screen4x3"/>
   <p:notesSz cx="6858000" cy="9144000"/>
@@ -3152,7 +3194,7 @@
             </a:pPr>
             <a:r>
               <a:rPr/>
-              <a:t>Örnek Ders Adı</a:t>
+              <a:t>CE208-Database Management Systems</a:t>
             </a:r>
           </a:p>
         </p:txBody>
@@ -3182,13 +3224,13 @@
             </a:pPr>
             <a:r>
               <a:rPr/>
-              <a:t>Örnek Ders Modülü Adı</a:t>
+              <a:t>Database and Fundamental Concepts</a:t>
             </a:r>
             <a:br/>
             <a:br/>
             <a:r>
               <a:rPr/>
-              <a:t>Yazar: Dr. Öğr. Üyesi Uğur CORUH</a:t>
+              <a:t>Author: Asst. Prof. Dr. Yıldıran YILMAZ</a:t>
             </a:r>
           </a:p>
         </p:txBody>
@@ -3256,11 +3298,21 @@
           <a:lstStyle/>
           <a:p>
             <a:pPr lvl="0" indent="0" marL="0">
+              <a:spcBef>
+                <a:spcPts val="3000"/>
+              </a:spcBef>
               <a:buNone/>
             </a:pPr>
             <a:r>
-              <a:rPr/>
-              <a:t> bg left:50% h:800px</a:t>
+              <a:rPr b="1"/>
+              <a:t>Why we use the database?</a:t>
+            </a:r>
+          </a:p>
+          <a:p>
+            <a:pPr lvl="0"/>
+            <a:r>
+              <a:rPr/>
+              <a:t>The biggest drawback for lists is that it combines different types of information into a table.</a:t>
             </a:r>
           </a:p>
         </p:txBody>
@@ -3289,12 +3341,12 @@
       </p:grpSpPr>
       <p:sp>
         <p:nvSpPr>
-          <p:cNvPr id="4" name="Text Placeholder 3"/>
-          <p:cNvSpPr>
-            <a:spLocks noGrp="1"/>
-          </p:cNvSpPr>
-          <p:nvPr>
-            <p:ph idx="2" sz="half" type="body"/>
+          <p:cNvPr id="3" name="Content Placeholder 2"/>
+          <p:cNvSpPr>
+            <a:spLocks noGrp="1"/>
+          </p:cNvSpPr>
+          <p:nvPr>
+            <p:ph idx="1"/>
           </p:nvPr>
         </p:nvSpPr>
         <p:spPr/>
@@ -3310,78 +3362,50 @@
             </a:pPr>
             <a:r>
               <a:rPr b="1"/>
-              <a:t>Örnek Resimler-6</a:t>
+              <a:t>Why we use the database?</a:t>
             </a:r>
           </a:p>
           <a:p>
             <a:pPr lvl="0"/>
             <a:r>
+              <a:rPr/>
+              <a:t>For DMS, the process of placing different types of information in different tables is called </a:t>
+            </a:r>
+            <a:r>
               <a:rPr b="1"/>
-              <a:t>Lorem Ipsum nedir?</a:t>
-            </a:r>
-            <a:r>
-              <a:rPr/>
-              <a:t> Lorem Ipsum, basım ve dizgi endüstrisinin basit bir sahte metnidir. Lorem Ipsum, 1500’lerden beri endüstrinin standart sahte metni olmuştur.</a:t>
-            </a:r>
-          </a:p>
-        </p:txBody>
-      </p:sp>
-      <p:pic>
-        <p:nvPicPr>
-          <p:cNvPr descr="assets/sample-1.png" id="0" name="Picture 1"/>
-          <p:cNvPicPr>
-            <a:picLocks noGrp="1" noChangeAspect="1"/>
-          </p:cNvPicPr>
-          <p:nvPr/>
-        </p:nvPicPr>
-        <p:blipFill>
-          <a:blip r:embed="rId2"/>
-          <a:stretch>
-            <a:fillRect/>
-          </a:stretch>
-        </p:blipFill>
-        <p:spPr bwMode="auto">
-          <a:xfrm>
-            <a:off x="4749800" y="266700"/>
-            <a:ext cx="2743200" cy="5334000"/>
-          </a:xfrm>
-          <a:prstGeom prst="rect">
-            <a:avLst/>
-          </a:prstGeom>
-          <a:noFill/>
-          <a:ln w="9525">
-            <a:noFill/>
-            <a:headEnd/>
-            <a:tailEnd/>
-          </a:ln>
-        </p:spPr>
-      </p:pic>
-      <p:sp>
-        <p:nvSpPr>
-          <p:cNvPr id="1" name="TextBox 3"/>
-          <p:cNvSpPr txBox="1"/>
-          <p:nvPr/>
-        </p:nvSpPr>
-        <p:spPr>
-          <a:xfrm>
-            <a:off x="3568700" y="5600700"/>
-            <a:ext cx="5105400" cy="508000"/>
-          </a:xfrm>
-          <a:prstGeom prst="rect">
-            <a:avLst/>
-          </a:prstGeom>
-          <a:noFill/>
-        </p:spPr>
-        <p:txBody>
-          <a:bodyPr/>
-          <a:lstStyle/>
-          <a:p>
-            <a:pPr lvl="0" indent="0" marL="0" algn="ctr">
-              <a:buNone/>
-            </a:pPr>
-            <a:r>
-              <a:rPr/>
-              <a:t>bg left:50% h:300px</a:t>
+              <a:t>normalisation</a:t>
+            </a:r>
+            <a:r>
+              <a:rPr/>
+              <a:t>.</a:t>
+            </a:r>
+          </a:p>
+          <a:p>
+            <a:pPr lvl="0"/>
+            <a:r>
+              <a:rPr/>
+              <a:t>For the previous list;</a:t>
+            </a:r>
+          </a:p>
+          <a:p>
+            <a:pPr lvl="1"/>
+            <a:r>
+              <a:rPr/>
+              <a:t>customers</a:t>
+            </a:r>
+          </a:p>
+          <a:p>
+            <a:pPr lvl="1"/>
+            <a:r>
+              <a:rPr/>
+              <a:t>Worked companies</a:t>
+            </a:r>
+          </a:p>
+          <a:p>
+            <a:pPr lvl="1"/>
+            <a:r>
+              <a:rPr/>
+              <a:t>sales information</a:t>
             </a:r>
           </a:p>
         </p:txBody>
@@ -3410,12 +3434,12 @@
       </p:grpSpPr>
       <p:sp>
         <p:nvSpPr>
-          <p:cNvPr id="3" name="Content Placeholder 2"/>
-          <p:cNvSpPr>
-            <a:spLocks noGrp="1"/>
-          </p:cNvSpPr>
-          <p:nvPr>
-            <p:ph idx="1"/>
+          <p:cNvPr id="4" name="Text Placeholder 3"/>
+          <p:cNvSpPr>
+            <a:spLocks noGrp="1"/>
+          </p:cNvSpPr>
+          <p:nvPr>
+            <p:ph idx="2" sz="half" type="body"/>
           </p:nvPr>
         </p:nvSpPr>
         <p:spPr/>
@@ -3424,11 +3448,81 @@
           <a:lstStyle/>
           <a:p>
             <a:pPr lvl="0" indent="0" marL="0">
+              <a:spcBef>
+                <a:spcPts val="3000"/>
+              </a:spcBef>
               <a:buNone/>
             </a:pPr>
             <a:r>
-              <a:rPr/>
-              <a:t> bg left:50% h:500px</a:t>
+              <a:rPr b="1"/>
+              <a:t>Why we use the database?</a:t>
+            </a:r>
+          </a:p>
+          <a:p>
+            <a:pPr lvl="0"/>
+            <a:r>
+              <a:rPr/>
+              <a:t>Customers</a:t>
+            </a:r>
+          </a:p>
+        </p:txBody>
+      </p:sp>
+      <p:pic>
+        <p:nvPicPr>
+          <p:cNvPr descr="fig:  assets/2022-03-09-17-45-46-image.png" id="0" name="Picture 1"/>
+          <p:cNvPicPr>
+            <a:picLocks noGrp="1" noChangeAspect="1"/>
+          </p:cNvPicPr>
+          <p:nvPr/>
+        </p:nvPicPr>
+        <p:blipFill>
+          <a:blip r:embed="rId2"/>
+          <a:stretch>
+            <a:fillRect/>
+          </a:stretch>
+        </p:blipFill>
+        <p:spPr bwMode="auto">
+          <a:xfrm>
+            <a:off x="3975100" y="266700"/>
+            <a:ext cx="4279900" cy="5334000"/>
+          </a:xfrm>
+          <a:prstGeom prst="rect">
+            <a:avLst/>
+          </a:prstGeom>
+          <a:noFill/>
+          <a:ln w="9525">
+            <a:noFill/>
+            <a:headEnd/>
+            <a:tailEnd/>
+          </a:ln>
+        </p:spPr>
+      </p:pic>
+      <p:sp>
+        <p:nvSpPr>
+          <p:cNvPr id="1" name="TextBox 3"/>
+          <p:cNvSpPr txBox="1"/>
+          <p:nvPr/>
+        </p:nvSpPr>
+        <p:spPr>
+          <a:xfrm>
+            <a:off x="3568700" y="5600700"/>
+            <a:ext cx="5105400" cy="508000"/>
+          </a:xfrm>
+          <a:prstGeom prst="rect">
+            <a:avLst/>
+          </a:prstGeom>
+          <a:noFill/>
+        </p:spPr>
+        <p:txBody>
+          <a:bodyPr/>
+          <a:lstStyle/>
+          <a:p>
+            <a:pPr lvl="0" indent="0" marL="0" algn="ctr">
+              <a:buNone/>
+            </a:pPr>
+            <a:r>
+              <a:rPr/>
+              <a:t>center h:450px</a:t>
             </a:r>
           </a:p>
         </p:txBody>
@@ -3455,1461 +3549,101 @@
           <a:chExt cx="0" cy="0"/>
         </a:xfrm>
       </p:grpSpPr>
-      <mc:AlternateContent xmlns:mc="http://schemas.openxmlformats.org/markup-compatibility/2006">
-        <mc:Choice xmlns:a14="http://schemas.microsoft.com/office/drawing/2010/main" Requires="a14">
-          <p:sp>
-            <p:nvSpPr>
-              <p:cNvPr id="3" name="Content Placeholder 2"/>
-              <p:cNvSpPr>
-                <a:spLocks noGrp="1"/>
-              </p:cNvSpPr>
-              <p:nvPr>
-                <p:ph idx="1"/>
-              </p:nvPr>
-            </p:nvSpPr>
-            <p:spPr/>
-            <p:txBody>
-              <a:bodyPr/>
-              <a:lstStyle/>
-              <a:p>
-                <a:pPr lvl="0" indent="0" marL="0">
-                  <a:spcBef>
-                    <a:spcPts val="3000"/>
-                  </a:spcBef>
-                  <a:buNone/>
-                </a:pPr>
-                <a:r>
-                  <a:rPr b="1"/>
-                  <a:t>Latex Örneği-1</a:t>
-                </a:r>
-              </a:p>
-              <a:p>
-                <a:pPr lvl="0" indent="0" marL="0">
-                  <a:buNone/>
-                </a:pPr>
-                <a14:m>
-                  <m:oMathPara xmlns:m="http://schemas.openxmlformats.org/officeDocument/2006/math">
-                    <m:oMathParaPr>
-                      <m:jc m:val="center"/>
-                    </m:oMathParaPr>
-                    <m:oMath>
-                      <m:m>
-                        <m:mPr>
-                          <m:baseJc m:val="center"/>
-                          <m:plcHide m:val="1"/>
-                          <m:mcs>
-                            <m:mc>
-                              <m:mcPr>
-                                <m:mcJc m:val="right"/>
-                                <m:count m:val="1"/>
-                              </m:mcPr>
-                            </m:mc>
-                            <m:mc>
-                              <m:mcPr>
-                                <m:mcJc m:val="left"/>
-                                <m:count m:val="1"/>
-                              </m:mcPr>
-                            </m:mc>
-                          </m:mcs>
-                        </m:mPr>
-                        <m:mr>
-                          <m:e>
-                            <m:m>
-                              <m:mPr>
-                                <m:baseJc m:val="center"/>
-                                <m:plcHide m:val="1"/>
-                                <m:mcs>
-                                  <m:mc>
-                                    <m:mcPr>
-                                      <m:mcJc m:val="right"/>
-                                      <m:count m:val="1"/>
-                                    </m:mcPr>
-                                  </m:mc>
-                                </m:mcs>
-                              </m:mPr>
-                              <m:mr>
-                                <m:e>
-                                  <m:r>
-                                    <m:rPr>
-                                      <m:nor/>
-                                      <m:sty m:val="p"/>
-                                    </m:rPr>
-                                    <m:t>compute </m:t>
-                                  </m:r>
-                                  <m:r>
-                                    <m:t>m</m:t>
-                                  </m:r>
-                                  <m:d>
-                                    <m:dPr>
-                                      <m:begChr m:val="["/>
-                                      <m:endChr m:val="]"/>
-                                      <m:sepChr m:val=""/>
-                                      <m:grow/>
-                                    </m:dPr>
-                                    <m:e>
-                                      <m:r>
-                                        <m:t>i</m:t>
-                                      </m:r>
-                                      <m:r>
-                                        <m:rPr>
-                                          <m:sty m:val="p"/>
-                                        </m:rPr>
-                                        <m:t>,</m:t>
-                                      </m:r>
-                                      <m:r>
-                                        <m:t>i</m:t>
-                                      </m:r>
-                                      <m:r>
-                                        <m:rPr>
-                                          <m:sty m:val="p"/>
-                                        </m:rPr>
-                                        <m:t>+</m:t>
-                                      </m:r>
-                                      <m:r>
-                                        <m:t>1</m:t>
-                                      </m:r>
-                                    </m:e>
-                                  </m:d>
-                                </m:e>
-                              </m:mr>
-                              <m:mr>
-                                <m:e>
-                                  <m:limLow>
-                                    <m:e>
-                                      <m:limLow>
-                                        <m:e>
-                                          <m:r>
-                                            <m:rPr>
-                                              <m:sty m:val="p"/>
-                                            </m:rPr>
-                                            <m:t>{</m:t>
-                                          </m:r>
-                                          <m:r>
-                                            <m:t>m</m:t>
-                                          </m:r>
-                                          <m:d>
-                                            <m:dPr>
-                                              <m:begChr m:val="["/>
-                                              <m:endChr m:val="]"/>
-                                              <m:sepChr m:val=""/>
-                                              <m:grow/>
-                                            </m:dPr>
-                                            <m:e>
-                                              <m:r>
-                                                <m:t>1</m:t>
-                                              </m:r>
-                                              <m:r>
-                                                <m:rPr>
-                                                  <m:sty m:val="p"/>
-                                                </m:rPr>
-                                                <m:t>,</m:t>
-                                              </m:r>
-                                              <m:r>
-                                                <m:t>2</m:t>
-                                              </m:r>
-                                            </m:e>
-                                          </m:d>
-                                          <m:r>
-                                            <m:rPr>
-                                              <m:sty m:val="p"/>
-                                            </m:rPr>
-                                            <m:t>,</m:t>
-                                          </m:r>
-                                          <m:r>
-                                            <m:t>m</m:t>
-                                          </m:r>
-                                          <m:d>
-                                            <m:dPr>
-                                              <m:begChr m:val="["/>
-                                              <m:endChr m:val="]"/>
-                                              <m:sepChr m:val=""/>
-                                              <m:grow/>
-                                            </m:dPr>
-                                            <m:e>
-                                              <m:r>
-                                                <m:t>2</m:t>
-                                              </m:r>
-                                              <m:r>
-                                                <m:rPr>
-                                                  <m:sty m:val="p"/>
-                                                </m:rPr>
-                                                <m:t>,</m:t>
-                                              </m:r>
-                                              <m:r>
-                                                <m:t>3</m:t>
-                                              </m:r>
-                                            </m:e>
-                                          </m:d>
-                                          <m:r>
-                                            <m:rPr>
-                                              <m:sty m:val="p"/>
-                                            </m:rPr>
-                                            <m:t>,</m:t>
-                                          </m:r>
-                                          <m:r>
-                                            <m:rPr>
-                                              <m:sty m:val="p"/>
-                                            </m:rPr>
-                                            <m:t>…</m:t>
-                                          </m:r>
-                                          <m:r>
-                                            <m:rPr>
-                                              <m:sty m:val="p"/>
-                                            </m:rPr>
-                                            <m:t>,</m:t>
-                                          </m:r>
-                                          <m:r>
-                                            <m:t>m</m:t>
-                                          </m:r>
-                                          <m:d>
-                                            <m:dPr>
-                                              <m:begChr m:val="["/>
-                                              <m:endChr m:val="]"/>
-                                              <m:sepChr m:val=""/>
-                                              <m:grow/>
-                                            </m:dPr>
-                                            <m:e>
-                                              <m:r>
-                                                <m:t>n</m:t>
-                                              </m:r>
-                                              <m:r>
-                                                <m:rPr>
-                                                  <m:sty m:val="p"/>
-                                                </m:rPr>
-                                                <m:t>−</m:t>
-                                              </m:r>
-                                              <m:r>
-                                                <m:t>1</m:t>
-                                              </m:r>
-                                              <m:r>
-                                                <m:rPr>
-                                                  <m:sty m:val="p"/>
-                                                </m:rPr>
-                                                <m:t>,</m:t>
-                                              </m:r>
-                                              <m:r>
-                                                <m:t>n</m:t>
-                                              </m:r>
-                                            </m:e>
-                                          </m:d>
-                                          <m:r>
-                                            <m:rPr>
-                                              <m:sty m:val="p"/>
-                                            </m:rPr>
-                                            <m:t>}</m:t>
-                                          </m:r>
-                                        </m:e>
-                                        <m:lim>
-                                          <m:r>
-                                            <m:rPr>
-                                              <m:sty m:val="p"/>
-                                            </m:rPr>
-                                            <m:t>⏟</m:t>
-                                          </m:r>
-                                        </m:lim>
-                                      </m:limLow>
-                                    </m:e>
-                                    <m:lim>
-                                      <m:d>
-                                        <m:dPr>
-                                          <m:begChr m:val="("/>
-                                          <m:endChr m:val=")"/>
-                                          <m:sepChr m:val=""/>
-                                          <m:grow/>
-                                        </m:dPr>
-                                        <m:e>
-                                          <m:r>
-                                            <m:t>n</m:t>
-                                          </m:r>
-                                          <m:r>
-                                            <m:rPr>
-                                              <m:sty m:val="p"/>
-                                            </m:rPr>
-                                            <m:t>−</m:t>
-                                          </m:r>
-                                          <m:r>
-                                            <m:t>1</m:t>
-                                          </m:r>
-                                        </m:e>
-                                      </m:d>
-                                      <m:r>
-                                        <m:rPr>
-                                          <m:nor/>
-                                          <m:sty m:val="p"/>
-                                        </m:rPr>
-                                        <m:t> values</m:t>
-                                      </m:r>
-                                    </m:lim>
-                                  </m:limLow>
-                                </m:e>
-                              </m:mr>
-                            </m:m>
-                          </m:e>
-                          <m:e>
-                            <m:d>
-                              <m:dPr>
-                                <m:begChr m:val="{"/>
-                                <m:endChr m:val=""/>
-                                <m:sepChr m:val=""/>
-                                <m:grow/>
-                              </m:dPr>
-                              <m:e>
-                                <m:m>
-                                  <m:mPr>
-                                    <m:baseJc m:val="center"/>
-                                    <m:plcHide m:val="1"/>
-                                    <m:mcs>
-                                      <m:mc>
-                                        <m:mcPr>
-                                          <m:mcJc m:val="left"/>
-                                          <m:count m:val="1"/>
-                                        </m:mcPr>
-                                      </m:mc>
-                                      <m:mc>
-                                        <m:mcPr>
-                                          <m:mcJc m:val="left"/>
-                                          <m:count m:val="1"/>
-                                        </m:mcPr>
-                                      </m:mc>
-                                    </m:mcs>
-                                  </m:mPr>
-                                  <m:mr>
-                                    <m:e/>
-                                    <m:e>
-                                      <m:r>
-                                        <m:rPr>
-                                          <m:sty m:val="p"/>
-                                        </m:rPr>
-                                        <m:t>ℓ</m:t>
-                                      </m:r>
-                                      <m:r>
-                                        <m:rPr>
-                                          <m:sty m:val="p"/>
-                                        </m:rPr>
-                                        <m:t>=</m:t>
-                                      </m:r>
-                                      <m:r>
-                                        <m:t>2</m:t>
-                                      </m:r>
-                                    </m:e>
-                                  </m:mr>
-                                  <m:mr>
-                                    <m:e/>
-                                    <m:e>
-                                      <m:r>
-                                        <m:rPr>
-                                          <m:nor/>
-                                          <m:sty m:val="p"/>
-                                        </m:rPr>
-                                        <m:t>for </m:t>
-                                      </m:r>
-                                      <m:r>
-                                        <m:t>i</m:t>
-                                      </m:r>
-                                      <m:r>
-                                        <m:rPr>
-                                          <m:sty m:val="p"/>
-                                        </m:rPr>
-                                        <m:t>=</m:t>
-                                      </m:r>
-                                      <m:r>
-                                        <m:t>1</m:t>
-                                      </m:r>
-                                      <m:r>
-                                        <m:rPr>
-                                          <m:nor/>
-                                          <m:sty m:val="p"/>
-                                        </m:rPr>
-                                        <m:t> to </m:t>
-                                      </m:r>
-                                      <m:r>
-                                        <m:t>n</m:t>
-                                      </m:r>
-                                      <m:r>
-                                        <m:rPr>
-                                          <m:sty m:val="p"/>
-                                        </m:rPr>
-                                        <m:t>−</m:t>
-                                      </m:r>
-                                      <m:r>
-                                        <m:t>1</m:t>
-                                      </m:r>
-                                      <m:r>
-                                        <m:rPr>
-                                          <m:nor/>
-                                          <m:sty m:val="p"/>
-                                        </m:rPr>
-                                        <m:t> do </m:t>
-                                      </m:r>
-                                    </m:e>
-                                  </m:mr>
-                                  <m:mr>
-                                    <m:e/>
-                                    <m:e>
-                                      <m:r>
-                                        <m:t> </m:t>
-                                      </m:r>
-                                      <m:r>
-                                        <m:t>m</m:t>
-                                      </m:r>
-                                      <m:d>
-                                        <m:dPr>
-                                          <m:begChr m:val="["/>
-                                          <m:endChr m:val="]"/>
-                                          <m:sepChr m:val=""/>
-                                          <m:grow/>
-                                        </m:dPr>
-                                        <m:e>
-                                          <m:r>
-                                            <m:t>i</m:t>
-                                          </m:r>
-                                          <m:r>
-                                            <m:rPr>
-                                              <m:sty m:val="p"/>
-                                            </m:rPr>
-                                            <m:t>,</m:t>
-                                          </m:r>
-                                          <m:r>
-                                            <m:t>i</m:t>
-                                          </m:r>
-                                          <m:r>
-                                            <m:rPr>
-                                              <m:sty m:val="p"/>
-                                            </m:rPr>
-                                            <m:t>+</m:t>
-                                          </m:r>
-                                          <m:r>
-                                            <m:t>1</m:t>
-                                          </m:r>
-                                        </m:e>
-                                      </m:d>
-                                      <m:r>
-                                        <m:rPr>
-                                          <m:sty m:val="p"/>
-                                        </m:rPr>
-                                        <m:t>=</m:t>
-                                      </m:r>
-                                      <m:r>
-                                        <m:rPr>
-                                          <m:sty m:val="p"/>
-                                        </m:rPr>
-                                        <m:t>∞</m:t>
-                                      </m:r>
-                                    </m:e>
-                                  </m:mr>
-                                  <m:mr>
-                                    <m:e/>
-                                    <m:e>
-                                      <m:r>
-                                        <m:t> </m:t>
-                                      </m:r>
-                                      <m:r>
-                                        <m:t> </m:t>
-                                      </m:r>
-                                      <m:r>
-                                        <m:rPr>
-                                          <m:nor/>
-                                          <m:sty m:val="p"/>
-                                        </m:rPr>
-                                        <m:t>for </m:t>
-                                      </m:r>
-                                      <m:r>
-                                        <m:t>k</m:t>
-                                      </m:r>
-                                      <m:r>
-                                        <m:rPr>
-                                          <m:sty m:val="p"/>
-                                        </m:rPr>
-                                        <m:t>=</m:t>
-                                      </m:r>
-                                      <m:r>
-                                        <m:t>i</m:t>
-                                      </m:r>
-                                      <m:r>
-                                        <m:rPr>
-                                          <m:nor/>
-                                          <m:sty m:val="p"/>
-                                        </m:rPr>
-                                        <m:t> to </m:t>
-                                      </m:r>
-                                      <m:r>
-                                        <m:t>i</m:t>
-                                      </m:r>
-                                      <m:r>
-                                        <m:rPr>
-                                          <m:nor/>
-                                          <m:sty m:val="p"/>
-                                        </m:rPr>
-                                        <m:t> do </m:t>
-                                      </m:r>
-                                    </m:e>
-                                  </m:mr>
-                                  <m:mr>
-                                    <m:e/>
-                                    <m:e>
-                                      <m:r>
-                                        <m:t> </m:t>
-                                      </m:r>
-                                      <m:r>
-                                        <m:t> </m:t>
-                                      </m:r>
-                                      <m:r>
-                                        <m:t> </m:t>
-                                      </m:r>
-                                      <m:r>
-                                        <m:rPr>
-                                          <m:sty m:val="p"/>
-                                        </m:rPr>
-                                        <m:t>⋮</m:t>
-                                      </m:r>
-                                    </m:e>
-                                  </m:mr>
-                                </m:m>
-                              </m:e>
-                            </m:d>
-                          </m:e>
-                        </m:mr>
-                        <m:mr>
-                          <m:e>
-                            <m:m>
-                              <m:mPr>
-                                <m:baseJc m:val="center"/>
-                                <m:plcHide m:val="1"/>
-                                <m:mcs>
-                                  <m:mc>
-                                    <m:mcPr>
-                                      <m:mcJc m:val="right"/>
-                                      <m:count m:val="1"/>
-                                    </m:mcPr>
-                                  </m:mc>
-                                </m:mcs>
-                              </m:mPr>
-                              <m:mr>
-                                <m:e>
-                                  <m:r>
-                                    <m:rPr>
-                                      <m:nor/>
-                                      <m:sty m:val="p"/>
-                                    </m:rPr>
-                                    <m:t>compute </m:t>
-                                  </m:r>
-                                  <m:r>
-                                    <m:t>m</m:t>
-                                  </m:r>
-                                  <m:d>
-                                    <m:dPr>
-                                      <m:begChr m:val="["/>
-                                      <m:endChr m:val="]"/>
-                                      <m:sepChr m:val=""/>
-                                      <m:grow/>
-                                    </m:dPr>
-                                    <m:e>
-                                      <m:r>
-                                        <m:t>i</m:t>
-                                      </m:r>
-                                      <m:r>
-                                        <m:rPr>
-                                          <m:sty m:val="p"/>
-                                        </m:rPr>
-                                        <m:t>,</m:t>
-                                      </m:r>
-                                      <m:r>
-                                        <m:t>i</m:t>
-                                      </m:r>
-                                      <m:r>
-                                        <m:rPr>
-                                          <m:sty m:val="p"/>
-                                        </m:rPr>
-                                        <m:t>+</m:t>
-                                      </m:r>
-                                      <m:r>
-                                        <m:t>2</m:t>
-                                      </m:r>
-                                    </m:e>
-                                  </m:d>
-                                </m:e>
-                              </m:mr>
-                              <m:mr>
-                                <m:e>
-                                  <m:limLow>
-                                    <m:e>
-                                      <m:limLow>
-                                        <m:e>
-                                          <m:r>
-                                            <m:rPr>
-                                              <m:sty m:val="p"/>
-                                            </m:rPr>
-                                            <m:t>{</m:t>
-                                          </m:r>
-                                          <m:r>
-                                            <m:t>m</m:t>
-                                          </m:r>
-                                          <m:d>
-                                            <m:dPr>
-                                              <m:begChr m:val="["/>
-                                              <m:endChr m:val="]"/>
-                                              <m:sepChr m:val=""/>
-                                              <m:grow/>
-                                            </m:dPr>
-                                            <m:e>
-                                              <m:r>
-                                                <m:t>1</m:t>
-                                              </m:r>
-                                              <m:r>
-                                                <m:rPr>
-                                                  <m:sty m:val="p"/>
-                                                </m:rPr>
-                                                <m:t>,</m:t>
-                                              </m:r>
-                                              <m:r>
-                                                <m:t>3</m:t>
-                                              </m:r>
-                                            </m:e>
-                                          </m:d>
-                                          <m:r>
-                                            <m:rPr>
-                                              <m:sty m:val="p"/>
-                                            </m:rPr>
-                                            <m:t>,</m:t>
-                                          </m:r>
-                                          <m:r>
-                                            <m:t>m</m:t>
-                                          </m:r>
-                                          <m:d>
-                                            <m:dPr>
-                                              <m:begChr m:val="["/>
-                                              <m:endChr m:val="]"/>
-                                              <m:sepChr m:val=""/>
-                                              <m:grow/>
-                                            </m:dPr>
-                                            <m:e>
-                                              <m:r>
-                                                <m:t>2</m:t>
-                                              </m:r>
-                                              <m:r>
-                                                <m:rPr>
-                                                  <m:sty m:val="p"/>
-                                                </m:rPr>
-                                                <m:t>,</m:t>
-                                              </m:r>
-                                              <m:r>
-                                                <m:t>4</m:t>
-                                              </m:r>
-                                            </m:e>
-                                          </m:d>
-                                          <m:r>
-                                            <m:rPr>
-                                              <m:sty m:val="p"/>
-                                            </m:rPr>
-                                            <m:t>,</m:t>
-                                          </m:r>
-                                          <m:r>
-                                            <m:rPr>
-                                              <m:sty m:val="p"/>
-                                            </m:rPr>
-                                            <m:t>…</m:t>
-                                          </m:r>
-                                          <m:r>
-                                            <m:rPr>
-                                              <m:sty m:val="p"/>
-                                            </m:rPr>
-                                            <m:t>,</m:t>
-                                          </m:r>
-                                          <m:r>
-                                            <m:t>m</m:t>
-                                          </m:r>
-                                          <m:d>
-                                            <m:dPr>
-                                              <m:begChr m:val="["/>
-                                              <m:endChr m:val="]"/>
-                                              <m:sepChr m:val=""/>
-                                              <m:grow/>
-                                            </m:dPr>
-                                            <m:e>
-                                              <m:r>
-                                                <m:t>n</m:t>
-                                              </m:r>
-                                              <m:r>
-                                                <m:rPr>
-                                                  <m:sty m:val="p"/>
-                                                </m:rPr>
-                                                <m:t>−</m:t>
-                                              </m:r>
-                                              <m:r>
-                                                <m:t>2</m:t>
-                                              </m:r>
-                                              <m:r>
-                                                <m:rPr>
-                                                  <m:sty m:val="p"/>
-                                                </m:rPr>
-                                                <m:t>,</m:t>
-                                              </m:r>
-                                              <m:r>
-                                                <m:t>n</m:t>
-                                              </m:r>
-                                            </m:e>
-                                          </m:d>
-                                          <m:r>
-                                            <m:rPr>
-                                              <m:sty m:val="p"/>
-                                            </m:rPr>
-                                            <m:t>}</m:t>
-                                          </m:r>
-                                        </m:e>
-                                        <m:lim>
-                                          <m:r>
-                                            <m:rPr>
-                                              <m:sty m:val="p"/>
-                                            </m:rPr>
-                                            <m:t>⏟</m:t>
-                                          </m:r>
-                                        </m:lim>
-                                      </m:limLow>
-                                    </m:e>
-                                    <m:lim>
-                                      <m:d>
-                                        <m:dPr>
-                                          <m:begChr m:val="("/>
-                                          <m:endChr m:val=")"/>
-                                          <m:sepChr m:val=""/>
-                                          <m:grow/>
-                                        </m:dPr>
-                                        <m:e>
-                                          <m:r>
-                                            <m:t>n</m:t>
-                                          </m:r>
-                                          <m:r>
-                                            <m:rPr>
-                                              <m:sty m:val="p"/>
-                                            </m:rPr>
-                                            <m:t>−</m:t>
-                                          </m:r>
-                                          <m:r>
-                                            <m:t>2</m:t>
-                                          </m:r>
-                                        </m:e>
-                                      </m:d>
-                                      <m:r>
-                                        <m:rPr>
-                                          <m:nor/>
-                                          <m:sty m:val="p"/>
-                                        </m:rPr>
-                                        <m:t> values</m:t>
-                                      </m:r>
-                                    </m:lim>
-                                  </m:limLow>
-                                </m:e>
-                              </m:mr>
-                            </m:m>
-                          </m:e>
-                          <m:e>
-                            <m:d>
-                              <m:dPr>
-                                <m:begChr m:val="{"/>
-                                <m:endChr m:val=""/>
-                                <m:sepChr m:val=""/>
-                                <m:grow/>
-                              </m:dPr>
-                              <m:e>
-                                <m:m>
-                                  <m:mPr>
-                                    <m:baseJc m:val="center"/>
-                                    <m:plcHide m:val="1"/>
-                                    <m:mcs>
-                                      <m:mc>
-                                        <m:mcPr>
-                                          <m:mcJc m:val="left"/>
-                                          <m:count m:val="1"/>
-                                        </m:mcPr>
-                                      </m:mc>
-                                      <m:mc>
-                                        <m:mcPr>
-                                          <m:mcJc m:val="left"/>
-                                          <m:count m:val="1"/>
-                                        </m:mcPr>
-                                      </m:mc>
-                                    </m:mcs>
-                                  </m:mPr>
-                                  <m:mr>
-                                    <m:e/>
-                                    <m:e>
-                                      <m:r>
-                                        <m:rPr>
-                                          <m:sty m:val="p"/>
-                                        </m:rPr>
-                                        <m:t>ℓ</m:t>
-                                      </m:r>
-                                      <m:r>
-                                        <m:rPr>
-                                          <m:sty m:val="p"/>
-                                        </m:rPr>
-                                        <m:t>=</m:t>
-                                      </m:r>
-                                      <m:r>
-                                        <m:t>3</m:t>
-                                      </m:r>
-                                    </m:e>
-                                  </m:mr>
-                                  <m:mr>
-                                    <m:e/>
-                                    <m:e>
-                                      <m:r>
-                                        <m:rPr>
-                                          <m:nor/>
-                                          <m:sty m:val="p"/>
-                                        </m:rPr>
-                                        <m:t>for </m:t>
-                                      </m:r>
-                                      <m:r>
-                                        <m:t>i</m:t>
-                                      </m:r>
-                                      <m:r>
-                                        <m:rPr>
-                                          <m:sty m:val="p"/>
-                                        </m:rPr>
-                                        <m:t>=</m:t>
-                                      </m:r>
-                                      <m:r>
-                                        <m:t>1</m:t>
-                                      </m:r>
-                                      <m:r>
-                                        <m:rPr>
-                                          <m:nor/>
-                                          <m:sty m:val="p"/>
-                                        </m:rPr>
-                                        <m:t> to </m:t>
-                                      </m:r>
-                                      <m:r>
-                                        <m:t>n</m:t>
-                                      </m:r>
-                                      <m:r>
-                                        <m:rPr>
-                                          <m:sty m:val="p"/>
-                                        </m:rPr>
-                                        <m:t>−</m:t>
-                                      </m:r>
-                                      <m:r>
-                                        <m:t>2</m:t>
-                                      </m:r>
-                                      <m:r>
-                                        <m:rPr>
-                                          <m:nor/>
-                                          <m:sty m:val="p"/>
-                                        </m:rPr>
-                                        <m:t> do </m:t>
-                                      </m:r>
-                                    </m:e>
-                                  </m:mr>
-                                  <m:mr>
-                                    <m:e/>
-                                    <m:e>
-                                      <m:r>
-                                        <m:t> </m:t>
-                                      </m:r>
-                                      <m:r>
-                                        <m:t>m</m:t>
-                                      </m:r>
-                                      <m:d>
-                                        <m:dPr>
-                                          <m:begChr m:val="["/>
-                                          <m:endChr m:val="]"/>
-                                          <m:sepChr m:val=""/>
-                                          <m:grow/>
-                                        </m:dPr>
-                                        <m:e>
-                                          <m:r>
-                                            <m:t>i</m:t>
-                                          </m:r>
-                                          <m:r>
-                                            <m:rPr>
-                                              <m:sty m:val="p"/>
-                                            </m:rPr>
-                                            <m:t>,</m:t>
-                                          </m:r>
-                                          <m:r>
-                                            <m:t>i</m:t>
-                                          </m:r>
-                                          <m:r>
-                                            <m:rPr>
-                                              <m:sty m:val="p"/>
-                                            </m:rPr>
-                                            <m:t>+</m:t>
-                                          </m:r>
-                                          <m:r>
-                                            <m:t>2</m:t>
-                                          </m:r>
-                                        </m:e>
-                                      </m:d>
-                                      <m:r>
-                                        <m:rPr>
-                                          <m:sty m:val="p"/>
-                                        </m:rPr>
-                                        <m:t>=</m:t>
-                                      </m:r>
-                                      <m:r>
-                                        <m:rPr>
-                                          <m:sty m:val="p"/>
-                                        </m:rPr>
-                                        <m:t>∞</m:t>
-                                      </m:r>
-                                    </m:e>
-                                  </m:mr>
-                                  <m:mr>
-                                    <m:e/>
-                                    <m:e>
-                                      <m:r>
-                                        <m:t> </m:t>
-                                      </m:r>
-                                      <m:r>
-                                        <m:t> </m:t>
-                                      </m:r>
-                                      <m:r>
-                                        <m:rPr>
-                                          <m:nor/>
-                                          <m:sty m:val="p"/>
-                                        </m:rPr>
-                                        <m:t>for </m:t>
-                                      </m:r>
-                                      <m:r>
-                                        <m:t>k</m:t>
-                                      </m:r>
-                                      <m:r>
-                                        <m:rPr>
-                                          <m:sty m:val="p"/>
-                                        </m:rPr>
-                                        <m:t>=</m:t>
-                                      </m:r>
-                                      <m:r>
-                                        <m:t>i</m:t>
-                                      </m:r>
-                                      <m:r>
-                                        <m:rPr>
-                                          <m:nor/>
-                                          <m:sty m:val="p"/>
-                                        </m:rPr>
-                                        <m:t> to </m:t>
-                                      </m:r>
-                                      <m:r>
-                                        <m:t>i</m:t>
-                                      </m:r>
-                                      <m:r>
-                                        <m:rPr>
-                                          <m:sty m:val="p"/>
-                                        </m:rPr>
-                                        <m:t>+</m:t>
-                                      </m:r>
-                                      <m:r>
-                                        <m:t>1</m:t>
-                                      </m:r>
-                                      <m:r>
-                                        <m:rPr>
-                                          <m:nor/>
-                                          <m:sty m:val="p"/>
-                                        </m:rPr>
-                                        <m:t> do </m:t>
-                                      </m:r>
-                                    </m:e>
-                                  </m:mr>
-                                  <m:mr>
-                                    <m:e/>
-                                    <m:e>
-                                      <m:r>
-                                        <m:t> </m:t>
-                                      </m:r>
-                                      <m:r>
-                                        <m:t> </m:t>
-                                      </m:r>
-                                      <m:r>
-                                        <m:t> </m:t>
-                                      </m:r>
-                                      <m:r>
-                                        <m:rPr>
-                                          <m:sty m:val="p"/>
-                                        </m:rPr>
-                                        <m:t>⋮</m:t>
-                                      </m:r>
-                                    </m:e>
-                                  </m:mr>
-                                </m:m>
-                              </m:e>
-                            </m:d>
-                          </m:e>
-                        </m:mr>
-                        <m:mr>
-                          <m:e>
-                            <m:m>
-                              <m:mPr>
-                                <m:baseJc m:val="center"/>
-                                <m:plcHide m:val="1"/>
-                                <m:mcs>
-                                  <m:mc>
-                                    <m:mcPr>
-                                      <m:mcJc m:val="right"/>
-                                      <m:count m:val="1"/>
-                                    </m:mcPr>
-                                  </m:mc>
-                                </m:mcs>
-                              </m:mPr>
-                              <m:mr>
-                                <m:e>
-                                  <m:r>
-                                    <m:rPr>
-                                      <m:nor/>
-                                      <m:sty m:val="p"/>
-                                    </m:rPr>
-                                    <m:t>compute </m:t>
-                                  </m:r>
-                                  <m:r>
-                                    <m:t>m</m:t>
-                                  </m:r>
-                                  <m:d>
-                                    <m:dPr>
-                                      <m:begChr m:val="["/>
-                                      <m:endChr m:val="]"/>
-                                      <m:sepChr m:val=""/>
-                                      <m:grow/>
-                                    </m:dPr>
-                                    <m:e>
-                                      <m:r>
-                                        <m:t>i</m:t>
-                                      </m:r>
-                                      <m:r>
-                                        <m:rPr>
-                                          <m:sty m:val="p"/>
-                                        </m:rPr>
-                                        <m:t>,</m:t>
-                                      </m:r>
-                                      <m:r>
-                                        <m:t>i</m:t>
-                                      </m:r>
-                                      <m:r>
-                                        <m:rPr>
-                                          <m:sty m:val="p"/>
-                                        </m:rPr>
-                                        <m:t>+</m:t>
-                                      </m:r>
-                                      <m:r>
-                                        <m:t>3</m:t>
-                                      </m:r>
-                                    </m:e>
-                                  </m:d>
-                                </m:e>
-                              </m:mr>
-                              <m:mr>
-                                <m:e>
-                                  <m:limLow>
-                                    <m:e>
-                                      <m:limLow>
-                                        <m:e>
-                                          <m:r>
-                                            <m:rPr>
-                                              <m:sty m:val="p"/>
-                                            </m:rPr>
-                                            <m:t>{</m:t>
-                                          </m:r>
-                                          <m:r>
-                                            <m:t>m</m:t>
-                                          </m:r>
-                                          <m:d>
-                                            <m:dPr>
-                                              <m:begChr m:val="["/>
-                                              <m:endChr m:val="]"/>
-                                              <m:sepChr m:val=""/>
-                                              <m:grow/>
-                                            </m:dPr>
-                                            <m:e>
-                                              <m:r>
-                                                <m:t>1</m:t>
-                                              </m:r>
-                                              <m:r>
-                                                <m:rPr>
-                                                  <m:sty m:val="p"/>
-                                                </m:rPr>
-                                                <m:t>,</m:t>
-                                              </m:r>
-                                              <m:r>
-                                                <m:t>4</m:t>
-                                              </m:r>
-                                            </m:e>
-                                          </m:d>
-                                          <m:r>
-                                            <m:rPr>
-                                              <m:sty m:val="p"/>
-                                            </m:rPr>
-                                            <m:t>,</m:t>
-                                          </m:r>
-                                          <m:r>
-                                            <m:t>m</m:t>
-                                          </m:r>
-                                          <m:d>
-                                            <m:dPr>
-                                              <m:begChr m:val="["/>
-                                              <m:endChr m:val="]"/>
-                                              <m:sepChr m:val=""/>
-                                              <m:grow/>
-                                            </m:dPr>
-                                            <m:e>
-                                              <m:r>
-                                                <m:t>2</m:t>
-                                              </m:r>
-                                              <m:r>
-                                                <m:rPr>
-                                                  <m:sty m:val="p"/>
-                                                </m:rPr>
-                                                <m:t>,</m:t>
-                                              </m:r>
-                                              <m:r>
-                                                <m:t>5</m:t>
-                                              </m:r>
-                                            </m:e>
-                                          </m:d>
-                                          <m:r>
-                                            <m:rPr>
-                                              <m:sty m:val="p"/>
-                                            </m:rPr>
-                                            <m:t>,</m:t>
-                                          </m:r>
-                                          <m:r>
-                                            <m:rPr>
-                                              <m:sty m:val="p"/>
-                                            </m:rPr>
-                                            <m:t>…</m:t>
-                                          </m:r>
-                                          <m:r>
-                                            <m:rPr>
-                                              <m:sty m:val="p"/>
-                                            </m:rPr>
-                                            <m:t>,</m:t>
-                                          </m:r>
-                                          <m:r>
-                                            <m:t>m</m:t>
-                                          </m:r>
-                                          <m:d>
-                                            <m:dPr>
-                                              <m:begChr m:val="["/>
-                                              <m:endChr m:val="]"/>
-                                              <m:sepChr m:val=""/>
-                                              <m:grow/>
-                                            </m:dPr>
-                                            <m:e>
-                                              <m:r>
-                                                <m:t>n</m:t>
-                                              </m:r>
-                                              <m:r>
-                                                <m:rPr>
-                                                  <m:sty m:val="p"/>
-                                                </m:rPr>
-                                                <m:t>−</m:t>
-                                              </m:r>
-                                              <m:r>
-                                                <m:t>3</m:t>
-                                              </m:r>
-                                              <m:r>
-                                                <m:rPr>
-                                                  <m:sty m:val="p"/>
-                                                </m:rPr>
-                                                <m:t>,</m:t>
-                                              </m:r>
-                                              <m:r>
-                                                <m:t>n</m:t>
-                                              </m:r>
-                                            </m:e>
-                                          </m:d>
-                                          <m:r>
-                                            <m:rPr>
-                                              <m:sty m:val="p"/>
-                                            </m:rPr>
-                                            <m:t>}</m:t>
-                                          </m:r>
-                                        </m:e>
-                                        <m:lim>
-                                          <m:r>
-                                            <m:rPr>
-                                              <m:sty m:val="p"/>
-                                            </m:rPr>
-                                            <m:t>⏟</m:t>
-                                          </m:r>
-                                        </m:lim>
-                                      </m:limLow>
-                                    </m:e>
-                                    <m:lim>
-                                      <m:d>
-                                        <m:dPr>
-                                          <m:begChr m:val="("/>
-                                          <m:endChr m:val=")"/>
-                                          <m:sepChr m:val=""/>
-                                          <m:grow/>
-                                        </m:dPr>
-                                        <m:e>
-                                          <m:r>
-                                            <m:t>n</m:t>
-                                          </m:r>
-                                          <m:r>
-                                            <m:rPr>
-                                              <m:sty m:val="p"/>
-                                            </m:rPr>
-                                            <m:t>−</m:t>
-                                          </m:r>
-                                          <m:r>
-                                            <m:t>3</m:t>
-                                          </m:r>
-                                        </m:e>
-                                      </m:d>
-                                      <m:r>
-                                        <m:rPr>
-                                          <m:nor/>
-                                          <m:sty m:val="p"/>
-                                        </m:rPr>
-                                        <m:t> values</m:t>
-                                      </m:r>
-                                    </m:lim>
-                                  </m:limLow>
-                                </m:e>
-                              </m:mr>
-                            </m:m>
-                          </m:e>
-                          <m:e>
-                            <m:d>
-                              <m:dPr>
-                                <m:begChr m:val="{"/>
-                                <m:endChr m:val=""/>
-                                <m:sepChr m:val=""/>
-                                <m:grow/>
-                              </m:dPr>
-                              <m:e>
-                                <m:m>
-                                  <m:mPr>
-                                    <m:baseJc m:val="center"/>
-                                    <m:plcHide m:val="1"/>
-                                    <m:mcs>
-                                      <m:mc>
-                                        <m:mcPr>
-                                          <m:mcJc m:val="left"/>
-                                          <m:count m:val="1"/>
-                                        </m:mcPr>
-                                      </m:mc>
-                                      <m:mc>
-                                        <m:mcPr>
-                                          <m:mcJc m:val="left"/>
-                                          <m:count m:val="1"/>
-                                        </m:mcPr>
-                                      </m:mc>
-                                    </m:mcs>
-                                  </m:mPr>
-                                  <m:mr>
-                                    <m:e/>
-                                    <m:e>
-                                      <m:r>
-                                        <m:rPr>
-                                          <m:sty m:val="p"/>
-                                        </m:rPr>
-                                        <m:t>ℓ</m:t>
-                                      </m:r>
-                                      <m:r>
-                                        <m:rPr>
-                                          <m:sty m:val="p"/>
-                                        </m:rPr>
-                                        <m:t>=</m:t>
-                                      </m:r>
-                                      <m:r>
-                                        <m:t>4</m:t>
-                                      </m:r>
-                                    </m:e>
-                                  </m:mr>
-                                  <m:mr>
-                                    <m:e/>
-                                    <m:e>
-                                      <m:r>
-                                        <m:rPr>
-                                          <m:nor/>
-                                          <m:sty m:val="p"/>
-                                        </m:rPr>
-                                        <m:t>for </m:t>
-                                      </m:r>
-                                      <m:r>
-                                        <m:t>i</m:t>
-                                      </m:r>
-                                      <m:r>
-                                        <m:rPr>
-                                          <m:sty m:val="p"/>
-                                        </m:rPr>
-                                        <m:t>=</m:t>
-                                      </m:r>
-                                      <m:r>
-                                        <m:t>1</m:t>
-                                      </m:r>
-                                      <m:r>
-                                        <m:rPr>
-                                          <m:nor/>
-                                          <m:sty m:val="p"/>
-                                        </m:rPr>
-                                        <m:t> to </m:t>
-                                      </m:r>
-                                      <m:r>
-                                        <m:t>n</m:t>
-                                      </m:r>
-                                      <m:r>
-                                        <m:rPr>
-                                          <m:sty m:val="p"/>
-                                        </m:rPr>
-                                        <m:t>−</m:t>
-                                      </m:r>
-                                      <m:r>
-                                        <m:t>3</m:t>
-                                      </m:r>
-                                      <m:r>
-                                        <m:rPr>
-                                          <m:nor/>
-                                          <m:sty m:val="p"/>
-                                        </m:rPr>
-                                        <m:t> do </m:t>
-                                      </m:r>
-                                    </m:e>
-                                  </m:mr>
-                                  <m:mr>
-                                    <m:e/>
-                                    <m:e>
-                                      <m:r>
-                                        <m:t> </m:t>
-                                      </m:r>
-                                      <m:r>
-                                        <m:t>m</m:t>
-                                      </m:r>
-                                      <m:d>
-                                        <m:dPr>
-                                          <m:begChr m:val="["/>
-                                          <m:endChr m:val="]"/>
-                                          <m:sepChr m:val=""/>
-                                          <m:grow/>
-                                        </m:dPr>
-                                        <m:e>
-                                          <m:r>
-                                            <m:t>i</m:t>
-                                          </m:r>
-                                          <m:r>
-                                            <m:rPr>
-                                              <m:sty m:val="p"/>
-                                            </m:rPr>
-                                            <m:t>,</m:t>
-                                          </m:r>
-                                          <m:r>
-                                            <m:t>i</m:t>
-                                          </m:r>
-                                          <m:r>
-                                            <m:rPr>
-                                              <m:sty m:val="p"/>
-                                            </m:rPr>
-                                            <m:t>+</m:t>
-                                          </m:r>
-                                          <m:r>
-                                            <m:t>3</m:t>
-                                          </m:r>
-                                        </m:e>
-                                      </m:d>
-                                      <m:r>
-                                        <m:rPr>
-                                          <m:sty m:val="p"/>
-                                        </m:rPr>
-                                        <m:t>=</m:t>
-                                      </m:r>
-                                      <m:r>
-                                        <m:rPr>
-                                          <m:sty m:val="p"/>
-                                        </m:rPr>
-                                        <m:t>∞</m:t>
-                                      </m:r>
-                                    </m:e>
-                                  </m:mr>
-                                  <m:mr>
-                                    <m:e/>
-                                    <m:e>
-                                      <m:r>
-                                        <m:t> </m:t>
-                                      </m:r>
-                                      <m:r>
-                                        <m:t> </m:t>
-                                      </m:r>
-                                      <m:r>
-                                        <m:rPr>
-                                          <m:nor/>
-                                          <m:sty m:val="p"/>
-                                        </m:rPr>
-                                        <m:t>for </m:t>
-                                      </m:r>
-                                      <m:r>
-                                        <m:t>k</m:t>
-                                      </m:r>
-                                      <m:r>
-                                        <m:rPr>
-                                          <m:sty m:val="p"/>
-                                        </m:rPr>
-                                        <m:t>=</m:t>
-                                      </m:r>
-                                      <m:r>
-                                        <m:t>i</m:t>
-                                      </m:r>
-                                      <m:r>
-                                        <m:rPr>
-                                          <m:nor/>
-                                          <m:sty m:val="p"/>
-                                        </m:rPr>
-                                        <m:t> to </m:t>
-                                      </m:r>
-                                      <m:r>
-                                        <m:t>i</m:t>
-                                      </m:r>
-                                      <m:r>
-                                        <m:rPr>
-                                          <m:sty m:val="p"/>
-                                        </m:rPr>
-                                        <m:t>+</m:t>
-                                      </m:r>
-                                      <m:r>
-                                        <m:t>2</m:t>
-                                      </m:r>
-                                      <m:r>
-                                        <m:rPr>
-                                          <m:nor/>
-                                          <m:sty m:val="p"/>
-                                        </m:rPr>
-                                        <m:t> do </m:t>
-                                      </m:r>
-                                    </m:e>
-                                  </m:mr>
-                                  <m:mr>
-                                    <m:e/>
-                                    <m:e>
-                                      <m:r>
-                                        <m:t> </m:t>
-                                      </m:r>
-                                      <m:r>
-                                        <m:t> </m:t>
-                                      </m:r>
-                                      <m:r>
-                                        <m:t> </m:t>
-                                      </m:r>
-                                      <m:r>
-                                        <m:rPr>
-                                          <m:sty m:val="p"/>
-                                        </m:rPr>
-                                        <m:t>⋮</m:t>
-                                      </m:r>
-                                    </m:e>
-                                  </m:mr>
-                                </m:m>
-                              </m:e>
-                            </m:d>
-                          </m:e>
-                        </m:mr>
-                      </m:m>
-                    </m:oMath>
-                  </m:oMathPara>
-                </a14:m>
-              </a:p>
-            </p:txBody>
-          </p:sp>
-        </mc:Choice>
-      </mc:AlternateContent>
+      <p:sp>
+        <p:nvSpPr>
+          <p:cNvPr id="4" name="Text Placeholder 3"/>
+          <p:cNvSpPr>
+            <a:spLocks noGrp="1"/>
+          </p:cNvSpPr>
+          <p:nvPr>
+            <p:ph idx="2" sz="half" type="body"/>
+          </p:nvPr>
+        </p:nvSpPr>
+        <p:spPr/>
+        <p:txBody>
+          <a:bodyPr/>
+          <a:lstStyle/>
+          <a:p>
+            <a:pPr lvl="0" indent="0" marL="0">
+              <a:spcBef>
+                <a:spcPts val="3000"/>
+              </a:spcBef>
+              <a:buNone/>
+            </a:pPr>
+            <a:r>
+              <a:rPr b="1"/>
+              <a:t>Why we use the database?</a:t>
+            </a:r>
+          </a:p>
+          <a:p>
+            <a:pPr lvl="0"/>
+            <a:r>
+              <a:rPr/>
+              <a:t>Worked Companies</a:t>
+            </a:r>
+          </a:p>
+        </p:txBody>
+      </p:sp>
+      <p:pic>
+        <p:nvPicPr>
+          <p:cNvPr descr="fig:  assets/2022-03-09-17-46-31-image.png" id="0" name="Picture 1"/>
+          <p:cNvPicPr>
+            <a:picLocks noGrp="1" noChangeAspect="1"/>
+          </p:cNvPicPr>
+          <p:nvPr/>
+        </p:nvPicPr>
+        <p:blipFill>
+          <a:blip r:embed="rId2"/>
+          <a:stretch>
+            <a:fillRect/>
+          </a:stretch>
+        </p:blipFill>
+        <p:spPr bwMode="auto">
+          <a:xfrm>
+            <a:off x="3568700" y="1447800"/>
+            <a:ext cx="5105400" cy="2959100"/>
+          </a:xfrm>
+          <a:prstGeom prst="rect">
+            <a:avLst/>
+          </a:prstGeom>
+          <a:noFill/>
+          <a:ln w="9525">
+            <a:noFill/>
+            <a:headEnd/>
+            <a:tailEnd/>
+          </a:ln>
+        </p:spPr>
+      </p:pic>
+      <p:sp>
+        <p:nvSpPr>
+          <p:cNvPr id="1" name="TextBox 3"/>
+          <p:cNvSpPr txBox="1"/>
+          <p:nvPr/>
+        </p:nvSpPr>
+        <p:spPr>
+          <a:xfrm>
+            <a:off x="3568700" y="5600700"/>
+            <a:ext cx="5105400" cy="508000"/>
+          </a:xfrm>
+          <a:prstGeom prst="rect">
+            <a:avLst/>
+          </a:prstGeom>
+          <a:noFill/>
+        </p:spPr>
+        <p:txBody>
+          <a:bodyPr/>
+          <a:lstStyle/>
+          <a:p>
+            <a:pPr lvl="0" indent="0" marL="0" algn="ctr">
+              <a:buNone/>
+            </a:pPr>
+            <a:r>
+              <a:rPr/>
+              <a:t>center h:450px</a:t>
+            </a:r>
+          </a:p>
+        </p:txBody>
+      </p:sp>
     </p:spTree>
   </p:cSld>
 </p:sld>
@@ -4932,1319 +3666,101 @@
           <a:chExt cx="0" cy="0"/>
         </a:xfrm>
       </p:grpSpPr>
-      <mc:AlternateContent xmlns:mc="http://schemas.openxmlformats.org/markup-compatibility/2006">
-        <mc:Choice xmlns:a14="http://schemas.microsoft.com/office/drawing/2010/main" Requires="a14">
-          <p:sp>
-            <p:nvSpPr>
-              <p:cNvPr id="3" name="Content Placeholder 2"/>
-              <p:cNvSpPr>
-                <a:spLocks noGrp="1"/>
-              </p:cNvSpPr>
-              <p:nvPr>
-                <p:ph idx="1"/>
-              </p:nvPr>
-            </p:nvSpPr>
-            <p:spPr/>
-            <p:txBody>
-              <a:bodyPr/>
-              <a:lstStyle/>
-              <a:p>
-                <a:pPr lvl="0" indent="0" marL="0">
-                  <a:spcBef>
-                    <a:spcPts val="3000"/>
-                  </a:spcBef>
-                  <a:buNone/>
-                </a:pPr>
-                <a:r>
-                  <a:rPr b="1"/>
-                  <a:t>Latex Örneği-2</a:t>
-                </a:r>
-              </a:p>
-              <a:p>
-                <a:pPr lvl="0" indent="0" marL="0">
-                  <a:buNone/>
-                </a:pPr>
-                <a14:m>
-                  <m:oMathPara xmlns:m="http://schemas.openxmlformats.org/officeDocument/2006/math">
-                    <m:oMathParaPr>
-                      <m:jc m:val="center"/>
-                    </m:oMathParaPr>
-                    <m:oMath>
-                      <m:m>
-                        <m:mPr>
-                          <m:baseJc m:val="center"/>
-                          <m:plcHide m:val="1"/>
-                          <m:mcs>
-                            <m:mc>
-                              <m:mcPr>
-                                <m:mcJc m:val="right"/>
-                                <m:count m:val="1"/>
-                              </m:mcPr>
-                            </m:mc>
-                            <m:mc>
-                              <m:mcPr>
-                                <m:mcJc m:val="left"/>
-                                <m:count m:val="1"/>
-                              </m:mcPr>
-                            </m:mc>
-                          </m:mcs>
-                        </m:mPr>
-                        <m:mr>
-                          <m:e/>
-                          <m:e>
-                            <m:r>
-                              <m:rPr>
-                                <m:nor/>
-                                <m:sty m:val="p"/>
-                              </m:rPr>
-                              <m:t>OPTIMAL-BST-COST</m:t>
-                            </m:r>
-                            <m:d>
-                              <m:dPr>
-                                <m:begChr m:val="("/>
-                                <m:endChr m:val=")"/>
-                                <m:sepChr m:val=""/>
-                                <m:grow/>
-                              </m:dPr>
-                              <m:e>
-                                <m:r>
-                                  <m:t>p</m:t>
-                                </m:r>
-                                <m:r>
-                                  <m:rPr>
-                                    <m:sty m:val="p"/>
-                                  </m:rPr>
-                                  <m:t>,</m:t>
-                                </m:r>
-                                <m:r>
-                                  <m:t>n</m:t>
-                                </m:r>
-                              </m:e>
-                            </m:d>
-                          </m:e>
-                        </m:mr>
-                        <m:mr>
-                          <m:e/>
-                          <m:e>
-                            <m:r>
-                              <m:t> </m:t>
-                            </m:r>
-                            <m:r>
-                              <m:rPr>
-                                <m:nor/>
-                                <m:sty m:val="p"/>
-                              </m:rPr>
-                              <m:t>for</m:t>
-                            </m:r>
-                            <m:r>
-                              <m:t> </m:t>
-                            </m:r>
-                            <m:r>
-                              <m:t>i</m:t>
-                            </m:r>
-                            <m:r>
-                              <m:rPr>
-                                <m:sty m:val="p"/>
-                              </m:rPr>
-                              <m:t>←</m:t>
-                            </m:r>
-                            <m:r>
-                              <m:t>1</m:t>
-                            </m:r>
-                            <m:r>
-                              <m:t> </m:t>
-                            </m:r>
-                            <m:r>
-                              <m:rPr>
-                                <m:nor/>
-                                <m:sty m:val="p"/>
-                              </m:rPr>
-                              <m:t>to</m:t>
-                            </m:r>
-                            <m:r>
-                              <m:t> </m:t>
-                            </m:r>
-                            <m:r>
-                              <m:t>n</m:t>
-                            </m:r>
-                            <m:r>
-                              <m:t> </m:t>
-                            </m:r>
-                            <m:r>
-                              <m:rPr>
-                                <m:nor/>
-                                <m:sty m:val="p"/>
-                              </m:rPr>
-                              <m:t>do</m:t>
-                            </m:r>
-                          </m:e>
-                        </m:mr>
-                        <m:mr>
-                          <m:e/>
-                          <m:e>
-                            <m:r>
-                              <m:t>  </m:t>
-                            </m:r>
-                            <m:r>
-                              <m:t>c</m:t>
-                            </m:r>
-                            <m:d>
-                              <m:dPr>
-                                <m:begChr m:val="["/>
-                                <m:endChr m:val="]"/>
-                                <m:sepChr m:val=""/>
-                                <m:grow/>
-                              </m:dPr>
-                              <m:e>
-                                <m:r>
-                                  <m:t>i</m:t>
-                                </m:r>
-                                <m:r>
-                                  <m:rPr>
-                                    <m:sty m:val="p"/>
-                                  </m:rPr>
-                                  <m:t>,</m:t>
-                                </m:r>
-                                <m:r>
-                                  <m:t>i</m:t>
-                                </m:r>
-                                <m:r>
-                                  <m:rPr>
-                                    <m:sty m:val="p"/>
-                                  </m:rPr>
-                                  <m:t>−</m:t>
-                                </m:r>
-                                <m:r>
-                                  <m:t>1</m:t>
-                                </m:r>
-                              </m:e>
-                            </m:d>
-                            <m:r>
-                              <m:rPr>
-                                <m:sty m:val="p"/>
-                              </m:rPr>
-                              <m:t>←</m:t>
-                            </m:r>
-                            <m:r>
-                              <m:t>0</m:t>
-                            </m:r>
-                          </m:e>
-                        </m:mr>
-                        <m:mr>
-                          <m:e/>
-                          <m:e>
-                            <m:r>
-                              <m:t>  </m:t>
-                            </m:r>
-                            <m:r>
-                              <m:t>c</m:t>
-                            </m:r>
-                            <m:d>
-                              <m:dPr>
-                                <m:begChr m:val="["/>
-                                <m:endChr m:val="]"/>
-                                <m:sepChr m:val=""/>
-                                <m:grow/>
-                              </m:dPr>
-                              <m:e>
-                                <m:r>
-                                  <m:t>i</m:t>
-                                </m:r>
-                                <m:r>
-                                  <m:rPr>
-                                    <m:sty m:val="p"/>
-                                  </m:rPr>
-                                  <m:t>,</m:t>
-                                </m:r>
-                                <m:r>
-                                  <m:t>i</m:t>
-                                </m:r>
-                              </m:e>
-                            </m:d>
-                            <m:r>
-                              <m:rPr>
-                                <m:sty m:val="p"/>
-                              </m:rPr>
-                              <m:t>←</m:t>
-                            </m:r>
-                            <m:r>
-                              <m:t>p</m:t>
-                            </m:r>
-                            <m:d>
-                              <m:dPr>
-                                <m:begChr m:val="["/>
-                                <m:endChr m:val="]"/>
-                                <m:sepChr m:val=""/>
-                                <m:grow/>
-                              </m:dPr>
-                              <m:e>
-                                <m:r>
-                                  <m:t>i</m:t>
-                                </m:r>
-                              </m:e>
-                            </m:d>
-                          </m:e>
-                        </m:mr>
-                        <m:mr>
-                          <m:e/>
-                          <m:e>
-                            <m:r>
-                              <m:t>  </m:t>
-                            </m:r>
-                            <m:r>
-                              <m:t>R</m:t>
-                            </m:r>
-                            <m:d>
-                              <m:dPr>
-                                <m:begChr m:val="["/>
-                                <m:endChr m:val="]"/>
-                                <m:sepChr m:val=""/>
-                                <m:grow/>
-                              </m:dPr>
-                              <m:e>
-                                <m:r>
-                                  <m:t>i</m:t>
-                                </m:r>
-                                <m:r>
-                                  <m:rPr>
-                                    <m:sty m:val="p"/>
-                                  </m:rPr>
-                                  <m:t>,</m:t>
-                                </m:r>
-                                <m:r>
-                                  <m:t>j</m:t>
-                                </m:r>
-                              </m:e>
-                            </m:d>
-                            <m:r>
-                              <m:rPr>
-                                <m:sty m:val="p"/>
-                              </m:rPr>
-                              <m:t>←</m:t>
-                            </m:r>
-                            <m:r>
-                              <m:t>i</m:t>
-                            </m:r>
-                          </m:e>
-                        </m:mr>
-                        <m:mr>
-                          <m:e/>
-                          <m:e>
-                            <m:r>
-                              <m:t> </m:t>
-                            </m:r>
-                            <m:r>
-                              <m:t>P</m:t>
-                            </m:r>
-                            <m:r>
-                              <m:t>S</m:t>
-                            </m:r>
-                            <m:d>
-                              <m:dPr>
-                                <m:begChr m:val="["/>
-                                <m:endChr m:val="]"/>
-                                <m:sepChr m:val=""/>
-                                <m:grow/>
-                              </m:dPr>
-                              <m:e>
-                                <m:r>
-                                  <m:t>1</m:t>
-                                </m:r>
-                              </m:e>
-                            </m:d>
-                            <m:r>
-                              <m:rPr>
-                                <m:sty m:val="p"/>
-                              </m:rPr>
-                              <m:t>←</m:t>
-                            </m:r>
-                            <m:r>
-                              <m:t>p</m:t>
-                            </m:r>
-                            <m:d>
-                              <m:dPr>
-                                <m:begChr m:val="["/>
-                                <m:endChr m:val="]"/>
-                                <m:sepChr m:val=""/>
-                                <m:grow/>
-                              </m:dPr>
-                              <m:e>
-                                <m:r>
-                                  <m:t>1</m:t>
-                                </m:r>
-                              </m:e>
-                            </m:d>
-                            <m:r>
-                              <m:rPr>
-                                <m:sty m:val="p"/>
-                              </m:rPr>
-                              <m:t>⇐</m:t>
-                            </m:r>
-                            <m:r>
-                              <m:t>P</m:t>
-                            </m:r>
-                            <m:r>
-                              <m:t>S</m:t>
-                            </m:r>
-                            <m:d>
-                              <m:dPr>
-                                <m:begChr m:val="["/>
-                                <m:endChr m:val="]"/>
-                                <m:sepChr m:val=""/>
-                                <m:grow/>
-                              </m:dPr>
-                              <m:e>
-                                <m:r>
-                                  <m:t>i</m:t>
-                                </m:r>
-                              </m:e>
-                            </m:d>
-                            <m:r>
-                              <m:rPr>
-                                <m:sty m:val="p"/>
-                              </m:rPr>
-                              <m:t>→</m:t>
-                            </m:r>
-                            <m:r>
-                              <m:rPr>
-                                <m:nor/>
-                                <m:sty m:val="p"/>
-                              </m:rPr>
-                              <m:t> prefix-sum </m:t>
-                            </m:r>
-                            <m:d>
-                              <m:dPr>
-                                <m:begChr m:val="("/>
-                                <m:endChr m:val=")"/>
-                                <m:sepChr m:val=""/>
-                                <m:grow/>
-                              </m:dPr>
-                              <m:e>
-                                <m:r>
-                                  <m:t>i</m:t>
-                                </m:r>
-                              </m:e>
-                            </m:d>
-                            <m:r>
-                              <m:rPr>
-                                <m:sty m:val="p"/>
-                              </m:rPr>
-                              <m:t>:</m:t>
-                            </m:r>
-                            <m:r>
-                              <m:rPr>
-                                <m:nor/>
-                                <m:sty m:val="p"/>
-                              </m:rPr>
-                              <m:t>Sum of all</m:t>
-                            </m:r>
-                            <m:r>
-                              <m:t> </m:t>
-                            </m:r>
-                            <m:r>
-                              <m:t>p</m:t>
-                            </m:r>
-                            <m:d>
-                              <m:dPr>
-                                <m:begChr m:val="["/>
-                                <m:endChr m:val="]"/>
-                                <m:sepChr m:val=""/>
-                                <m:grow/>
-                              </m:dPr>
-                              <m:e>
-                                <m:r>
-                                  <m:t>j</m:t>
-                                </m:r>
-                              </m:e>
-                            </m:d>
-                            <m:r>
-                              <m:t> </m:t>
-                            </m:r>
-                            <m:r>
-                              <m:rPr>
-                                <m:nor/>
-                                <m:sty m:val="p"/>
-                              </m:rPr>
-                              <m:t>values for</m:t>
-                            </m:r>
-                            <m:r>
-                              <m:t> </m:t>
-                            </m:r>
-                            <m:r>
-                              <m:t>j</m:t>
-                            </m:r>
-                            <m:r>
-                              <m:rPr>
-                                <m:sty m:val="p"/>
-                              </m:rPr>
-                              <m:t>≤</m:t>
-                            </m:r>
-                            <m:r>
-                              <m:t>i</m:t>
-                            </m:r>
-                          </m:e>
-                        </m:mr>
-                        <m:mr>
-                          <m:e/>
-                          <m:e>
-                            <m:r>
-                              <m:t> </m:t>
-                            </m:r>
-                            <m:r>
-                              <m:rPr>
-                                <m:nor/>
-                                <m:sty m:val="p"/>
-                              </m:rPr>
-                              <m:t>for</m:t>
-                            </m:r>
-                            <m:r>
-                              <m:t> </m:t>
-                            </m:r>
-                            <m:r>
-                              <m:t>i</m:t>
-                            </m:r>
-                            <m:r>
-                              <m:rPr>
-                                <m:sty m:val="p"/>
-                              </m:rPr>
-                              <m:t>←</m:t>
-                            </m:r>
-                            <m:r>
-                              <m:t>2</m:t>
-                            </m:r>
-                            <m:r>
-                              <m:t> </m:t>
-                            </m:r>
-                            <m:r>
-                              <m:rPr>
-                                <m:nor/>
-                                <m:sty m:val="p"/>
-                              </m:rPr>
-                              <m:t>to</m:t>
-                            </m:r>
-                            <m:r>
-                              <m:t> </m:t>
-                            </m:r>
-                            <m:r>
-                              <m:t>n</m:t>
-                            </m:r>
-                            <m:r>
-                              <m:t> </m:t>
-                            </m:r>
-                            <m:r>
-                              <m:rPr>
-                                <m:nor/>
-                                <m:sty m:val="p"/>
-                              </m:rPr>
-                              <m:t>do</m:t>
-                            </m:r>
-                          </m:e>
-                        </m:mr>
-                        <m:mr>
-                          <m:e/>
-                          <m:e>
-                            <m:r>
-                              <m:t>  </m:t>
-                            </m:r>
-                            <m:r>
-                              <m:t>P</m:t>
-                            </m:r>
-                            <m:r>
-                              <m:t>S</m:t>
-                            </m:r>
-                            <m:d>
-                              <m:dPr>
-                                <m:begChr m:val="["/>
-                                <m:endChr m:val="]"/>
-                                <m:sepChr m:val=""/>
-                                <m:grow/>
-                              </m:dPr>
-                              <m:e>
-                                <m:r>
-                                  <m:t>i</m:t>
-                                </m:r>
-                              </m:e>
-                            </m:d>
-                            <m:r>
-                              <m:rPr>
-                                <m:sty m:val="p"/>
-                              </m:rPr>
-                              <m:t>←</m:t>
-                            </m:r>
-                            <m:r>
-                              <m:t>p</m:t>
-                            </m:r>
-                            <m:d>
-                              <m:dPr>
-                                <m:begChr m:val="["/>
-                                <m:endChr m:val="]"/>
-                                <m:sepChr m:val=""/>
-                                <m:grow/>
-                              </m:dPr>
-                              <m:e>
-                                <m:r>
-                                  <m:t>i</m:t>
-                                </m:r>
-                              </m:e>
-                            </m:d>
-                            <m:r>
-                              <m:rPr>
-                                <m:sty m:val="p"/>
-                              </m:rPr>
-                              <m:t>+</m:t>
-                            </m:r>
-                            <m:r>
-                              <m:t>P</m:t>
-                            </m:r>
-                            <m:r>
-                              <m:t>S</m:t>
-                            </m:r>
-                            <m:d>
-                              <m:dPr>
-                                <m:begChr m:val="["/>
-                                <m:endChr m:val="]"/>
-                                <m:sepChr m:val=""/>
-                                <m:grow/>
-                              </m:dPr>
-                              <m:e>
-                                <m:r>
-                                  <m:t>i</m:t>
-                                </m:r>
-                                <m:r>
-                                  <m:rPr>
-                                    <m:sty m:val="p"/>
-                                  </m:rPr>
-                                  <m:t>−</m:t>
-                                </m:r>
-                                <m:r>
-                                  <m:t>1</m:t>
-                                </m:r>
-                              </m:e>
-                            </m:d>
-                            <m:r>
-                              <m:rPr>
-                                <m:sty m:val="p"/>
-                              </m:rPr>
-                              <m:t>⇐</m:t>
-                            </m:r>
-                            <m:r>
-                              <m:rPr>
-                                <m:nor/>
-                                <m:sty m:val="p"/>
-                              </m:rPr>
-                              <m:t>compute the prefix sum</m:t>
-                            </m:r>
-                          </m:e>
-                        </m:mr>
-                        <m:mr>
-                          <m:e/>
-                          <m:e>
-                            <m:r>
-                              <m:t> </m:t>
-                            </m:r>
-                            <m:r>
-                              <m:rPr>
-                                <m:nor/>
-                                <m:sty m:val="p"/>
-                              </m:rPr>
-                              <m:t>for</m:t>
-                            </m:r>
-                            <m:r>
-                              <m:t> </m:t>
-                            </m:r>
-                            <m:r>
-                              <m:t>d</m:t>
-                            </m:r>
-                            <m:r>
-                              <m:rPr>
-                                <m:sty m:val="p"/>
-                              </m:rPr>
-                              <m:t>←</m:t>
-                            </m:r>
-                            <m:r>
-                              <m:t>1</m:t>
-                            </m:r>
-                            <m:r>
-                              <m:t> </m:t>
-                            </m:r>
-                            <m:r>
-                              <m:rPr>
-                                <m:nor/>
-                                <m:sty m:val="p"/>
-                              </m:rPr>
-                              <m:t>to</m:t>
-                            </m:r>
-                            <m:r>
-                              <m:t> </m:t>
-                            </m:r>
-                            <m:r>
-                              <m:t>n</m:t>
-                            </m:r>
-                            <m:r>
-                              <m:rPr>
-                                <m:sty m:val="p"/>
-                              </m:rPr>
-                              <m:t>−</m:t>
-                            </m:r>
-                            <m:r>
-                              <m:t>1</m:t>
-                            </m:r>
-                            <m:r>
-                              <m:t> </m:t>
-                            </m:r>
-                            <m:r>
-                              <m:rPr>
-                                <m:nor/>
-                                <m:sty m:val="p"/>
-                              </m:rPr>
-                              <m:t>do</m:t>
-                            </m:r>
-                            <m:r>
-                              <m:rPr>
-                                <m:sty m:val="p"/>
-                              </m:rPr>
-                              <m:t>⇐</m:t>
-                            </m:r>
-                            <m:r>
-                              <m:rPr>
-                                <m:nor/>
-                                <m:sty m:val="p"/>
-                              </m:rPr>
-                              <m:t>BSTs with</m:t>
-                            </m:r>
-                            <m:r>
-                              <m:t> </m:t>
-                            </m:r>
-                            <m:r>
-                              <m:t>d</m:t>
-                            </m:r>
-                            <m:r>
-                              <m:rPr>
-                                <m:sty m:val="p"/>
-                              </m:rPr>
-                              <m:t>+</m:t>
-                            </m:r>
-                            <m:r>
-                              <m:t>1</m:t>
-                            </m:r>
-                            <m:r>
-                              <m:t> </m:t>
-                            </m:r>
-                            <m:r>
-                              <m:rPr>
-                                <m:nor/>
-                                <m:sty m:val="p"/>
-                              </m:rPr>
-                              <m:t>consecutive keys</m:t>
-                            </m:r>
-                          </m:e>
-                        </m:mr>
-                        <m:mr>
-                          <m:e/>
-                          <m:e>
-                            <m:r>
-                              <m:t>  </m:t>
-                            </m:r>
-                            <m:r>
-                              <m:rPr>
-                                <m:nor/>
-                                <m:sty m:val="p"/>
-                              </m:rPr>
-                              <m:t>for</m:t>
-                            </m:r>
-                            <m:r>
-                              <m:t> </m:t>
-                            </m:r>
-                            <m:r>
-                              <m:t>i</m:t>
-                            </m:r>
-                            <m:r>
-                              <m:rPr>
-                                <m:sty m:val="p"/>
-                              </m:rPr>
-                              <m:t>←</m:t>
-                            </m:r>
-                            <m:r>
-                              <m:t>1</m:t>
-                            </m:r>
-                            <m:r>
-                              <m:t> </m:t>
-                            </m:r>
-                            <m:r>
-                              <m:rPr>
-                                <m:nor/>
-                                <m:sty m:val="p"/>
-                              </m:rPr>
-                              <m:t>to</m:t>
-                            </m:r>
-                            <m:r>
-                              <m:t> </m:t>
-                            </m:r>
-                            <m:r>
-                              <m:t>n</m:t>
-                            </m:r>
-                            <m:r>
-                              <m:rPr>
-                                <m:sty m:val="p"/>
-                              </m:rPr>
-                              <m:t>–</m:t>
-                            </m:r>
-                            <m:r>
-                              <m:t>d</m:t>
-                            </m:r>
-                            <m:r>
-                              <m:t> </m:t>
-                            </m:r>
-                            <m:r>
-                              <m:rPr>
-                                <m:nor/>
-                                <m:sty m:val="p"/>
-                              </m:rPr>
-                              <m:t>do</m:t>
-                            </m:r>
-                          </m:e>
-                        </m:mr>
-                        <m:mr>
-                          <m:e/>
-                          <m:e>
-                            <m:r>
-                              <m:t>  </m:t>
-                            </m:r>
-                            <m:r>
-                              <m:t> </m:t>
-                            </m:r>
-                            <m:r>
-                              <m:t>j</m:t>
-                            </m:r>
-                            <m:r>
-                              <m:rPr>
-                                <m:sty m:val="p"/>
-                              </m:rPr>
-                              <m:t>←</m:t>
-                            </m:r>
-                            <m:r>
-                              <m:t>i</m:t>
-                            </m:r>
-                            <m:r>
-                              <m:rPr>
-                                <m:sty m:val="p"/>
-                              </m:rPr>
-                              <m:t>+</m:t>
-                            </m:r>
-                            <m:r>
-                              <m:t>d</m:t>
-                            </m:r>
-                          </m:e>
-                        </m:mr>
-                        <m:mr>
-                          <m:e/>
-                          <m:e>
-                            <m:r>
-                              <m:t>  </m:t>
-                            </m:r>
-                            <m:r>
-                              <m:t> </m:t>
-                            </m:r>
-                            <m:r>
-                              <m:t>c</m:t>
-                            </m:r>
-                            <m:d>
-                              <m:dPr>
-                                <m:begChr m:val="["/>
-                                <m:endChr m:val="]"/>
-                                <m:sepChr m:val=""/>
-                                <m:grow/>
-                              </m:dPr>
-                              <m:e>
-                                <m:r>
-                                  <m:t>i</m:t>
-                                </m:r>
-                                <m:r>
-                                  <m:rPr>
-                                    <m:sty m:val="p"/>
-                                  </m:rPr>
-                                  <m:t>,</m:t>
-                                </m:r>
-                                <m:r>
-                                  <m:t>j</m:t>
-                                </m:r>
-                              </m:e>
-                            </m:d>
-                            <m:r>
-                              <m:rPr>
-                                <m:sty m:val="p"/>
-                              </m:rPr>
-                              <m:t>←</m:t>
-                            </m:r>
-                            <m:r>
-                              <m:rPr>
-                                <m:sty m:val="p"/>
-                              </m:rPr>
-                              <m:t>∞</m:t>
-                            </m:r>
-                          </m:e>
-                        </m:mr>
-                        <m:mr>
-                          <m:e/>
-                          <m:e>
-                            <m:r>
-                              <m:t>  </m:t>
-                            </m:r>
-                            <m:r>
-                              <m:t> </m:t>
-                            </m:r>
-                            <m:r>
-                              <m:rPr>
-                                <m:nor/>
-                                <m:sty m:val="p"/>
-                              </m:rPr>
-                              <m:t>for</m:t>
-                            </m:r>
-                            <m:r>
-                              <m:t> </m:t>
-                            </m:r>
-                            <m:r>
-                              <m:t>r</m:t>
-                            </m:r>
-                            <m:r>
-                              <m:rPr>
-                                <m:sty m:val="p"/>
-                              </m:rPr>
-                              <m:t>←</m:t>
-                            </m:r>
-                            <m:r>
-                              <m:t>i</m:t>
-                            </m:r>
-                            <m:r>
-                              <m:t> </m:t>
-                            </m:r>
-                            <m:r>
-                              <m:rPr>
-                                <m:nor/>
-                                <m:sty m:val="p"/>
-                              </m:rPr>
-                              <m:t>to</m:t>
-                            </m:r>
-                            <m:r>
-                              <m:t> </m:t>
-                            </m:r>
-                            <m:r>
-                              <m:t>j</m:t>
-                            </m:r>
-                            <m:r>
-                              <m:t> </m:t>
-                            </m:r>
-                            <m:r>
-                              <m:rPr>
-                                <m:nor/>
-                                <m:sty m:val="p"/>
-                              </m:rPr>
-                              <m:t>do</m:t>
-                            </m:r>
-                          </m:e>
-                        </m:mr>
-                        <m:mr>
-                          <m:e/>
-                          <m:e>
-                            <m:r>
-                              <m:t>  </m:t>
-                            </m:r>
-                            <m:r>
-                              <m:t>  </m:t>
-                            </m:r>
-                            <m:r>
-                              <m:t>q</m:t>
-                            </m:r>
-                            <m:r>
-                              <m:rPr>
-                                <m:sty m:val="p"/>
-                              </m:rPr>
-                              <m:t>←</m:t>
-                            </m:r>
-                            <m:r>
-                              <m:t>m</m:t>
-                            </m:r>
-                            <m:r>
-                              <m:t>i</m:t>
-                            </m:r>
-                            <m:r>
-                              <m:t>n</m:t>
-                            </m:r>
-                            <m:r>
-                              <m:rPr>
-                                <m:sty m:val="p"/>
-                              </m:rPr>
-                              <m:t>{</m:t>
-                            </m:r>
-                            <m:r>
-                              <m:t>c</m:t>
-                            </m:r>
-                            <m:d>
-                              <m:dPr>
-                                <m:begChr m:val="["/>
-                                <m:endChr m:val="]"/>
-                                <m:sepChr m:val=""/>
-                                <m:grow/>
-                              </m:dPr>
-                              <m:e>
-                                <m:r>
-                                  <m:t>i</m:t>
-                                </m:r>
-                                <m:r>
-                                  <m:rPr>
-                                    <m:sty m:val="p"/>
-                                  </m:rPr>
-                                  <m:t>,</m:t>
-                                </m:r>
-                                <m:r>
-                                  <m:t>r</m:t>
-                                </m:r>
-                                <m:r>
-                                  <m:rPr>
-                                    <m:sty m:val="p"/>
-                                  </m:rPr>
-                                  <m:t>−</m:t>
-                                </m:r>
-                                <m:r>
-                                  <m:t>1</m:t>
-                                </m:r>
-                              </m:e>
-                            </m:d>
-                            <m:r>
-                              <m:rPr>
-                                <m:sty m:val="p"/>
-                              </m:rPr>
-                              <m:t>+</m:t>
-                            </m:r>
-                            <m:r>
-                              <m:t>c</m:t>
-                            </m:r>
-                            <m:d>
-                              <m:dPr>
-                                <m:begChr m:val="["/>
-                                <m:endChr m:val="]"/>
-                                <m:sepChr m:val=""/>
-                                <m:grow/>
-                              </m:dPr>
-                              <m:e>
-                                <m:r>
-                                  <m:t>r</m:t>
-                                </m:r>
-                                <m:r>
-                                  <m:rPr>
-                                    <m:sty m:val="p"/>
-                                  </m:rPr>
-                                  <m:t>+</m:t>
-                                </m:r>
-                                <m:r>
-                                  <m:t>1</m:t>
-                                </m:r>
-                                <m:r>
-                                  <m:rPr>
-                                    <m:sty m:val="p"/>
-                                  </m:rPr>
-                                  <m:t>,</m:t>
-                                </m:r>
-                                <m:r>
-                                  <m:t>j</m:t>
-                                </m:r>
-                              </m:e>
-                            </m:d>
-                            <m:r>
-                              <m:rPr>
-                                <m:sty m:val="p"/>
-                              </m:rPr>
-                              <m:t>}</m:t>
-                            </m:r>
-                            <m:r>
-                              <m:rPr>
-                                <m:sty m:val="p"/>
-                              </m:rPr>
-                              <m:t>+</m:t>
-                            </m:r>
-                            <m:r>
-                              <m:t>P</m:t>
-                            </m:r>
-                            <m:r>
-                              <m:t>S</m:t>
-                            </m:r>
-                            <m:d>
-                              <m:dPr>
-                                <m:begChr m:val="["/>
-                                <m:endChr m:val="]"/>
-                                <m:sepChr m:val=""/>
-                                <m:grow/>
-                              </m:dPr>
-                              <m:e>
-                                <m:r>
-                                  <m:t>j</m:t>
-                                </m:r>
-                              </m:e>
-                            </m:d>
-                            <m:r>
-                              <m:rPr>
-                                <m:sty m:val="p"/>
-                              </m:rPr>
-                              <m:t>–</m:t>
-                            </m:r>
-                            <m:r>
-                              <m:t>P</m:t>
-                            </m:r>
-                            <m:r>
-                              <m:t>S</m:t>
-                            </m:r>
-                            <m:d>
-                              <m:dPr>
-                                <m:begChr m:val="["/>
-                                <m:endChr m:val="]"/>
-                                <m:sepChr m:val=""/>
-                                <m:grow/>
-                              </m:dPr>
-                              <m:e>
-                                <m:r>
-                                  <m:t>i</m:t>
-                                </m:r>
-                                <m:r>
-                                  <m:rPr>
-                                    <m:sty m:val="p"/>
-                                  </m:rPr>
-                                  <m:t>−</m:t>
-                                </m:r>
-                                <m:r>
-                                  <m:t>1</m:t>
-                                </m:r>
-                              </m:e>
-                            </m:d>
-                            <m:r>
-                              <m:rPr>
-                                <m:sty m:val="p"/>
-                              </m:rPr>
-                              <m:t>}</m:t>
-                            </m:r>
-                          </m:e>
-                        </m:mr>
-                        <m:mr>
-                          <m:e/>
-                          <m:e>
-                            <m:r>
-                              <m:t>  </m:t>
-                            </m:r>
-                            <m:r>
-                              <m:t>  </m:t>
-                            </m:r>
-                            <m:r>
-                              <m:rPr>
-                                <m:nor/>
-                                <m:sty m:val="p"/>
-                              </m:rPr>
-                              <m:t>if</m:t>
-                            </m:r>
-                            <m:r>
-                              <m:t> </m:t>
-                            </m:r>
-                            <m:r>
-                              <m:t>q</m:t>
-                            </m:r>
-                            <m:r>
-                              <m:rPr>
-                                <m:sty m:val="p"/>
-                              </m:rPr>
-                              <m:t>&lt;</m:t>
-                            </m:r>
-                            <m:r>
-                              <m:t>c</m:t>
-                            </m:r>
-                            <m:d>
-                              <m:dPr>
-                                <m:begChr m:val="["/>
-                                <m:endChr m:val="]"/>
-                                <m:sepChr m:val=""/>
-                                <m:grow/>
-                              </m:dPr>
-                              <m:e>
-                                <m:r>
-                                  <m:t>i</m:t>
-                                </m:r>
-                                <m:r>
-                                  <m:rPr>
-                                    <m:sty m:val="p"/>
-                                  </m:rPr>
-                                  <m:t>,</m:t>
-                                </m:r>
-                                <m:r>
-                                  <m:t>j</m:t>
-                                </m:r>
-                              </m:e>
-                            </m:d>
-                            <m:r>
-                              <m:t> </m:t>
-                            </m:r>
-                            <m:r>
-                              <m:rPr>
-                                <m:nor/>
-                                <m:sty m:val="p"/>
-                              </m:rPr>
-                              <m:t>then</m:t>
-                            </m:r>
-                          </m:e>
-                        </m:mr>
-                        <m:mr>
-                          <m:e/>
-                          <m:e>
-                            <m:r>
-                              <m:t>  </m:t>
-                            </m:r>
-                            <m:r>
-                              <m:t>  </m:t>
-                            </m:r>
-                            <m:r>
-                              <m:t> </m:t>
-                            </m:r>
-                            <m:r>
-                              <m:t>c</m:t>
-                            </m:r>
-                            <m:d>
-                              <m:dPr>
-                                <m:begChr m:val="["/>
-                                <m:endChr m:val="]"/>
-                                <m:sepChr m:val=""/>
-                                <m:grow/>
-                              </m:dPr>
-                              <m:e>
-                                <m:r>
-                                  <m:t>i</m:t>
-                                </m:r>
-                                <m:r>
-                                  <m:rPr>
-                                    <m:sty m:val="p"/>
-                                  </m:rPr>
-                                  <m:t>,</m:t>
-                                </m:r>
-                                <m:r>
-                                  <m:t>j</m:t>
-                                </m:r>
-                              </m:e>
-                            </m:d>
-                            <m:r>
-                              <m:rPr>
-                                <m:sty m:val="p"/>
-                              </m:rPr>
-                              <m:t>←</m:t>
-                            </m:r>
-                            <m:r>
-                              <m:t>q</m:t>
-                            </m:r>
-                          </m:e>
-                        </m:mr>
-                        <m:mr>
-                          <m:e/>
-                          <m:e>
-                            <m:r>
-                              <m:t>  </m:t>
-                            </m:r>
-                            <m:r>
-                              <m:t>  </m:t>
-                            </m:r>
-                            <m:r>
-                              <m:t> </m:t>
-                            </m:r>
-                            <m:r>
-                              <m:t>R</m:t>
-                            </m:r>
-                            <m:d>
-                              <m:dPr>
-                                <m:begChr m:val="["/>
-                                <m:endChr m:val="]"/>
-                                <m:sepChr m:val=""/>
-                                <m:grow/>
-                              </m:dPr>
-                              <m:e>
-                                <m:r>
-                                  <m:t>i</m:t>
-                                </m:r>
-                                <m:r>
-                                  <m:rPr>
-                                    <m:sty m:val="p"/>
-                                  </m:rPr>
-                                  <m:t>,</m:t>
-                                </m:r>
-                                <m:r>
-                                  <m:t>j</m:t>
-                                </m:r>
-                              </m:e>
-                            </m:d>
-                            <m:r>
-                              <m:rPr>
-                                <m:sty m:val="p"/>
-                              </m:rPr>
-                              <m:t>←</m:t>
-                            </m:r>
-                            <m:r>
-                              <m:t>r</m:t>
-                            </m:r>
-                          </m:e>
-                        </m:mr>
-                        <m:mr>
-                          <m:e/>
-                          <m:e>
-                            <m:r>
-                              <m:t> </m:t>
-                            </m:r>
-                            <m:r>
-                              <m:rPr>
-                                <m:nor/>
-                                <m:sty m:val="p"/>
-                              </m:rPr>
-                              <m:t>return</m:t>
-                            </m:r>
-                            <m:r>
-                              <m:t> </m:t>
-                            </m:r>
-                            <m:r>
-                              <m:t>c</m:t>
-                            </m:r>
-                            <m:d>
-                              <m:dPr>
-                                <m:begChr m:val="["/>
-                                <m:endChr m:val="]"/>
-                                <m:sepChr m:val=""/>
-                                <m:grow/>
-                              </m:dPr>
-                              <m:e>
-                                <m:r>
-                                  <m:t>1</m:t>
-                                </m:r>
-                                <m:r>
-                                  <m:rPr>
-                                    <m:sty m:val="p"/>
-                                  </m:rPr>
-                                  <m:t>,</m:t>
-                                </m:r>
-                                <m:r>
-                                  <m:t>n</m:t>
-                                </m:r>
-                              </m:e>
-                            </m:d>
-                            <m:r>
-                              <m:rPr>
-                                <m:sty m:val="p"/>
-                              </m:rPr>
-                              <m:t>,</m:t>
-                            </m:r>
-                            <m:r>
-                              <m:t>R</m:t>
-                            </m:r>
-                          </m:e>
-                        </m:mr>
-                      </m:m>
-                    </m:oMath>
-                  </m:oMathPara>
-                </a14:m>
-              </a:p>
-            </p:txBody>
-          </p:sp>
-        </mc:Choice>
-      </mc:AlternateContent>
+      <p:sp>
+        <p:nvSpPr>
+          <p:cNvPr id="4" name="Text Placeholder 3"/>
+          <p:cNvSpPr>
+            <a:spLocks noGrp="1"/>
+          </p:cNvSpPr>
+          <p:nvPr>
+            <p:ph idx="2" sz="half" type="body"/>
+          </p:nvPr>
+        </p:nvSpPr>
+        <p:spPr/>
+        <p:txBody>
+          <a:bodyPr/>
+          <a:lstStyle/>
+          <a:p>
+            <a:pPr lvl="0" indent="0" marL="0">
+              <a:spcBef>
+                <a:spcPts val="3000"/>
+              </a:spcBef>
+              <a:buNone/>
+            </a:pPr>
+            <a:r>
+              <a:rPr b="1"/>
+              <a:t>Why we use the database?</a:t>
+            </a:r>
+          </a:p>
+          <a:p>
+            <a:pPr lvl="0"/>
+            <a:r>
+              <a:rPr/>
+              <a:t>Sales Information</a:t>
+            </a:r>
+          </a:p>
+        </p:txBody>
+      </p:sp>
+      <p:pic>
+        <p:nvPicPr>
+          <p:cNvPr descr="fig:  assets/2022-03-09-17-47-16-image.png" id="0" name="Picture 1"/>
+          <p:cNvPicPr>
+            <a:picLocks noGrp="1" noChangeAspect="1"/>
+          </p:cNvPicPr>
+          <p:nvPr/>
+        </p:nvPicPr>
+        <p:blipFill>
+          <a:blip r:embed="rId2"/>
+          <a:stretch>
+            <a:fillRect/>
+          </a:stretch>
+        </p:blipFill>
+        <p:spPr bwMode="auto">
+          <a:xfrm>
+            <a:off x="4013200" y="266700"/>
+            <a:ext cx="4203700" cy="5334000"/>
+          </a:xfrm>
+          <a:prstGeom prst="rect">
+            <a:avLst/>
+          </a:prstGeom>
+          <a:noFill/>
+          <a:ln w="9525">
+            <a:noFill/>
+            <a:headEnd/>
+            <a:tailEnd/>
+          </a:ln>
+        </p:spPr>
+      </p:pic>
+      <p:sp>
+        <p:nvSpPr>
+          <p:cNvPr id="1" name="TextBox 3"/>
+          <p:cNvSpPr txBox="1"/>
+          <p:nvPr/>
+        </p:nvSpPr>
+        <p:spPr>
+          <a:xfrm>
+            <a:off x="3568700" y="5600700"/>
+            <a:ext cx="5105400" cy="508000"/>
+          </a:xfrm>
+          <a:prstGeom prst="rect">
+            <a:avLst/>
+          </a:prstGeom>
+          <a:noFill/>
+        </p:spPr>
+        <p:txBody>
+          <a:bodyPr/>
+          <a:lstStyle/>
+          <a:p>
+            <a:pPr lvl="0" indent="0" marL="0" algn="ctr">
+              <a:buNone/>
+            </a:pPr>
+            <a:r>
+              <a:rPr/>
+              <a:t>center h:450px</a:t>
+            </a:r>
+          </a:p>
+        </p:txBody>
+      </p:sp>
     </p:spTree>
   </p:cSld>
 </p:sld>
@@ -6283,15 +3799,42 @@
           <a:lstStyle/>
           <a:p>
             <a:pPr lvl="0" indent="0" marL="0">
+              <a:spcBef>
+                <a:spcPts val="3000"/>
+              </a:spcBef>
               <a:buNone/>
             </a:pPr>
             <a:r>
               <a:rPr b="1"/>
-              <a:t>YAPILACAKLAR</a:t>
-            </a:r>
-            <a:r>
-              <a:rPr/>
-              <a:t> KURS NOTLARINIZ İÇİN İÇERİĞİ GÜNCELLEME</a:t>
+              <a:t>Why we use the database?</a:t>
+            </a:r>
+          </a:p>
+          <a:p>
+            <a:pPr lvl="0"/>
+            <a:r>
+              <a:rPr/>
+              <a:t>When different types of information are placed in different tables, most of the problems related to the following works are eliminated;</a:t>
+            </a:r>
+          </a:p>
+          <a:p>
+            <a:pPr lvl="1"/>
+            <a:r>
+              <a:rPr/>
+              <a:t>changing information</a:t>
+            </a:r>
+          </a:p>
+          <a:p>
+            <a:pPr lvl="1"/>
+            <a:r>
+              <a:rPr/>
+              <a:t>deleted information</a:t>
+            </a:r>
+          </a:p>
+          <a:p>
+            <a:pPr lvl="1"/>
+            <a:r>
+              <a:rPr/>
+              <a:t>with shared information.</a:t>
             </a:r>
           </a:p>
         </p:txBody>
@@ -6320,12 +3863,12 @@
       </p:grpSpPr>
       <p:sp>
         <p:nvSpPr>
-          <p:cNvPr id="2" name="Title 1"/>
-          <p:cNvSpPr>
-            <a:spLocks noGrp="1"/>
-          </p:cNvSpPr>
-          <p:nvPr>
-            <p:ph type="title"/>
+          <p:cNvPr id="3" name="Content Placeholder 2"/>
+          <p:cNvSpPr>
+            <a:spLocks noGrp="1"/>
+          </p:cNvSpPr>
+          <p:nvPr>
+            <p:ph idx="1"/>
           </p:nvPr>
         </p:nvSpPr>
         <p:spPr/>
@@ -6334,62 +3877,28 @@
           <a:lstStyle/>
           <a:p>
             <a:pPr lvl="0" indent="0" marL="0">
+              <a:spcBef>
+                <a:spcPts val="3000"/>
+              </a:spcBef>
               <a:buNone/>
             </a:pPr>
             <a:r>
-              <a:rPr/>
-              <a:t>Referanslar</a:t>
-            </a:r>
-          </a:p>
-        </p:txBody>
-      </p:sp>
-      <p:sp>
-        <p:nvSpPr>
-          <p:cNvPr id="3" name="Content Placeholder 2"/>
-          <p:cNvSpPr>
-            <a:spLocks noGrp="1"/>
-          </p:cNvSpPr>
-          <p:nvPr>
-            <p:ph idx="1"/>
-          </p:nvPr>
-        </p:nvSpPr>
-        <p:spPr/>
-        <p:txBody>
-          <a:bodyPr/>
-          <a:lstStyle/>
+              <a:rPr b="1"/>
+              <a:t>Why we use the database?</a:t>
+            </a:r>
+          </a:p>
           <a:p>
             <a:pPr lvl="0"/>
             <a:r>
               <a:rPr/>
-              <a:t>https://avesis.erdogan.edu.tr/ugur.coruh</a:t>
-            </a:r>
-          </a:p>
-          <a:p>
-            <a:pPr lvl="0"/>
-            <a:r>
-              <a:rPr/>
-              <a:t>https://www.linkedin.com/in/ugurcoruh/</a:t>
-            </a:r>
-          </a:p>
-          <a:p>
-            <a:pPr lvl="0"/>
-            <a:r>
-              <a:rPr/>
-              <a:t>https://www.hindawi.com/journals/scn/2018/6563089/</a:t>
-            </a:r>
-          </a:p>
-          <a:p>
-            <a:pPr lvl="0"/>
-            <a:r>
-              <a:rPr/>
-              <a:t>https://dl.acm.org/doi/abs/10.1145/3410352.3410836</a:t>
-            </a:r>
-          </a:p>
-          <a:p>
-            <a:pPr lvl="0"/>
-            <a:r>
-              <a:rPr/>
-              <a:t>https://www.sciencedirect.com/science/article/abs/pii/S2214212621002623</a:t>
+              <a:t>When different types of data are in different tables;</a:t>
+            </a:r>
+          </a:p>
+          <a:p>
+            <a:pPr lvl="1"/>
+            <a:r>
+              <a:rPr/>
+              <a:t>Relationships need to be established in order to answer questions such as which customer bought the product from which company ?</a:t>
             </a:r>
           </a:p>
         </p:txBody>
@@ -6400,6 +3909,4367 @@
 </file>
 
 <file path=ppt/slides/slide17.xml><?xml version="1.0" encoding="utf-8"?>
+<p:sld xmlns:a="http://schemas.openxmlformats.org/drawingml/2006/main" xmlns:r="http://schemas.openxmlformats.org/officeDocument/2006/relationships" xmlns:p="http://schemas.openxmlformats.org/presentationml/2006/main">
+  <p:cSld>
+    <p:spTree>
+      <p:nvGrpSpPr>
+        <p:cNvPr id="1" name=""/>
+        <p:cNvGrpSpPr/>
+        <p:nvPr/>
+      </p:nvGrpSpPr>
+      <p:grpSpPr>
+        <a:xfrm>
+          <a:off x="0" y="0"/>
+          <a:ext cx="0" cy="0"/>
+          <a:chOff x="0" y="0"/>
+          <a:chExt cx="0" cy="0"/>
+        </a:xfrm>
+      </p:grpSpPr>
+      <p:sp>
+        <p:nvSpPr>
+          <p:cNvPr id="4" name="Text Placeholder 3"/>
+          <p:cNvSpPr>
+            <a:spLocks noGrp="1"/>
+          </p:cNvSpPr>
+          <p:nvPr>
+            <p:ph idx="2" sz="half" type="body"/>
+          </p:nvPr>
+        </p:nvSpPr>
+        <p:spPr/>
+        <p:txBody>
+          <a:bodyPr/>
+          <a:lstStyle/>
+          <a:p>
+            <a:pPr lvl="0" indent="0" marL="0">
+              <a:spcBef>
+                <a:spcPts val="3000"/>
+              </a:spcBef>
+              <a:buNone/>
+            </a:pPr>
+            <a:r>
+              <a:rPr b="1"/>
+              <a:t>Why we use the database?</a:t>
+            </a:r>
+          </a:p>
+          <a:p>
+            <a:pPr lvl="0"/>
+            <a:r>
+              <a:rPr/>
+              <a:t>Relations</a:t>
+            </a:r>
+          </a:p>
+        </p:txBody>
+      </p:sp>
+      <p:pic>
+        <p:nvPicPr>
+          <p:cNvPr descr="fig:  assets/2022-03-09-17-48-15-image.png" id="0" name="Picture 1"/>
+          <p:cNvPicPr>
+            <a:picLocks noGrp="1" noChangeAspect="1"/>
+          </p:cNvPicPr>
+          <p:nvPr/>
+        </p:nvPicPr>
+        <p:blipFill>
+          <a:blip r:embed="rId2"/>
+          <a:stretch>
+            <a:fillRect/>
+          </a:stretch>
+        </p:blipFill>
+        <p:spPr bwMode="auto">
+          <a:xfrm>
+            <a:off x="3568700" y="1701800"/>
+            <a:ext cx="5105400" cy="2451100"/>
+          </a:xfrm>
+          <a:prstGeom prst="rect">
+            <a:avLst/>
+          </a:prstGeom>
+          <a:noFill/>
+          <a:ln w="9525">
+            <a:noFill/>
+            <a:headEnd/>
+            <a:tailEnd/>
+          </a:ln>
+        </p:spPr>
+      </p:pic>
+      <p:sp>
+        <p:nvSpPr>
+          <p:cNvPr id="1" name="TextBox 3"/>
+          <p:cNvSpPr txBox="1"/>
+          <p:nvPr/>
+        </p:nvSpPr>
+        <p:spPr>
+          <a:xfrm>
+            <a:off x="3568700" y="5600700"/>
+            <a:ext cx="5105400" cy="508000"/>
+          </a:xfrm>
+          <a:prstGeom prst="rect">
+            <a:avLst/>
+          </a:prstGeom>
+          <a:noFill/>
+        </p:spPr>
+        <p:txBody>
+          <a:bodyPr/>
+          <a:lstStyle/>
+          <a:p>
+            <a:pPr lvl="0" indent="0" marL="0" algn="ctr">
+              <a:buNone/>
+            </a:pPr>
+            <a:r>
+              <a:rPr/>
+              <a:t>center h:450px</a:t>
+            </a:r>
+          </a:p>
+        </p:txBody>
+      </p:sp>
+    </p:spTree>
+  </p:cSld>
+</p:sld>
+</file>
+
+<file path=ppt/slides/slide18.xml><?xml version="1.0" encoding="utf-8"?>
+<p:sld xmlns:a="http://schemas.openxmlformats.org/drawingml/2006/main" xmlns:r="http://schemas.openxmlformats.org/officeDocument/2006/relationships" xmlns:p="http://schemas.openxmlformats.org/presentationml/2006/main">
+  <p:cSld>
+    <p:spTree>
+      <p:nvGrpSpPr>
+        <p:cNvPr id="1" name=""/>
+        <p:cNvGrpSpPr/>
+        <p:nvPr/>
+      </p:nvGrpSpPr>
+      <p:grpSpPr>
+        <a:xfrm>
+          <a:off x="0" y="0"/>
+          <a:ext cx="0" cy="0"/>
+          <a:chOff x="0" y="0"/>
+          <a:chExt cx="0" cy="0"/>
+        </a:xfrm>
+      </p:grpSpPr>
+      <p:sp>
+        <p:nvSpPr>
+          <p:cNvPr id="4" name="Text Placeholder 3"/>
+          <p:cNvSpPr>
+            <a:spLocks noGrp="1"/>
+          </p:cNvSpPr>
+          <p:nvPr>
+            <p:ph idx="2" sz="half" type="body"/>
+          </p:nvPr>
+        </p:nvSpPr>
+        <p:spPr/>
+        <p:txBody>
+          <a:bodyPr/>
+          <a:lstStyle/>
+          <a:p>
+            <a:pPr lvl="0" indent="0" marL="0">
+              <a:spcBef>
+                <a:spcPts val="3000"/>
+              </a:spcBef>
+              <a:buNone/>
+            </a:pPr>
+            <a:r>
+              <a:rPr b="1"/>
+              <a:t>Why we use the database?</a:t>
+            </a:r>
+          </a:p>
+          <a:p>
+            <a:pPr lvl="0"/>
+            <a:r>
+              <a:rPr/>
+              <a:t>Relations</a:t>
+            </a:r>
+          </a:p>
+        </p:txBody>
+      </p:sp>
+      <p:pic>
+        <p:nvPicPr>
+          <p:cNvPr descr="fig:  assets/2022-03-09-17-49-34-image.png" id="0" name="Picture 1"/>
+          <p:cNvPicPr>
+            <a:picLocks noGrp="1" noChangeAspect="1"/>
+          </p:cNvPicPr>
+          <p:nvPr/>
+        </p:nvPicPr>
+        <p:blipFill>
+          <a:blip r:embed="rId2"/>
+          <a:stretch>
+            <a:fillRect/>
+          </a:stretch>
+        </p:blipFill>
+        <p:spPr bwMode="auto">
+          <a:xfrm>
+            <a:off x="3568700" y="1663700"/>
+            <a:ext cx="5105400" cy="2527300"/>
+          </a:xfrm>
+          <a:prstGeom prst="rect">
+            <a:avLst/>
+          </a:prstGeom>
+          <a:noFill/>
+          <a:ln w="9525">
+            <a:noFill/>
+            <a:headEnd/>
+            <a:tailEnd/>
+          </a:ln>
+        </p:spPr>
+      </p:pic>
+      <p:sp>
+        <p:nvSpPr>
+          <p:cNvPr id="1" name="TextBox 3"/>
+          <p:cNvSpPr txBox="1"/>
+          <p:nvPr/>
+        </p:nvSpPr>
+        <p:spPr>
+          <a:xfrm>
+            <a:off x="3568700" y="5600700"/>
+            <a:ext cx="5105400" cy="508000"/>
+          </a:xfrm>
+          <a:prstGeom prst="rect">
+            <a:avLst/>
+          </a:prstGeom>
+          <a:noFill/>
+        </p:spPr>
+        <p:txBody>
+          <a:bodyPr/>
+          <a:lstStyle/>
+          <a:p>
+            <a:pPr lvl="0" indent="0" marL="0" algn="ctr">
+              <a:buNone/>
+            </a:pPr>
+            <a:r>
+              <a:rPr/>
+              <a:t>center h:450px</a:t>
+            </a:r>
+          </a:p>
+        </p:txBody>
+      </p:sp>
+    </p:spTree>
+  </p:cSld>
+</p:sld>
+</file>
+
+<file path=ppt/slides/slide19.xml><?xml version="1.0" encoding="utf-8"?>
+<p:sld xmlns:a="http://schemas.openxmlformats.org/drawingml/2006/main" xmlns:r="http://schemas.openxmlformats.org/officeDocument/2006/relationships" xmlns:p="http://schemas.openxmlformats.org/presentationml/2006/main">
+  <p:cSld>
+    <p:spTree>
+      <p:nvGrpSpPr>
+        <p:cNvPr id="1" name=""/>
+        <p:cNvGrpSpPr/>
+        <p:nvPr/>
+      </p:nvGrpSpPr>
+      <p:grpSpPr>
+        <a:xfrm>
+          <a:off x="0" y="0"/>
+          <a:ext cx="0" cy="0"/>
+          <a:chOff x="0" y="0"/>
+          <a:chExt cx="0" cy="0"/>
+        </a:xfrm>
+      </p:grpSpPr>
+      <p:sp>
+        <p:nvSpPr>
+          <p:cNvPr id="3" name="Content Placeholder 2"/>
+          <p:cNvSpPr>
+            <a:spLocks noGrp="1"/>
+          </p:cNvSpPr>
+          <p:nvPr>
+            <p:ph idx="1"/>
+          </p:nvPr>
+        </p:nvSpPr>
+        <p:spPr/>
+        <p:txBody>
+          <a:bodyPr/>
+          <a:lstStyle/>
+          <a:p>
+            <a:pPr lvl="0" indent="0" marL="0">
+              <a:spcBef>
+                <a:spcPts val="3000"/>
+              </a:spcBef>
+              <a:buNone/>
+            </a:pPr>
+            <a:r>
+              <a:rPr b="1"/>
+              <a:t>Why we use the database?</a:t>
+            </a:r>
+          </a:p>
+          <a:p>
+            <a:pPr lvl="0"/>
+            <a:r>
+              <a:rPr/>
+              <a:t>Joining tables</a:t>
+            </a:r>
+          </a:p>
+          <a:p>
+            <a:pPr lvl="1"/>
+            <a:r>
+              <a:rPr/>
+              <a:t>So what is done to get the initial holistic list?</a:t>
+            </a:r>
+          </a:p>
+          <a:p>
+            <a:pPr lvl="1"/>
+            <a:r>
+              <a:rPr/>
+              <a:t>SQL language is used.</a:t>
+            </a:r>
+          </a:p>
+        </p:txBody>
+      </p:sp>
+    </p:spTree>
+  </p:cSld>
+</p:sld>
+</file>
+
+<file path=ppt/slides/slide2.xml><?xml version="1.0" encoding="utf-8"?>
+<p:sld xmlns:a="http://schemas.openxmlformats.org/drawingml/2006/main" xmlns:r="http://schemas.openxmlformats.org/officeDocument/2006/relationships" xmlns:p="http://schemas.openxmlformats.org/presentationml/2006/main">
+  <p:cSld>
+    <p:spTree>
+      <p:nvGrpSpPr>
+        <p:cNvPr id="1" name=""/>
+        <p:cNvGrpSpPr/>
+        <p:nvPr/>
+      </p:nvGrpSpPr>
+      <p:grpSpPr>
+        <a:xfrm>
+          <a:off x="0" y="0"/>
+          <a:ext cx="0" cy="0"/>
+          <a:chOff x="0" y="0"/>
+          <a:chExt cx="0" cy="0"/>
+        </a:xfrm>
+      </p:grpSpPr>
+      <p:sp>
+        <p:nvSpPr>
+          <p:cNvPr id="3" name="Content Placeholder 2"/>
+          <p:cNvSpPr>
+            <a:spLocks noGrp="1"/>
+          </p:cNvSpPr>
+          <p:nvPr>
+            <p:ph idx="1"/>
+          </p:nvPr>
+        </p:nvSpPr>
+        <p:spPr/>
+        <p:txBody>
+          <a:bodyPr/>
+          <a:lstStyle/>
+          <a:p>
+            <a:pPr lvl="0" indent="0" marL="0">
+              <a:spcBef>
+                <a:spcPts val="3000"/>
+              </a:spcBef>
+              <a:buNone/>
+            </a:pPr>
+            <a:r>
+              <a:rPr b="1"/>
+              <a:t>CE208-Database Management Systems</a:t>
+            </a:r>
+          </a:p>
+          <a:p>
+            <a:pPr lvl="0" indent="0" marL="0">
+              <a:spcBef>
+                <a:spcPts val="3000"/>
+              </a:spcBef>
+              <a:buNone/>
+            </a:pPr>
+            <a:r>
+              <a:rPr b="1"/>
+              <a:t>Week-2 (Database and Fundamental Concepts)</a:t>
+            </a:r>
+          </a:p>
+          <a:p>
+            <a:pPr lvl="0" indent="0" marL="0">
+              <a:spcBef>
+                <a:spcPts val="3000"/>
+              </a:spcBef>
+              <a:buNone/>
+            </a:pPr>
+            <a:r>
+              <a:rPr b="1"/>
+              <a:t>Spring Semester, 2021-2022</a:t>
+            </a:r>
+          </a:p>
+          <a:p>
+            <a:pPr lvl="0" indent="0" marL="0">
+              <a:buNone/>
+            </a:pPr>
+            <a:r>
+              <a:rPr b="1"/>
+              <a:t>Instructor:</a:t>
+            </a:r>
+            <a:r>
+              <a:rPr/>
+              <a:t> Yıldıran Yılmaz </a:t>
+            </a:r>
+            <a:r>
+              <a:rPr b="1"/>
+              <a:t>Email:</a:t>
+            </a:r>
+            <a:r>
+              <a:rPr/>
+              <a:t> yildiran.yilmaz@erdogan.edu.tr </a:t>
+            </a:r>
+            <a:r>
+              <a:rPr b="1"/>
+              <a:t>Office Hours:</a:t>
+            </a:r>
+            <a:r>
+              <a:rPr/>
+              <a:t> Thursday</a:t>
+            </a:r>
+          </a:p>
+          <a:p>
+            <a:pPr lvl="0" indent="0" marL="0">
+              <a:buNone/>
+            </a:pPr>
+            <a:r>
+              <a:rPr/>
+              <a:t>Download </a:t>
+            </a:r>
+            <a:r>
+              <a:rPr>
+                <a:hlinkClick r:id="rId2"/>
+              </a:rPr>
+              <a:t>PDF-MS</a:t>
+            </a:r>
+            <a:r>
+              <a:rPr/>
+              <a:t>, </a:t>
+            </a:r>
+            <a:r>
+              <a:rPr>
+                <a:hlinkClick r:id="rId3"/>
+              </a:rPr>
+              <a:t>PDF-MD</a:t>
+            </a:r>
+            <a:r>
+              <a:rPr/>
+              <a:t>, </a:t>
+            </a:r>
+            <a:r>
+              <a:rPr>
+                <a:hlinkClick r:id="rId4"/>
+              </a:rPr>
+              <a:t>PPTX-MD</a:t>
+            </a:r>
+            <a:r>
+              <a:rPr/>
+              <a:t>, </a:t>
+            </a:r>
+            <a:r>
+              <a:rPr>
+                <a:hlinkClick r:id="rId5"/>
+              </a:rPr>
+              <a:t>PPTX-MS</a:t>
+            </a:r>
+          </a:p>
+        </p:txBody>
+      </p:sp>
+    </p:spTree>
+  </p:cSld>
+</p:sld>
+</file>
+
+<file path=ppt/slides/slide20.xml><?xml version="1.0" encoding="utf-8"?>
+<p:sld xmlns:a="http://schemas.openxmlformats.org/drawingml/2006/main" xmlns:r="http://schemas.openxmlformats.org/officeDocument/2006/relationships" xmlns:p="http://schemas.openxmlformats.org/presentationml/2006/main">
+  <p:cSld>
+    <p:spTree>
+      <p:nvGrpSpPr>
+        <p:cNvPr id="1" name=""/>
+        <p:cNvGrpSpPr/>
+        <p:nvPr/>
+      </p:nvGrpSpPr>
+      <p:grpSpPr>
+        <a:xfrm>
+          <a:off x="0" y="0"/>
+          <a:ext cx="0" cy="0"/>
+          <a:chOff x="0" y="0"/>
+          <a:chExt cx="0" cy="0"/>
+        </a:xfrm>
+      </p:grpSpPr>
+      <p:sp>
+        <p:nvSpPr>
+          <p:cNvPr id="4" name="Text Placeholder 3"/>
+          <p:cNvSpPr>
+            <a:spLocks noGrp="1"/>
+          </p:cNvSpPr>
+          <p:nvPr>
+            <p:ph idx="2" sz="half" type="body"/>
+          </p:nvPr>
+        </p:nvSpPr>
+        <p:spPr/>
+        <p:txBody>
+          <a:bodyPr/>
+          <a:lstStyle/>
+          <a:p>
+            <a:pPr lvl="0" indent="0" marL="0">
+              <a:spcBef>
+                <a:spcPts val="3000"/>
+              </a:spcBef>
+              <a:buNone/>
+            </a:pPr>
+            <a:r>
+              <a:rPr b="1"/>
+              <a:t>What is database management system?</a:t>
+            </a:r>
+          </a:p>
+          <a:p>
+            <a:pPr lvl="0"/>
+            <a:r>
+              <a:rPr/>
+              <a:t>Components of the database system;</a:t>
+            </a:r>
+          </a:p>
+        </p:txBody>
+      </p:sp>
+      <p:pic>
+        <p:nvPicPr>
+          <p:cNvPr descr="fig:  assets/2022-03-09-17-50-46-image.png" id="0" name="Picture 1"/>
+          <p:cNvPicPr>
+            <a:picLocks noGrp="1" noChangeAspect="1"/>
+          </p:cNvPicPr>
+          <p:nvPr/>
+        </p:nvPicPr>
+        <p:blipFill>
+          <a:blip r:embed="rId2"/>
+          <a:stretch>
+            <a:fillRect/>
+          </a:stretch>
+        </p:blipFill>
+        <p:spPr bwMode="auto">
+          <a:xfrm>
+            <a:off x="3568700" y="2171700"/>
+            <a:ext cx="5105400" cy="1511300"/>
+          </a:xfrm>
+          <a:prstGeom prst="rect">
+            <a:avLst/>
+          </a:prstGeom>
+          <a:noFill/>
+          <a:ln w="9525">
+            <a:noFill/>
+            <a:headEnd/>
+            <a:tailEnd/>
+          </a:ln>
+        </p:spPr>
+      </p:pic>
+      <p:sp>
+        <p:nvSpPr>
+          <p:cNvPr id="1" name="TextBox 3"/>
+          <p:cNvSpPr txBox="1"/>
+          <p:nvPr/>
+        </p:nvSpPr>
+        <p:spPr>
+          <a:xfrm>
+            <a:off x="3568700" y="5600700"/>
+            <a:ext cx="5105400" cy="508000"/>
+          </a:xfrm>
+          <a:prstGeom prst="rect">
+            <a:avLst/>
+          </a:prstGeom>
+          <a:noFill/>
+        </p:spPr>
+        <p:txBody>
+          <a:bodyPr/>
+          <a:lstStyle/>
+          <a:p>
+            <a:pPr lvl="0" indent="0" marL="0" algn="ctr">
+              <a:buNone/>
+            </a:pPr>
+            <a:r>
+              <a:rPr/>
+              <a:t>center h:450px</a:t>
+            </a:r>
+          </a:p>
+        </p:txBody>
+      </p:sp>
+    </p:spTree>
+  </p:cSld>
+</p:sld>
+</file>
+
+<file path=ppt/slides/slide21.xml><?xml version="1.0" encoding="utf-8"?>
+<p:sld xmlns:a="http://schemas.openxmlformats.org/drawingml/2006/main" xmlns:r="http://schemas.openxmlformats.org/officeDocument/2006/relationships" xmlns:p="http://schemas.openxmlformats.org/presentationml/2006/main">
+  <p:cSld>
+    <p:spTree>
+      <p:nvGrpSpPr>
+        <p:cNvPr id="1" name=""/>
+        <p:cNvGrpSpPr/>
+        <p:nvPr/>
+      </p:nvGrpSpPr>
+      <p:grpSpPr>
+        <a:xfrm>
+          <a:off x="0" y="0"/>
+          <a:ext cx="0" cy="0"/>
+          <a:chOff x="0" y="0"/>
+          <a:chExt cx="0" cy="0"/>
+        </a:xfrm>
+      </p:grpSpPr>
+      <p:sp>
+        <p:nvSpPr>
+          <p:cNvPr id="3" name="Content Placeholder 2"/>
+          <p:cNvSpPr>
+            <a:spLocks noGrp="1"/>
+          </p:cNvSpPr>
+          <p:nvPr>
+            <p:ph idx="1"/>
+          </p:nvPr>
+        </p:nvSpPr>
+        <p:spPr/>
+        <p:txBody>
+          <a:bodyPr/>
+          <a:lstStyle/>
+          <a:p>
+            <a:pPr lvl="0" indent="0" marL="0">
+              <a:spcBef>
+                <a:spcPts val="3000"/>
+              </a:spcBef>
+              <a:buNone/>
+            </a:pPr>
+            <a:r>
+              <a:rPr b="1"/>
+              <a:t>What is database management system?</a:t>
+            </a:r>
+          </a:p>
+          <a:p>
+            <a:pPr lvl="0"/>
+            <a:r>
+              <a:rPr/>
+              <a:t>The user does the following:</a:t>
+            </a:r>
+          </a:p>
+          <a:p>
+            <a:pPr lvl="1"/>
+            <a:r>
+              <a:rPr/>
+              <a:t>It uses the database to perform its work,</a:t>
+            </a:r>
+          </a:p>
+          <a:p>
+            <a:pPr lvl="1"/>
+            <a:r>
+              <a:rPr/>
+              <a:t>Adds new data</a:t>
+            </a:r>
+          </a:p>
+          <a:p>
+            <a:pPr lvl="1"/>
+            <a:r>
+              <a:rPr/>
+              <a:t>Modify existing data,</a:t>
+            </a:r>
+          </a:p>
+          <a:p>
+            <a:pPr lvl="1"/>
+            <a:r>
+              <a:rPr/>
+              <a:t>deletes data,</a:t>
+            </a:r>
+          </a:p>
+          <a:p>
+            <a:pPr lvl="1"/>
+            <a:r>
+              <a:rPr/>
+              <a:t>Reads data through queries or reports</a:t>
+            </a:r>
+          </a:p>
+        </p:txBody>
+      </p:sp>
+    </p:spTree>
+  </p:cSld>
+</p:sld>
+</file>
+
+<file path=ppt/slides/slide22.xml><?xml version="1.0" encoding="utf-8"?>
+<p:sld xmlns:a="http://schemas.openxmlformats.org/drawingml/2006/main" xmlns:r="http://schemas.openxmlformats.org/officeDocument/2006/relationships" xmlns:p="http://schemas.openxmlformats.org/presentationml/2006/main">
+  <p:cSld>
+    <p:spTree>
+      <p:nvGrpSpPr>
+        <p:cNvPr id="1" name=""/>
+        <p:cNvGrpSpPr/>
+        <p:nvPr/>
+      </p:nvGrpSpPr>
+      <p:grpSpPr>
+        <a:xfrm>
+          <a:off x="0" y="0"/>
+          <a:ext cx="0" cy="0"/>
+          <a:chOff x="0" y="0"/>
+          <a:chExt cx="0" cy="0"/>
+        </a:xfrm>
+      </p:grpSpPr>
+      <p:sp>
+        <p:nvSpPr>
+          <p:cNvPr id="3" name="Content Placeholder 2"/>
+          <p:cNvSpPr>
+            <a:spLocks noGrp="1"/>
+          </p:cNvSpPr>
+          <p:nvPr>
+            <p:ph idx="1"/>
+          </p:nvPr>
+        </p:nvSpPr>
+        <p:spPr/>
+        <p:txBody>
+          <a:bodyPr/>
+          <a:lstStyle/>
+          <a:p>
+            <a:pPr lvl="0" indent="0" marL="0">
+              <a:spcBef>
+                <a:spcPts val="3000"/>
+              </a:spcBef>
+              <a:buNone/>
+            </a:pPr>
+            <a:r>
+              <a:rPr b="1"/>
+              <a:t>What is database management system?</a:t>
+            </a:r>
+          </a:p>
+          <a:p>
+            <a:pPr lvl="0"/>
+            <a:r>
+              <a:rPr/>
+              <a:t>Database Application:</a:t>
+            </a:r>
+          </a:p>
+          <a:p>
+            <a:pPr lvl="1"/>
+            <a:r>
+              <a:rPr/>
+              <a:t>It is one or more computer programs that provide communication between the database management system and the user.</a:t>
+            </a:r>
+          </a:p>
+          <a:p>
+            <a:pPr lvl="1"/>
+            <a:r>
+              <a:rPr/>
+              <a:t>Creates queries and reports,</a:t>
+            </a:r>
+          </a:p>
+          <a:p>
+            <a:pPr lvl="1"/>
+            <a:r>
+              <a:rPr/>
+              <a:t>Receives data from the user or sends the data to the user,</a:t>
+            </a:r>
+          </a:p>
+        </p:txBody>
+      </p:sp>
+    </p:spTree>
+  </p:cSld>
+</p:sld>
+</file>
+
+<file path=ppt/slides/slide23.xml><?xml version="1.0" encoding="utf-8"?>
+<p:sld xmlns:a="http://schemas.openxmlformats.org/drawingml/2006/main" xmlns:r="http://schemas.openxmlformats.org/officeDocument/2006/relationships" xmlns:p="http://schemas.openxmlformats.org/presentationml/2006/main">
+  <p:cSld>
+    <p:spTree>
+      <p:nvGrpSpPr>
+        <p:cNvPr id="1" name=""/>
+        <p:cNvGrpSpPr/>
+        <p:nvPr/>
+      </p:nvGrpSpPr>
+      <p:grpSpPr>
+        <a:xfrm>
+          <a:off x="0" y="0"/>
+          <a:ext cx="0" cy="0"/>
+          <a:chOff x="0" y="0"/>
+          <a:chExt cx="0" cy="0"/>
+        </a:xfrm>
+      </p:grpSpPr>
+      <p:sp>
+        <p:nvSpPr>
+          <p:cNvPr id="3" name="Content Placeholder 2"/>
+          <p:cNvSpPr>
+            <a:spLocks noGrp="1"/>
+          </p:cNvSpPr>
+          <p:nvPr>
+            <p:ph idx="1"/>
+          </p:nvPr>
+        </p:nvSpPr>
+        <p:spPr/>
+        <p:txBody>
+          <a:bodyPr/>
+          <a:lstStyle/>
+          <a:p>
+            <a:pPr lvl="0" indent="0" marL="0">
+              <a:spcBef>
+                <a:spcPts val="3000"/>
+              </a:spcBef>
+              <a:buNone/>
+            </a:pPr>
+            <a:r>
+              <a:rPr b="1"/>
+              <a:t>What is database management system?</a:t>
+            </a:r>
+          </a:p>
+          <a:p>
+            <a:pPr lvl="0"/>
+            <a:r>
+              <a:rPr/>
+              <a:t>Database Management System:</a:t>
+            </a:r>
+          </a:p>
+          <a:p>
+            <a:pPr lvl="1"/>
+            <a:r>
+              <a:rPr/>
+              <a:t>It receives requests from the application and performs them by reading or writing data on database files,</a:t>
+            </a:r>
+          </a:p>
+          <a:p>
+            <a:pPr lvl="1"/>
+            <a:r>
+              <a:rPr/>
+              <a:t>It reads SQL statements and converts these statements into instructions for the computer’s operating system to read or write data on database files.</a:t>
+            </a:r>
+          </a:p>
+        </p:txBody>
+      </p:sp>
+    </p:spTree>
+  </p:cSld>
+</p:sld>
+</file>
+
+<file path=ppt/slides/slide24.xml><?xml version="1.0" encoding="utf-8"?>
+<p:sld xmlns:a="http://schemas.openxmlformats.org/drawingml/2006/main" xmlns:r="http://schemas.openxmlformats.org/officeDocument/2006/relationships" xmlns:p="http://schemas.openxmlformats.org/presentationml/2006/main">
+  <p:cSld>
+    <p:spTree>
+      <p:nvGrpSpPr>
+        <p:cNvPr id="1" name=""/>
+        <p:cNvGrpSpPr/>
+        <p:nvPr/>
+      </p:nvGrpSpPr>
+      <p:grpSpPr>
+        <a:xfrm>
+          <a:off x="0" y="0"/>
+          <a:ext cx="0" cy="0"/>
+          <a:chOff x="0" y="0"/>
+          <a:chExt cx="0" cy="0"/>
+        </a:xfrm>
+      </p:grpSpPr>
+      <p:sp>
+        <p:nvSpPr>
+          <p:cNvPr id="3" name="Content Placeholder 2"/>
+          <p:cNvSpPr>
+            <a:spLocks noGrp="1"/>
+          </p:cNvSpPr>
+          <p:nvPr>
+            <p:ph idx="1"/>
+          </p:nvPr>
+        </p:nvSpPr>
+        <p:spPr/>
+        <p:txBody>
+          <a:bodyPr/>
+          <a:lstStyle/>
+          <a:p>
+            <a:pPr lvl="0" indent="0" marL="0">
+              <a:spcBef>
+                <a:spcPts val="3000"/>
+              </a:spcBef>
+              <a:buNone/>
+            </a:pPr>
+            <a:r>
+              <a:rPr b="1"/>
+              <a:t>What is database management system?</a:t>
+            </a:r>
+          </a:p>
+          <a:p>
+            <a:pPr lvl="0"/>
+            <a:r>
+              <a:rPr/>
+              <a:t>Functions of Database Application</a:t>
+            </a:r>
+          </a:p>
+          <a:p>
+            <a:pPr lvl="0"/>
+            <a:r>
+              <a:rPr/>
+              <a:t>Functions of Database Management System</a:t>
+            </a:r>
+          </a:p>
+        </p:txBody>
+      </p:sp>
+    </p:spTree>
+  </p:cSld>
+</p:sld>
+</file>
+
+<file path=ppt/slides/slide25.xml><?xml version="1.0" encoding="utf-8"?>
+<p:sld xmlns:a="http://schemas.openxmlformats.org/drawingml/2006/main" xmlns:r="http://schemas.openxmlformats.org/officeDocument/2006/relationships" xmlns:p="http://schemas.openxmlformats.org/presentationml/2006/main">
+  <p:cSld>
+    <p:spTree>
+      <p:nvGrpSpPr>
+        <p:cNvPr id="1" name=""/>
+        <p:cNvGrpSpPr/>
+        <p:nvPr/>
+      </p:nvGrpSpPr>
+      <p:grpSpPr>
+        <a:xfrm>
+          <a:off x="0" y="0"/>
+          <a:ext cx="0" cy="0"/>
+          <a:chOff x="0" y="0"/>
+          <a:chExt cx="0" cy="0"/>
+        </a:xfrm>
+      </p:grpSpPr>
+      <p:sp>
+        <p:nvSpPr>
+          <p:cNvPr id="3" name="Content Placeholder 2"/>
+          <p:cNvSpPr>
+            <a:spLocks noGrp="1"/>
+          </p:cNvSpPr>
+          <p:nvPr>
+            <p:ph idx="1"/>
+          </p:nvPr>
+        </p:nvSpPr>
+        <p:spPr/>
+        <p:txBody>
+          <a:bodyPr/>
+          <a:lstStyle/>
+          <a:p>
+            <a:pPr lvl="0" indent="0" marL="0">
+              <a:spcBef>
+                <a:spcPts val="3000"/>
+              </a:spcBef>
+              <a:buNone/>
+            </a:pPr>
+            <a:r>
+              <a:rPr b="1"/>
+              <a:t>What is database management system?</a:t>
+            </a:r>
+          </a:p>
+          <a:p>
+            <a:pPr lvl="0"/>
+            <a:r>
+              <a:rPr/>
+              <a:t>Database Application:</a:t>
+            </a:r>
+          </a:p>
+          <a:p>
+            <a:pPr lvl="1"/>
+            <a:r>
+              <a:rPr/>
+              <a:t>Creates and processes forms,</a:t>
+            </a:r>
+          </a:p>
+          <a:p>
+            <a:pPr lvl="1"/>
+            <a:r>
+              <a:rPr/>
+              <a:t>Creates queries and forwards queries,</a:t>
+            </a:r>
+          </a:p>
+          <a:p>
+            <a:pPr lvl="1"/>
+            <a:r>
+              <a:rPr/>
+              <a:t>Creates and operates reports,</a:t>
+            </a:r>
+          </a:p>
+          <a:p>
+            <a:pPr lvl="1"/>
+            <a:r>
+              <a:rPr/>
+              <a:t>Performs application logic,</a:t>
+            </a:r>
+          </a:p>
+          <a:p>
+            <a:pPr lvl="1"/>
+            <a:r>
+              <a:rPr/>
+              <a:t>Controls the application.</a:t>
+            </a:r>
+          </a:p>
+        </p:txBody>
+      </p:sp>
+    </p:spTree>
+  </p:cSld>
+</p:sld>
+</file>
+
+<file path=ppt/slides/slide26.xml><?xml version="1.0" encoding="utf-8"?>
+<p:sld xmlns:a="http://schemas.openxmlformats.org/drawingml/2006/main" xmlns:r="http://schemas.openxmlformats.org/officeDocument/2006/relationships" xmlns:p="http://schemas.openxmlformats.org/presentationml/2006/main">
+  <p:cSld>
+    <p:spTree>
+      <p:nvGrpSpPr>
+        <p:cNvPr id="1" name=""/>
+        <p:cNvGrpSpPr/>
+        <p:nvPr/>
+      </p:nvGrpSpPr>
+      <p:grpSpPr>
+        <a:xfrm>
+          <a:off x="0" y="0"/>
+          <a:ext cx="0" cy="0"/>
+          <a:chOff x="0" y="0"/>
+          <a:chExt cx="0" cy="0"/>
+        </a:xfrm>
+      </p:grpSpPr>
+      <p:sp>
+        <p:nvSpPr>
+          <p:cNvPr id="4" name="Text Placeholder 3"/>
+          <p:cNvSpPr>
+            <a:spLocks noGrp="1"/>
+          </p:cNvSpPr>
+          <p:nvPr>
+            <p:ph idx="2" sz="half" type="body"/>
+          </p:nvPr>
+        </p:nvSpPr>
+        <p:spPr/>
+        <p:txBody>
+          <a:bodyPr/>
+          <a:lstStyle/>
+          <a:p>
+            <a:pPr lvl="0" indent="0" marL="0">
+              <a:spcBef>
+                <a:spcPts val="3000"/>
+              </a:spcBef>
+              <a:buNone/>
+            </a:pPr>
+            <a:r>
+              <a:rPr b="1"/>
+              <a:t>What is database management system?</a:t>
+            </a:r>
+          </a:p>
+          <a:p>
+            <a:pPr lvl="0"/>
+            <a:r>
+              <a:rPr/>
+              <a:t>Database Application:</a:t>
+            </a:r>
+          </a:p>
+          <a:p>
+            <a:pPr lvl="0"/>
+            <a:r>
+              <a:rPr/>
+              <a:t>Creates and processes forms, for example, in a web-based application;</a:t>
+            </a:r>
+          </a:p>
+          <a:p>
+            <a:pPr lvl="1"/>
+            <a:r>
+              <a:rPr/>
+              <a:t>Creates HTML and other web formats to be displayed on the user’s computer,</a:t>
+            </a:r>
+          </a:p>
+          <a:p>
+            <a:pPr lvl="1"/>
+            <a:r>
+              <a:rPr/>
+              <a:t>When the user fills out the forms and sends the data back, it sends the DBMS requests for the necessary adjustments.</a:t>
+            </a:r>
+          </a:p>
+          <a:p>
+            <a:pPr lvl="1"/>
+            <a:r>
+              <a:rPr/>
+              <a:t>If an error occurs in the process, it displays the necessary message to the user and/or performs the necessary actions.</a:t>
+            </a:r>
+          </a:p>
+        </p:txBody>
+      </p:sp>
+      <p:pic>
+        <p:nvPicPr>
+          <p:cNvPr descr="fig:  assets/2_veri_tabani_temel_kavramlar_hafta_21.png" id="0" name="Picture 1"/>
+          <p:cNvPicPr>
+            <a:picLocks noGrp="1" noChangeAspect="1"/>
+          </p:cNvPicPr>
+          <p:nvPr/>
+        </p:nvPicPr>
+        <p:blipFill>
+          <a:blip r:embed="rId2"/>
+          <a:stretch>
+            <a:fillRect/>
+          </a:stretch>
+        </p:blipFill>
+        <p:spPr bwMode="auto">
+          <a:xfrm>
+            <a:off x="3568700" y="368300"/>
+            <a:ext cx="5105400" cy="5118100"/>
+          </a:xfrm>
+          <a:prstGeom prst="rect">
+            <a:avLst/>
+          </a:prstGeom>
+          <a:noFill/>
+          <a:ln w="9525">
+            <a:noFill/>
+            <a:headEnd/>
+            <a:tailEnd/>
+          </a:ln>
+        </p:spPr>
+      </p:pic>
+      <p:sp>
+        <p:nvSpPr>
+          <p:cNvPr id="1" name="TextBox 3"/>
+          <p:cNvSpPr txBox="1"/>
+          <p:nvPr/>
+        </p:nvSpPr>
+        <p:spPr>
+          <a:xfrm>
+            <a:off x="3568700" y="5600700"/>
+            <a:ext cx="5105400" cy="508000"/>
+          </a:xfrm>
+          <a:prstGeom prst="rect">
+            <a:avLst/>
+          </a:prstGeom>
+          <a:noFill/>
+        </p:spPr>
+        <p:txBody>
+          <a:bodyPr/>
+          <a:lstStyle/>
+          <a:p>
+            <a:pPr lvl="0" indent="0" marL="0" algn="ctr">
+              <a:buNone/>
+            </a:pPr>
+            <a:r>
+              <a:rPr/>
+              <a:t>bg right:30% h:400</a:t>
+            </a:r>
+          </a:p>
+        </p:txBody>
+      </p:sp>
+    </p:spTree>
+  </p:cSld>
+</p:sld>
+</file>
+
+<file path=ppt/slides/slide27.xml><?xml version="1.0" encoding="utf-8"?>
+<p:sld xmlns:a="http://schemas.openxmlformats.org/drawingml/2006/main" xmlns:r="http://schemas.openxmlformats.org/officeDocument/2006/relationships" xmlns:p="http://schemas.openxmlformats.org/presentationml/2006/main">
+  <p:cSld>
+    <p:spTree>
+      <p:nvGrpSpPr>
+        <p:cNvPr id="1" name=""/>
+        <p:cNvGrpSpPr/>
+        <p:nvPr/>
+      </p:nvGrpSpPr>
+      <p:grpSpPr>
+        <a:xfrm>
+          <a:off x="0" y="0"/>
+          <a:ext cx="0" cy="0"/>
+          <a:chOff x="0" y="0"/>
+          <a:chExt cx="0" cy="0"/>
+        </a:xfrm>
+      </p:grpSpPr>
+      <p:sp>
+        <p:nvSpPr>
+          <p:cNvPr id="4" name="Text Placeholder 3"/>
+          <p:cNvSpPr>
+            <a:spLocks noGrp="1"/>
+          </p:cNvSpPr>
+          <p:nvPr>
+            <p:ph idx="2" sz="half" type="body"/>
+          </p:nvPr>
+        </p:nvSpPr>
+        <p:spPr/>
+        <p:txBody>
+          <a:bodyPr/>
+          <a:lstStyle/>
+          <a:p>
+            <a:pPr lvl="0" indent="0" marL="0">
+              <a:spcBef>
+                <a:spcPts val="3000"/>
+              </a:spcBef>
+              <a:buNone/>
+            </a:pPr>
+            <a:r>
+              <a:rPr b="1"/>
+              <a:t>What is database management system?</a:t>
+            </a:r>
+          </a:p>
+          <a:p>
+            <a:pPr lvl="0"/>
+            <a:r>
+              <a:rPr/>
+              <a:t>Database Application:</a:t>
+            </a:r>
+          </a:p>
+          <a:p>
+            <a:pPr lvl="0"/>
+            <a:r>
+              <a:rPr/>
+              <a:t>Creates queries and forwards queries,</a:t>
+            </a:r>
+          </a:p>
+          <a:p>
+            <a:pPr lvl="1"/>
+            <a:r>
+              <a:rPr/>
+              <a:t>Generates the query to be transmitted to DBMS,</a:t>
+            </a:r>
+          </a:p>
+          <a:p>
+            <a:pPr lvl="1"/>
+            <a:r>
+              <a:rPr/>
+              <a:t>These requests are usually expressed in SQL,</a:t>
+            </a:r>
+          </a:p>
+          <a:p>
+            <a:pPr lvl="1"/>
+            <a:r>
+              <a:rPr/>
+              <a:t>When the query is executed, the results are formatted and transmitted to the user,</a:t>
+            </a:r>
+          </a:p>
+        </p:txBody>
+      </p:sp>
+      <p:pic>
+        <p:nvPicPr>
+          <p:cNvPr descr="fig:  assets/2_veri_tabani_temel_kavramlar_hafta_22.png" id="0" name="Picture 1"/>
+          <p:cNvPicPr>
+            <a:picLocks noGrp="1" noChangeAspect="1"/>
+          </p:cNvPicPr>
+          <p:nvPr/>
+        </p:nvPicPr>
+        <p:blipFill>
+          <a:blip r:embed="rId2"/>
+          <a:stretch>
+            <a:fillRect/>
+          </a:stretch>
+        </p:blipFill>
+        <p:spPr bwMode="auto">
+          <a:xfrm>
+            <a:off x="3568700" y="1409700"/>
+            <a:ext cx="5105400" cy="3035300"/>
+          </a:xfrm>
+          <a:prstGeom prst="rect">
+            <a:avLst/>
+          </a:prstGeom>
+          <a:noFill/>
+          <a:ln w="9525">
+            <a:noFill/>
+            <a:headEnd/>
+            <a:tailEnd/>
+          </a:ln>
+        </p:spPr>
+      </p:pic>
+      <p:sp>
+        <p:nvSpPr>
+          <p:cNvPr id="1" name="TextBox 3"/>
+          <p:cNvSpPr txBox="1"/>
+          <p:nvPr/>
+        </p:nvSpPr>
+        <p:spPr>
+          <a:xfrm>
+            <a:off x="3568700" y="5600700"/>
+            <a:ext cx="5105400" cy="508000"/>
+          </a:xfrm>
+          <a:prstGeom prst="rect">
+            <a:avLst/>
+          </a:prstGeom>
+          <a:noFill/>
+        </p:spPr>
+        <p:txBody>
+          <a:bodyPr/>
+          <a:lstStyle/>
+          <a:p>
+            <a:pPr lvl="0" indent="0" marL="0" algn="ctr">
+              <a:buNone/>
+            </a:pPr>
+            <a:r>
+              <a:rPr/>
+              <a:t>bg right:50% h:380px</a:t>
+            </a:r>
+          </a:p>
+        </p:txBody>
+      </p:sp>
+    </p:spTree>
+  </p:cSld>
+</p:sld>
+</file>
+
+<file path=ppt/slides/slide28.xml><?xml version="1.0" encoding="utf-8"?>
+<p:sld xmlns:a="http://schemas.openxmlformats.org/drawingml/2006/main" xmlns:r="http://schemas.openxmlformats.org/officeDocument/2006/relationships" xmlns:p="http://schemas.openxmlformats.org/presentationml/2006/main">
+  <p:cSld>
+    <p:spTree>
+      <p:nvGrpSpPr>
+        <p:cNvPr id="1" name=""/>
+        <p:cNvGrpSpPr/>
+        <p:nvPr/>
+      </p:nvGrpSpPr>
+      <p:grpSpPr>
+        <a:xfrm>
+          <a:off x="0" y="0"/>
+          <a:ext cx="0" cy="0"/>
+          <a:chOff x="0" y="0"/>
+          <a:chExt cx="0" cy="0"/>
+        </a:xfrm>
+      </p:grpSpPr>
+      <p:sp>
+        <p:nvSpPr>
+          <p:cNvPr id="4" name="Text Placeholder 3"/>
+          <p:cNvSpPr>
+            <a:spLocks noGrp="1"/>
+          </p:cNvSpPr>
+          <p:nvPr>
+            <p:ph idx="2" sz="half" type="body"/>
+          </p:nvPr>
+        </p:nvSpPr>
+        <p:spPr/>
+        <p:txBody>
+          <a:bodyPr/>
+          <a:lstStyle/>
+          <a:p>
+            <a:pPr lvl="0" indent="0" marL="0">
+              <a:spcBef>
+                <a:spcPts val="3000"/>
+              </a:spcBef>
+              <a:buNone/>
+            </a:pPr>
+            <a:r>
+              <a:rPr b="1"/>
+              <a:t>What is database management system?</a:t>
+            </a:r>
+          </a:p>
+          <a:p>
+            <a:pPr lvl="0"/>
+            <a:r>
+              <a:rPr/>
+              <a:t>Database Application:</a:t>
+            </a:r>
+          </a:p>
+          <a:p>
+            <a:pPr lvl="0"/>
+            <a:r>
+              <a:rPr/>
+              <a:t>Creates and operates reports,</a:t>
+            </a:r>
+          </a:p>
+          <a:p>
+            <a:pPr lvl="1"/>
+            <a:r>
+              <a:rPr/>
+              <a:t>Data is requested from DBMS through queries and query results are presented in the form of reports,</a:t>
+            </a:r>
+          </a:p>
+        </p:txBody>
+      </p:sp>
+      <p:pic>
+        <p:nvPicPr>
+          <p:cNvPr descr="fig:  assets/2_veri_tabani_temel_kavramlar_hafta_23.png" id="0" name="Picture 1"/>
+          <p:cNvPicPr>
+            <a:picLocks noGrp="1" noChangeAspect="1"/>
+          </p:cNvPicPr>
+          <p:nvPr/>
+        </p:nvPicPr>
+        <p:blipFill>
+          <a:blip r:embed="rId2"/>
+          <a:stretch>
+            <a:fillRect/>
+          </a:stretch>
+        </p:blipFill>
+        <p:spPr bwMode="auto">
+          <a:xfrm>
+            <a:off x="3771900" y="266700"/>
+            <a:ext cx="4711700" cy="5334000"/>
+          </a:xfrm>
+          <a:prstGeom prst="rect">
+            <a:avLst/>
+          </a:prstGeom>
+          <a:noFill/>
+          <a:ln w="9525">
+            <a:noFill/>
+            <a:headEnd/>
+            <a:tailEnd/>
+          </a:ln>
+        </p:spPr>
+      </p:pic>
+      <p:sp>
+        <p:nvSpPr>
+          <p:cNvPr id="1" name="TextBox 3"/>
+          <p:cNvSpPr txBox="1"/>
+          <p:nvPr/>
+        </p:nvSpPr>
+        <p:spPr>
+          <a:xfrm>
+            <a:off x="3568700" y="5600700"/>
+            <a:ext cx="5105400" cy="508000"/>
+          </a:xfrm>
+          <a:prstGeom prst="rect">
+            <a:avLst/>
+          </a:prstGeom>
+          <a:noFill/>
+        </p:spPr>
+        <p:txBody>
+          <a:bodyPr/>
+          <a:lstStyle/>
+          <a:p>
+            <a:pPr lvl="0" indent="0" marL="0" algn="ctr">
+              <a:buNone/>
+            </a:pPr>
+            <a:r>
+              <a:rPr/>
+              <a:t>bg right:50% h:650</a:t>
+            </a:r>
+          </a:p>
+        </p:txBody>
+      </p:sp>
+    </p:spTree>
+  </p:cSld>
+</p:sld>
+</file>
+
+<file path=ppt/slides/slide29.xml><?xml version="1.0" encoding="utf-8"?>
+<p:sld xmlns:a="http://schemas.openxmlformats.org/drawingml/2006/main" xmlns:r="http://schemas.openxmlformats.org/officeDocument/2006/relationships" xmlns:p="http://schemas.openxmlformats.org/presentationml/2006/main">
+  <p:cSld>
+    <p:spTree>
+      <p:nvGrpSpPr>
+        <p:cNvPr id="1" name=""/>
+        <p:cNvGrpSpPr/>
+        <p:nvPr/>
+      </p:nvGrpSpPr>
+      <p:grpSpPr>
+        <a:xfrm>
+          <a:off x="0" y="0"/>
+          <a:ext cx="0" cy="0"/>
+          <a:chOff x="0" y="0"/>
+          <a:chExt cx="0" cy="0"/>
+        </a:xfrm>
+      </p:grpSpPr>
+      <p:sp>
+        <p:nvSpPr>
+          <p:cNvPr id="3" name="Content Placeholder 2"/>
+          <p:cNvSpPr>
+            <a:spLocks noGrp="1"/>
+          </p:cNvSpPr>
+          <p:nvPr>
+            <p:ph idx="1"/>
+          </p:nvPr>
+        </p:nvSpPr>
+        <p:spPr/>
+        <p:txBody>
+          <a:bodyPr/>
+          <a:lstStyle/>
+          <a:p>
+            <a:pPr lvl="0" indent="0" marL="0">
+              <a:spcBef>
+                <a:spcPts val="3000"/>
+              </a:spcBef>
+              <a:buNone/>
+            </a:pPr>
+            <a:r>
+              <a:rPr b="1"/>
+              <a:t>What is database management system?</a:t>
+            </a:r>
+          </a:p>
+          <a:p>
+            <a:pPr lvl="0"/>
+            <a:r>
+              <a:rPr/>
+              <a:t>Database Application:</a:t>
+            </a:r>
+          </a:p>
+          <a:p>
+            <a:pPr lvl="0"/>
+            <a:r>
+              <a:rPr/>
+              <a:t>Performs application logic,</a:t>
+            </a:r>
+          </a:p>
+          <a:p>
+            <a:pPr lvl="1"/>
+            <a:r>
+              <a:rPr/>
+              <a:t>For example, the user made a request for 10 units, but 8 units were found in stock,</a:t>
+            </a:r>
+          </a:p>
+          <a:p>
+            <a:pPr lvl="1"/>
+            <a:r>
+              <a:rPr/>
+              <a:t>What happens depends on the logic of the program,</a:t>
+            </a:r>
+          </a:p>
+          <a:p>
+            <a:pPr lvl="1"/>
+            <a:r>
+              <a:rPr/>
+              <a:t>It is the task of the application program to implement the appropriate logic.</a:t>
+            </a:r>
+          </a:p>
+        </p:txBody>
+      </p:sp>
+    </p:spTree>
+  </p:cSld>
+</p:sld>
+</file>
+
+<file path=ppt/slides/slide3.xml><?xml version="1.0" encoding="utf-8"?>
+<p:sld xmlns:a="http://schemas.openxmlformats.org/drawingml/2006/main" xmlns:r="http://schemas.openxmlformats.org/officeDocument/2006/relationships" xmlns:p="http://schemas.openxmlformats.org/presentationml/2006/main">
+  <p:cSld>
+    <p:spTree>
+      <p:nvGrpSpPr>
+        <p:cNvPr id="1" name=""/>
+        <p:cNvGrpSpPr/>
+        <p:nvPr/>
+      </p:nvGrpSpPr>
+      <p:grpSpPr>
+        <a:xfrm>
+          <a:off x="0" y="0"/>
+          <a:ext cx="0" cy="0"/>
+          <a:chOff x="0" y="0"/>
+          <a:chExt cx="0" cy="0"/>
+        </a:xfrm>
+      </p:grpSpPr>
+      <p:sp>
+        <p:nvSpPr>
+          <p:cNvPr id="3" name="Content Placeholder 2"/>
+          <p:cNvSpPr>
+            <a:spLocks noGrp="1"/>
+          </p:cNvSpPr>
+          <p:nvPr>
+            <p:ph idx="1"/>
+          </p:nvPr>
+        </p:nvSpPr>
+        <p:spPr/>
+        <p:txBody>
+          <a:bodyPr/>
+          <a:lstStyle/>
+          <a:p>
+            <a:pPr lvl="0" indent="0" marL="0">
+              <a:spcBef>
+                <a:spcPts val="3000"/>
+              </a:spcBef>
+              <a:buNone/>
+            </a:pPr>
+            <a:r>
+              <a:rPr b="1"/>
+              <a:t>Why we use the database?</a:t>
+            </a:r>
+          </a:p>
+          <a:p>
+            <a:pPr lvl="0"/>
+            <a:r>
+              <a:rPr/>
+              <a:t>The purpose of the database;</a:t>
+            </a:r>
+          </a:p>
+          <a:p>
+            <a:pPr lvl="1"/>
+            <a:r>
+              <a:rPr/>
+              <a:t>helping people and organizations keep track of things.</a:t>
+            </a:r>
+          </a:p>
+        </p:txBody>
+      </p:sp>
+    </p:spTree>
+  </p:cSld>
+</p:sld>
+</file>
+
+<file path=ppt/slides/slide30.xml><?xml version="1.0" encoding="utf-8"?>
+<p:sld xmlns:a="http://schemas.openxmlformats.org/drawingml/2006/main" xmlns:r="http://schemas.openxmlformats.org/officeDocument/2006/relationships" xmlns:p="http://schemas.openxmlformats.org/presentationml/2006/main">
+  <p:cSld>
+    <p:spTree>
+      <p:nvGrpSpPr>
+        <p:cNvPr id="1" name=""/>
+        <p:cNvGrpSpPr/>
+        <p:nvPr/>
+      </p:nvGrpSpPr>
+      <p:grpSpPr>
+        <a:xfrm>
+          <a:off x="0" y="0"/>
+          <a:ext cx="0" cy="0"/>
+          <a:chOff x="0" y="0"/>
+          <a:chExt cx="0" cy="0"/>
+        </a:xfrm>
+      </p:grpSpPr>
+      <p:sp>
+        <p:nvSpPr>
+          <p:cNvPr id="3" name="Content Placeholder 2"/>
+          <p:cNvSpPr>
+            <a:spLocks noGrp="1"/>
+          </p:cNvSpPr>
+          <p:nvPr>
+            <p:ph idx="1"/>
+          </p:nvPr>
+        </p:nvSpPr>
+        <p:spPr/>
+        <p:txBody>
+          <a:bodyPr/>
+          <a:lstStyle/>
+          <a:p>
+            <a:pPr lvl="0" indent="0" marL="0">
+              <a:spcBef>
+                <a:spcPts val="3000"/>
+              </a:spcBef>
+              <a:buNone/>
+            </a:pPr>
+            <a:r>
+              <a:rPr b="1"/>
+              <a:t>What is database management system?</a:t>
+            </a:r>
+          </a:p>
+          <a:p>
+            <a:pPr lvl="0"/>
+            <a:r>
+              <a:rPr/>
+              <a:t>Database Application:</a:t>
+            </a:r>
+          </a:p>
+          <a:p>
+            <a:pPr lvl="1"/>
+            <a:r>
+              <a:rPr/>
+              <a:t>Controls the application</a:t>
+            </a:r>
+          </a:p>
+        </p:txBody>
+      </p:sp>
+    </p:spTree>
+  </p:cSld>
+</p:sld>
+</file>
+
+<file path=ppt/slides/slide31.xml><?xml version="1.0" encoding="utf-8"?>
+<p:sld xmlns:a="http://schemas.openxmlformats.org/drawingml/2006/main" xmlns:r="http://schemas.openxmlformats.org/officeDocument/2006/relationships" xmlns:p="http://schemas.openxmlformats.org/presentationml/2006/main">
+  <p:cSld>
+    <p:spTree>
+      <p:nvGrpSpPr>
+        <p:cNvPr id="1" name=""/>
+        <p:cNvGrpSpPr/>
+        <p:nvPr/>
+      </p:nvGrpSpPr>
+      <p:grpSpPr>
+        <a:xfrm>
+          <a:off x="0" y="0"/>
+          <a:ext cx="0" cy="0"/>
+          <a:chOff x="0" y="0"/>
+          <a:chExt cx="0" cy="0"/>
+        </a:xfrm>
+      </p:grpSpPr>
+      <p:sp>
+        <p:nvSpPr>
+          <p:cNvPr id="3" name="Content Placeholder 2"/>
+          <p:cNvSpPr>
+            <a:spLocks noGrp="1"/>
+          </p:cNvSpPr>
+          <p:nvPr>
+            <p:ph idx="1"/>
+          </p:nvPr>
+        </p:nvSpPr>
+        <p:spPr/>
+        <p:txBody>
+          <a:bodyPr/>
+          <a:lstStyle/>
+          <a:p>
+            <a:pPr lvl="0" indent="0" marL="0">
+              <a:spcBef>
+                <a:spcPts val="3000"/>
+              </a:spcBef>
+              <a:buNone/>
+            </a:pPr>
+            <a:r>
+              <a:rPr b="1"/>
+              <a:t>What is database management system?</a:t>
+            </a:r>
+          </a:p>
+          <a:p>
+            <a:pPr lvl="0"/>
+            <a:r>
+              <a:rPr/>
+              <a:t>The Database Management System does the following:</a:t>
+            </a:r>
+          </a:p>
+          <a:p>
+            <a:pPr lvl="1"/>
+            <a:r>
+              <a:rPr/>
+              <a:t>Creating the database, creating the tables,</a:t>
+            </a:r>
+          </a:p>
+          <a:p>
+            <a:pPr lvl="1"/>
+            <a:r>
+              <a:rPr/>
+              <a:t>Reading data from the database and updating the data,</a:t>
+            </a:r>
+          </a:p>
+          <a:p>
+            <a:pPr lvl="1"/>
+            <a:r>
+              <a:rPr/>
+              <a:t>Realizing the limitations on data values,</a:t>
+            </a:r>
+          </a:p>
+          <a:p>
+            <a:pPr lvl="1"/>
+            <a:r>
+              <a:rPr/>
+              <a:t>It prevents one user’s process from interfering with the other user’s process.</a:t>
+            </a:r>
+          </a:p>
+          <a:p>
+            <a:pPr lvl="1"/>
+            <a:r>
+              <a:rPr/>
+              <a:t>Allowing users to take action within the limits of their authority,</a:t>
+            </a:r>
+          </a:p>
+          <a:p>
+            <a:pPr lvl="1"/>
+            <a:r>
+              <a:rPr/>
+              <a:t>Backing up data in the database.</a:t>
+            </a:r>
+          </a:p>
+        </p:txBody>
+      </p:sp>
+    </p:spTree>
+  </p:cSld>
+</p:sld>
+</file>
+
+<file path=ppt/slides/slide32.xml><?xml version="1.0" encoding="utf-8"?>
+<p:sld xmlns:a="http://schemas.openxmlformats.org/drawingml/2006/main" xmlns:r="http://schemas.openxmlformats.org/officeDocument/2006/relationships" xmlns:p="http://schemas.openxmlformats.org/presentationml/2006/main">
+  <p:cSld>
+    <p:spTree>
+      <p:nvGrpSpPr>
+        <p:cNvPr id="1" name=""/>
+        <p:cNvGrpSpPr/>
+        <p:nvPr/>
+      </p:nvGrpSpPr>
+      <p:grpSpPr>
+        <a:xfrm>
+          <a:off x="0" y="0"/>
+          <a:ext cx="0" cy="0"/>
+          <a:chOff x="0" y="0"/>
+          <a:chExt cx="0" cy="0"/>
+        </a:xfrm>
+      </p:grpSpPr>
+      <p:sp>
+        <p:nvSpPr>
+          <p:cNvPr id="3" name="Content Placeholder 2"/>
+          <p:cNvSpPr>
+            <a:spLocks noGrp="1"/>
+          </p:cNvSpPr>
+          <p:nvPr>
+            <p:ph idx="1"/>
+          </p:nvPr>
+        </p:nvSpPr>
+        <p:spPr/>
+        <p:txBody>
+          <a:bodyPr/>
+          <a:lstStyle/>
+          <a:p>
+            <a:pPr lvl="0" indent="0" marL="0">
+              <a:spcBef>
+                <a:spcPts val="3000"/>
+              </a:spcBef>
+              <a:buNone/>
+            </a:pPr>
+            <a:r>
+              <a:rPr b="1"/>
+              <a:t>Database</a:t>
+            </a:r>
+          </a:p>
+          <a:p>
+            <a:pPr lvl="0"/>
+            <a:r>
+              <a:rPr/>
+              <a:t>Database is data stores that consist of following related records.</a:t>
+            </a:r>
+          </a:p>
+          <a:p>
+            <a:pPr lvl="1"/>
+            <a:r>
+              <a:rPr/>
+              <a:t>Metadata (metadata)</a:t>
+            </a:r>
+          </a:p>
+          <a:p>
+            <a:pPr lvl="1"/>
+            <a:r>
+              <a:rPr/>
+              <a:t>index</a:t>
+            </a:r>
+          </a:p>
+          <a:p>
+            <a:pPr lvl="1"/>
+            <a:r>
+              <a:rPr/>
+              <a:t>stored procedure</a:t>
+            </a:r>
+          </a:p>
+          <a:p>
+            <a:pPr lvl="1"/>
+            <a:r>
+              <a:rPr/>
+              <a:t>trigger</a:t>
+            </a:r>
+          </a:p>
+          <a:p>
+            <a:pPr lvl="1"/>
+            <a:r>
+              <a:rPr/>
+              <a:t>data integrity (referential integrity)</a:t>
+            </a:r>
+          </a:p>
+        </p:txBody>
+      </p:sp>
+    </p:spTree>
+  </p:cSld>
+</p:sld>
+</file>
+
+<file path=ppt/slides/slide33.xml><?xml version="1.0" encoding="utf-8"?>
+<p:sld xmlns:a="http://schemas.openxmlformats.org/drawingml/2006/main" xmlns:r="http://schemas.openxmlformats.org/officeDocument/2006/relationships" xmlns:p="http://schemas.openxmlformats.org/presentationml/2006/main">
+  <p:cSld>
+    <p:spTree>
+      <p:nvGrpSpPr>
+        <p:cNvPr id="1" name=""/>
+        <p:cNvGrpSpPr/>
+        <p:nvPr/>
+      </p:nvGrpSpPr>
+      <p:grpSpPr>
+        <a:xfrm>
+          <a:off x="0" y="0"/>
+          <a:ext cx="0" cy="0"/>
+          <a:chOff x="0" y="0"/>
+          <a:chExt cx="0" cy="0"/>
+        </a:xfrm>
+      </p:grpSpPr>
+      <p:sp>
+        <p:nvSpPr>
+          <p:cNvPr id="3" name="Content Placeholder 2"/>
+          <p:cNvSpPr>
+            <a:spLocks noGrp="1"/>
+          </p:cNvSpPr>
+          <p:nvPr>
+            <p:ph idx="1"/>
+          </p:nvPr>
+        </p:nvSpPr>
+        <p:spPr/>
+        <p:txBody>
+          <a:bodyPr/>
+          <a:lstStyle/>
+          <a:p>
+            <a:pPr lvl="0" indent="0" marL="0">
+              <a:spcBef>
+                <a:spcPts val="3000"/>
+              </a:spcBef>
+              <a:buNone/>
+            </a:pPr>
+            <a:r>
+              <a:rPr b="1"/>
+              <a:t>Database</a:t>
+            </a:r>
+          </a:p>
+          <a:p>
+            <a:pPr lvl="0"/>
+            <a:r>
+              <a:rPr/>
+              <a:t>Data about the structure of the database is called metadata.</a:t>
+            </a:r>
+          </a:p>
+          <a:p>
+            <a:pPr lvl="1"/>
+            <a:r>
+              <a:rPr/>
+              <a:t>Table names</a:t>
+            </a:r>
+          </a:p>
+          <a:p>
+            <a:pPr lvl="1"/>
+            <a:r>
+              <a:rPr/>
+              <a:t>column names</a:t>
+            </a:r>
+          </a:p>
+          <a:p>
+            <a:pPr lvl="1"/>
+            <a:r>
+              <a:rPr/>
+              <a:t>Properties of tables and columns etc.</a:t>
+            </a:r>
+          </a:p>
+        </p:txBody>
+      </p:sp>
+    </p:spTree>
+  </p:cSld>
+</p:sld>
+</file>
+
+<file path=ppt/slides/slide34.xml><?xml version="1.0" encoding="utf-8"?>
+<p:sld xmlns:a="http://schemas.openxmlformats.org/drawingml/2006/main" xmlns:r="http://schemas.openxmlformats.org/officeDocument/2006/relationships" xmlns:p="http://schemas.openxmlformats.org/presentationml/2006/main">
+  <p:cSld>
+    <p:spTree>
+      <p:nvGrpSpPr>
+        <p:cNvPr id="1" name=""/>
+        <p:cNvGrpSpPr/>
+        <p:nvPr/>
+      </p:nvGrpSpPr>
+      <p:grpSpPr>
+        <a:xfrm>
+          <a:off x="0" y="0"/>
+          <a:ext cx="0" cy="0"/>
+          <a:chOff x="0" y="0"/>
+          <a:chExt cx="0" cy="0"/>
+        </a:xfrm>
+      </p:grpSpPr>
+      <p:sp>
+        <p:nvSpPr>
+          <p:cNvPr id="4" name="Text Placeholder 3"/>
+          <p:cNvSpPr>
+            <a:spLocks noGrp="1"/>
+          </p:cNvSpPr>
+          <p:nvPr>
+            <p:ph idx="2" sz="half" type="body"/>
+          </p:nvPr>
+        </p:nvSpPr>
+        <p:spPr/>
+        <p:txBody>
+          <a:bodyPr/>
+          <a:lstStyle/>
+          <a:p>
+            <a:pPr lvl="0" indent="0" marL="0">
+              <a:spcBef>
+                <a:spcPts val="3000"/>
+              </a:spcBef>
+              <a:buNone/>
+            </a:pPr>
+            <a:r>
+              <a:rPr b="1"/>
+              <a:t>Database</a:t>
+            </a:r>
+          </a:p>
+          <a:p>
+            <a:pPr lvl="0"/>
+            <a:r>
+              <a:rPr/>
+              <a:t>Metadata example:</a:t>
+            </a:r>
+          </a:p>
+        </p:txBody>
+      </p:sp>
+      <p:pic>
+        <p:nvPicPr>
+          <p:cNvPr descr="fig:  assets/2022-03-09-18-00-08-image.png" id="0" name="Picture 1"/>
+          <p:cNvPicPr>
+            <a:picLocks noGrp="1" noChangeAspect="1"/>
+          </p:cNvPicPr>
+          <p:nvPr/>
+        </p:nvPicPr>
+        <p:blipFill>
+          <a:blip r:embed="rId2"/>
+          <a:stretch>
+            <a:fillRect/>
+          </a:stretch>
+        </p:blipFill>
+        <p:spPr bwMode="auto">
+          <a:xfrm>
+            <a:off x="3568700" y="939800"/>
+            <a:ext cx="5105400" cy="3987800"/>
+          </a:xfrm>
+          <a:prstGeom prst="rect">
+            <a:avLst/>
+          </a:prstGeom>
+          <a:noFill/>
+          <a:ln w="9525">
+            <a:noFill/>
+            <a:headEnd/>
+            <a:tailEnd/>
+          </a:ln>
+        </p:spPr>
+      </p:pic>
+      <p:sp>
+        <p:nvSpPr>
+          <p:cNvPr id="1" name="TextBox 3"/>
+          <p:cNvSpPr txBox="1"/>
+          <p:nvPr/>
+        </p:nvSpPr>
+        <p:spPr>
+          <a:xfrm>
+            <a:off x="3568700" y="5600700"/>
+            <a:ext cx="5105400" cy="508000"/>
+          </a:xfrm>
+          <a:prstGeom prst="rect">
+            <a:avLst/>
+          </a:prstGeom>
+          <a:noFill/>
+        </p:spPr>
+        <p:txBody>
+          <a:bodyPr/>
+          <a:lstStyle/>
+          <a:p>
+            <a:pPr lvl="0" indent="0" marL="0" algn="ctr">
+              <a:buNone/>
+            </a:pPr>
+            <a:r>
+              <a:rPr/>
+              <a:t>center h:450px</a:t>
+            </a:r>
+          </a:p>
+        </p:txBody>
+      </p:sp>
+    </p:spTree>
+  </p:cSld>
+</p:sld>
+</file>
+
+<file path=ppt/slides/slide35.xml><?xml version="1.0" encoding="utf-8"?>
+<p:sld xmlns:a="http://schemas.openxmlformats.org/drawingml/2006/main" xmlns:r="http://schemas.openxmlformats.org/officeDocument/2006/relationships" xmlns:p="http://schemas.openxmlformats.org/presentationml/2006/main">
+  <p:cSld>
+    <p:spTree>
+      <p:nvGrpSpPr>
+        <p:cNvPr id="1" name=""/>
+        <p:cNvGrpSpPr/>
+        <p:nvPr/>
+      </p:nvGrpSpPr>
+      <p:grpSpPr>
+        <a:xfrm>
+          <a:off x="0" y="0"/>
+          <a:ext cx="0" cy="0"/>
+          <a:chOff x="0" y="0"/>
+          <a:chExt cx="0" cy="0"/>
+        </a:xfrm>
+      </p:grpSpPr>
+      <p:sp>
+        <p:nvSpPr>
+          <p:cNvPr id="3" name="Content Placeholder 2"/>
+          <p:cNvSpPr>
+            <a:spLocks noGrp="1"/>
+          </p:cNvSpPr>
+          <p:nvPr>
+            <p:ph idx="1"/>
+          </p:nvPr>
+        </p:nvSpPr>
+        <p:spPr/>
+        <p:txBody>
+          <a:bodyPr/>
+          <a:lstStyle/>
+          <a:p>
+            <a:pPr lvl="0" indent="0" marL="0">
+              <a:spcBef>
+                <a:spcPts val="3000"/>
+              </a:spcBef>
+              <a:buNone/>
+            </a:pPr>
+            <a:r>
+              <a:rPr b="1"/>
+              <a:t>Database</a:t>
+            </a:r>
+          </a:p>
+          <a:p>
+            <a:pPr lvl="0"/>
+            <a:r>
+              <a:rPr/>
+              <a:t>Some databases contain application metadata.</a:t>
+            </a:r>
+          </a:p>
+          <a:p>
+            <a:pPr lvl="0"/>
+            <a:r>
+              <a:rPr/>
+              <a:t>This metadata defines application components such as forms and reports.</a:t>
+            </a:r>
+          </a:p>
+          <a:p>
+            <a:pPr lvl="0"/>
+            <a:r>
+              <a:rPr/>
+              <a:t>DBMS has several tools to show the structure of the database.</a:t>
+            </a:r>
+          </a:p>
+        </p:txBody>
+      </p:sp>
+    </p:spTree>
+  </p:cSld>
+</p:sld>
+</file>
+
+<file path=ppt/slides/slide36.xml><?xml version="1.0" encoding="utf-8"?>
+<p:sld xmlns:a="http://schemas.openxmlformats.org/drawingml/2006/main" xmlns:r="http://schemas.openxmlformats.org/officeDocument/2006/relationships" xmlns:p="http://schemas.openxmlformats.org/presentationml/2006/main">
+  <p:cSld>
+    <p:spTree>
+      <p:nvGrpSpPr>
+        <p:cNvPr id="1" name=""/>
+        <p:cNvGrpSpPr/>
+        <p:nvPr/>
+      </p:nvGrpSpPr>
+      <p:grpSpPr>
+        <a:xfrm>
+          <a:off x="0" y="0"/>
+          <a:ext cx="0" cy="0"/>
+          <a:chOff x="0" y="0"/>
+          <a:chExt cx="0" cy="0"/>
+        </a:xfrm>
+      </p:grpSpPr>
+      <p:sp>
+        <p:nvSpPr>
+          <p:cNvPr id="3" name="Content Placeholder 2"/>
+          <p:cNvSpPr>
+            <a:spLocks noGrp="1"/>
+          </p:cNvSpPr>
+          <p:nvPr>
+            <p:ph idx="1"/>
+          </p:nvPr>
+        </p:nvSpPr>
+        <p:spPr/>
+        <p:txBody>
+          <a:bodyPr/>
+          <a:lstStyle/>
+          <a:p>
+            <a:pPr lvl="0" indent="0" marL="0">
+              <a:spcBef>
+                <a:spcPts val="3000"/>
+              </a:spcBef>
+              <a:buNone/>
+            </a:pPr>
+            <a:r>
+              <a:rPr b="1"/>
+              <a:t>Database</a:t>
+            </a:r>
+          </a:p>
+          <a:p>
+            <a:pPr lvl="0"/>
+            <a:r>
+              <a:rPr/>
+              <a:t>At the same time, there are indexes used in databases to improve the performance of the database.</a:t>
+            </a:r>
+          </a:p>
+          <a:p>
+            <a:pPr lvl="0"/>
+            <a:r>
+              <a:rPr/>
+              <a:t>Indexes are tools that show which records are in which tables.</a:t>
+            </a:r>
+          </a:p>
+        </p:txBody>
+      </p:sp>
+    </p:spTree>
+  </p:cSld>
+</p:sld>
+</file>
+
+<file path=ppt/slides/slide37.xml><?xml version="1.0" encoding="utf-8"?>
+<p:sld xmlns:a="http://schemas.openxmlformats.org/drawingml/2006/main" xmlns:r="http://schemas.openxmlformats.org/officeDocument/2006/relationships" xmlns:p="http://schemas.openxmlformats.org/presentationml/2006/main">
+  <p:cSld>
+    <p:spTree>
+      <p:nvGrpSpPr>
+        <p:cNvPr id="1" name=""/>
+        <p:cNvGrpSpPr/>
+        <p:nvPr/>
+      </p:nvGrpSpPr>
+      <p:grpSpPr>
+        <a:xfrm>
+          <a:off x="0" y="0"/>
+          <a:ext cx="0" cy="0"/>
+          <a:chOff x="0" y="0"/>
+          <a:chExt cx="0" cy="0"/>
+        </a:xfrm>
+      </p:grpSpPr>
+      <p:sp>
+        <p:nvSpPr>
+          <p:cNvPr id="3" name="Content Placeholder 2"/>
+          <p:cNvSpPr>
+            <a:spLocks noGrp="1"/>
+          </p:cNvSpPr>
+          <p:nvPr>
+            <p:ph idx="1"/>
+          </p:nvPr>
+        </p:nvSpPr>
+        <p:spPr/>
+        <p:txBody>
+          <a:bodyPr/>
+          <a:lstStyle/>
+          <a:p>
+            <a:pPr lvl="0" indent="0" marL="0">
+              <a:spcBef>
+                <a:spcPts val="3000"/>
+              </a:spcBef>
+              <a:buNone/>
+            </a:pPr>
+            <a:r>
+              <a:rPr b="1"/>
+              <a:t>Database</a:t>
+            </a:r>
+          </a:p>
+          <a:p>
+            <a:pPr lvl="0"/>
+            <a:r>
+              <a:rPr/>
+              <a:t>Stored procedures are compiled SQL statements.</a:t>
+            </a:r>
+          </a:p>
+          <a:p>
+            <a:pPr lvl="0"/>
+            <a:r>
+              <a:rPr/>
+              <a:t>Because they are database objects, they are directly included in the database manager program.</a:t>
+            </a:r>
+          </a:p>
+          <a:p>
+            <a:pPr lvl="0"/>
+            <a:r>
+              <a:rPr/>
+              <a:t>For example, stored procedures can be created for the purpose of taking a backup of data in a table or remove a backup of data that has passed more than a year.</a:t>
+            </a:r>
+          </a:p>
+        </p:txBody>
+      </p:sp>
+    </p:spTree>
+  </p:cSld>
+</p:sld>
+</file>
+
+<file path=ppt/slides/slide38.xml><?xml version="1.0" encoding="utf-8"?>
+<p:sld xmlns:a="http://schemas.openxmlformats.org/drawingml/2006/main" xmlns:r="http://schemas.openxmlformats.org/officeDocument/2006/relationships" xmlns:p="http://schemas.openxmlformats.org/presentationml/2006/main">
+  <p:cSld>
+    <p:spTree>
+      <p:nvGrpSpPr>
+        <p:cNvPr id="1" name=""/>
+        <p:cNvGrpSpPr/>
+        <p:nvPr/>
+      </p:nvGrpSpPr>
+      <p:grpSpPr>
+        <a:xfrm>
+          <a:off x="0" y="0"/>
+          <a:ext cx="0" cy="0"/>
+          <a:chOff x="0" y="0"/>
+          <a:chExt cx="0" cy="0"/>
+        </a:xfrm>
+      </p:grpSpPr>
+      <p:sp>
+        <p:nvSpPr>
+          <p:cNvPr id="3" name="Content Placeholder 2"/>
+          <p:cNvSpPr>
+            <a:spLocks noGrp="1"/>
+          </p:cNvSpPr>
+          <p:nvPr>
+            <p:ph idx="1"/>
+          </p:nvPr>
+        </p:nvSpPr>
+        <p:spPr/>
+        <p:txBody>
+          <a:bodyPr/>
+          <a:lstStyle/>
+          <a:p>
+            <a:pPr lvl="0" indent="0" marL="0">
+              <a:spcBef>
+                <a:spcPts val="3000"/>
+              </a:spcBef>
+              <a:buNone/>
+            </a:pPr>
+            <a:r>
+              <a:rPr b="1"/>
+              <a:t>Database</a:t>
+            </a:r>
+          </a:p>
+          <a:p>
+            <a:pPr lvl="0"/>
+            <a:r>
+              <a:rPr/>
+              <a:t>Stored procedures are codes for doing a specific duty defined in a database.</a:t>
+            </a:r>
+          </a:p>
+          <a:p>
+            <a:pPr lvl="0"/>
+            <a:r>
+              <a:rPr/>
+              <a:t>These codes are optimized because they are compiled at the same time as they are written, and they are the fastest ready-to-run codes.</a:t>
+            </a:r>
+          </a:p>
+        </p:txBody>
+      </p:sp>
+    </p:spTree>
+  </p:cSld>
+</p:sld>
+</file>
+
+<file path=ppt/slides/slide39.xml><?xml version="1.0" encoding="utf-8"?>
+<p:sld xmlns:a="http://schemas.openxmlformats.org/drawingml/2006/main" xmlns:r="http://schemas.openxmlformats.org/officeDocument/2006/relationships" xmlns:p="http://schemas.openxmlformats.org/presentationml/2006/main">
+  <p:cSld>
+    <p:spTree>
+      <p:nvGrpSpPr>
+        <p:cNvPr id="1" name=""/>
+        <p:cNvGrpSpPr/>
+        <p:nvPr/>
+      </p:nvGrpSpPr>
+      <p:grpSpPr>
+        <a:xfrm>
+          <a:off x="0" y="0"/>
+          <a:ext cx="0" cy="0"/>
+          <a:chOff x="0" y="0"/>
+          <a:chExt cx="0" cy="0"/>
+        </a:xfrm>
+      </p:grpSpPr>
+      <p:sp>
+        <p:nvSpPr>
+          <p:cNvPr id="3" name="Content Placeholder 2"/>
+          <p:cNvSpPr>
+            <a:spLocks noGrp="1"/>
+          </p:cNvSpPr>
+          <p:nvPr>
+            <p:ph idx="1"/>
+          </p:nvPr>
+        </p:nvSpPr>
+        <p:spPr/>
+        <p:txBody>
+          <a:bodyPr/>
+          <a:lstStyle/>
+          <a:p>
+            <a:pPr lvl="0" indent="0" marL="0">
+              <a:spcBef>
+                <a:spcPts val="3000"/>
+              </a:spcBef>
+              <a:buNone/>
+            </a:pPr>
+            <a:r>
+              <a:rPr b="1"/>
+              <a:t>Database</a:t>
+            </a:r>
+          </a:p>
+          <a:p>
+            <a:pPr lvl="0"/>
+            <a:r>
+              <a:rPr/>
+              <a:t>A trigger is a special type of stored procedure that automatically runs when an event occurs in the database server.</a:t>
+            </a:r>
+          </a:p>
+          <a:p>
+            <a:pPr lvl="0"/>
+            <a:r>
+              <a:rPr/>
+              <a:t>The events that trigger the triggers on the table are insert, update, delete events.</a:t>
+            </a:r>
+          </a:p>
+        </p:txBody>
+      </p:sp>
+    </p:spTree>
+  </p:cSld>
+</p:sld>
+</file>
+
+<file path=ppt/slides/slide4.xml><?xml version="1.0" encoding="utf-8"?>
+<p:sld xmlns:a="http://schemas.openxmlformats.org/drawingml/2006/main" xmlns:r="http://schemas.openxmlformats.org/officeDocument/2006/relationships" xmlns:p="http://schemas.openxmlformats.org/presentationml/2006/main">
+  <p:cSld>
+    <p:spTree>
+      <p:nvGrpSpPr>
+        <p:cNvPr id="1" name=""/>
+        <p:cNvGrpSpPr/>
+        <p:nvPr/>
+      </p:nvGrpSpPr>
+      <p:grpSpPr>
+        <a:xfrm>
+          <a:off x="0" y="0"/>
+          <a:ext cx="0" cy="0"/>
+          <a:chOff x="0" y="0"/>
+          <a:chExt cx="0" cy="0"/>
+        </a:xfrm>
+      </p:grpSpPr>
+      <p:sp>
+        <p:nvSpPr>
+          <p:cNvPr id="3" name="Content Placeholder 2"/>
+          <p:cNvSpPr>
+            <a:spLocks noGrp="1"/>
+          </p:cNvSpPr>
+          <p:nvPr>
+            <p:ph idx="1"/>
+          </p:nvPr>
+        </p:nvSpPr>
+        <p:spPr/>
+        <p:txBody>
+          <a:bodyPr/>
+          <a:lstStyle/>
+          <a:p>
+            <a:pPr lvl="0" indent="0" marL="0">
+              <a:spcBef>
+                <a:spcPts val="3000"/>
+              </a:spcBef>
+              <a:buNone/>
+            </a:pPr>
+            <a:r>
+              <a:rPr b="1"/>
+              <a:t>Why we use the database?</a:t>
+            </a:r>
+          </a:p>
+          <a:p>
+            <a:pPr lvl="0"/>
+            <a:r>
+              <a:rPr/>
+              <a:t>Lists are used to keep track of things without using a database.</a:t>
+            </a:r>
+          </a:p>
+          <a:p>
+            <a:pPr lvl="1"/>
+            <a:r>
+              <a:rPr/>
+              <a:t>Shopping list,</a:t>
+            </a:r>
+          </a:p>
+          <a:p>
+            <a:pPr lvl="1"/>
+            <a:r>
+              <a:rPr/>
+              <a:t>to-do list,</a:t>
+            </a:r>
+          </a:p>
+          <a:p>
+            <a:pPr lvl="1"/>
+            <a:r>
+              <a:rPr/>
+              <a:t>List of paid invoices</a:t>
+            </a:r>
+          </a:p>
+        </p:txBody>
+      </p:sp>
+    </p:spTree>
+  </p:cSld>
+</p:sld>
+</file>
+
+<file path=ppt/slides/slide40.xml><?xml version="1.0" encoding="utf-8"?>
+<p:sld xmlns:a="http://schemas.openxmlformats.org/drawingml/2006/main" xmlns:r="http://schemas.openxmlformats.org/officeDocument/2006/relationships" xmlns:p="http://schemas.openxmlformats.org/presentationml/2006/main">
+  <p:cSld>
+    <p:spTree>
+      <p:nvGrpSpPr>
+        <p:cNvPr id="1" name=""/>
+        <p:cNvGrpSpPr/>
+        <p:nvPr/>
+      </p:nvGrpSpPr>
+      <p:grpSpPr>
+        <a:xfrm>
+          <a:off x="0" y="0"/>
+          <a:ext cx="0" cy="0"/>
+          <a:chOff x="0" y="0"/>
+          <a:chExt cx="0" cy="0"/>
+        </a:xfrm>
+      </p:grpSpPr>
+      <p:sp>
+        <p:nvSpPr>
+          <p:cNvPr id="3" name="Content Placeholder 2"/>
+          <p:cNvSpPr>
+            <a:spLocks noGrp="1"/>
+          </p:cNvSpPr>
+          <p:nvPr>
+            <p:ph idx="1"/>
+          </p:nvPr>
+        </p:nvSpPr>
+        <p:spPr/>
+        <p:txBody>
+          <a:bodyPr/>
+          <a:lstStyle/>
+          <a:p>
+            <a:pPr lvl="0" indent="0" marL="0">
+              <a:spcBef>
+                <a:spcPts val="3000"/>
+              </a:spcBef>
+              <a:buNone/>
+            </a:pPr>
+            <a:r>
+              <a:rPr b="1"/>
+              <a:t>Database</a:t>
+            </a:r>
+          </a:p>
+          <a:p>
+            <a:pPr lvl="0"/>
+            <a:r>
+              <a:rPr/>
+              <a:t>For example, it is a typical use of triggers to decrease or increase the amount of stock as a result of stock movements.</a:t>
+            </a:r>
+          </a:p>
+        </p:txBody>
+      </p:sp>
+    </p:spTree>
+  </p:cSld>
+</p:sld>
+</file>
+
+<file path=ppt/slides/slide41.xml><?xml version="1.0" encoding="utf-8"?>
+<p:sld xmlns:a="http://schemas.openxmlformats.org/drawingml/2006/main" xmlns:r="http://schemas.openxmlformats.org/officeDocument/2006/relationships" xmlns:p="http://schemas.openxmlformats.org/presentationml/2006/main">
+  <p:cSld>
+    <p:spTree>
+      <p:nvGrpSpPr>
+        <p:cNvPr id="1" name=""/>
+        <p:cNvGrpSpPr/>
+        <p:nvPr/>
+      </p:nvGrpSpPr>
+      <p:grpSpPr>
+        <a:xfrm>
+          <a:off x="0" y="0"/>
+          <a:ext cx="0" cy="0"/>
+          <a:chOff x="0" y="0"/>
+          <a:chExt cx="0" cy="0"/>
+        </a:xfrm>
+      </p:grpSpPr>
+      <p:sp>
+        <p:nvSpPr>
+          <p:cNvPr id="3" name="Content Placeholder 2"/>
+          <p:cNvSpPr>
+            <a:spLocks noGrp="1"/>
+          </p:cNvSpPr>
+          <p:nvPr>
+            <p:ph idx="1"/>
+          </p:nvPr>
+        </p:nvSpPr>
+        <p:spPr/>
+        <p:txBody>
+          <a:bodyPr/>
+          <a:lstStyle/>
+          <a:p>
+            <a:pPr lvl="0" indent="0" marL="0">
+              <a:spcBef>
+                <a:spcPts val="3000"/>
+              </a:spcBef>
+              <a:buNone/>
+            </a:pPr>
+            <a:r>
+              <a:rPr b="1"/>
+              <a:t>Database</a:t>
+            </a:r>
+          </a:p>
+          <a:p>
+            <a:pPr lvl="0"/>
+            <a:r>
+              <a:rPr/>
+              <a:t>Since both </a:t>
+            </a:r>
+            <a:r>
+              <a:rPr b="1"/>
+              <a:t>triggers</a:t>
+            </a:r>
+            <a:r>
+              <a:rPr/>
+              <a:t> and </a:t>
+            </a:r>
+            <a:r>
+              <a:rPr b="1"/>
+              <a:t>stored procedures</a:t>
+            </a:r>
+            <a:r>
+              <a:rPr/>
+              <a:t> are codes on the database, they run on the database server.</a:t>
+            </a:r>
+          </a:p>
+          <a:p>
+            <a:pPr lvl="0"/>
+            <a:r>
+              <a:rPr/>
+              <a:t>It is one of the powerful components of the Client &amp; Server architecture.</a:t>
+            </a:r>
+          </a:p>
+          <a:p>
+            <a:pPr lvl="0"/>
+            <a:r>
+              <a:rPr/>
+              <a:t>There are databases in client &amp; server architecture as follows.</a:t>
+            </a:r>
+          </a:p>
+          <a:p>
+            <a:pPr lvl="1"/>
+            <a:r>
+              <a:rPr/>
+              <a:t>Oracle, Sybase, MS SQL, Interbase, FireBird etc.</a:t>
+            </a:r>
+          </a:p>
+        </p:txBody>
+      </p:sp>
+    </p:spTree>
+  </p:cSld>
+</p:sld>
+</file>
+
+<file path=ppt/slides/slide42.xml><?xml version="1.0" encoding="utf-8"?>
+<p:sld xmlns:a="http://schemas.openxmlformats.org/drawingml/2006/main" xmlns:r="http://schemas.openxmlformats.org/officeDocument/2006/relationships" xmlns:p="http://schemas.openxmlformats.org/presentationml/2006/main">
+  <p:cSld>
+    <p:spTree>
+      <p:nvGrpSpPr>
+        <p:cNvPr id="1" name=""/>
+        <p:cNvGrpSpPr/>
+        <p:nvPr/>
+      </p:nvGrpSpPr>
+      <p:grpSpPr>
+        <a:xfrm>
+          <a:off x="0" y="0"/>
+          <a:ext cx="0" cy="0"/>
+          <a:chOff x="0" y="0"/>
+          <a:chExt cx="0" cy="0"/>
+        </a:xfrm>
+      </p:grpSpPr>
+      <p:sp>
+        <p:nvSpPr>
+          <p:cNvPr id="3" name="Content Placeholder 2"/>
+          <p:cNvSpPr>
+            <a:spLocks noGrp="1"/>
+          </p:cNvSpPr>
+          <p:nvPr>
+            <p:ph idx="1"/>
+          </p:nvPr>
+        </p:nvSpPr>
+        <p:spPr/>
+        <p:txBody>
+          <a:bodyPr/>
+          <a:lstStyle/>
+          <a:p>
+            <a:pPr lvl="0" indent="0" marL="0">
+              <a:spcBef>
+                <a:spcPts val="3000"/>
+              </a:spcBef>
+              <a:buNone/>
+            </a:pPr>
+            <a:r>
+              <a:rPr b="1"/>
+              <a:t>Database</a:t>
+            </a:r>
+          </a:p>
+          <a:p>
+            <a:pPr lvl="0"/>
+            <a:r>
+              <a:rPr/>
+              <a:t>Because they work on the server where the data is located, the data does not go back and forth between the client and the server.</a:t>
+            </a:r>
+          </a:p>
+          <a:p>
+            <a:pPr lvl="0"/>
+            <a:r>
+              <a:rPr/>
+              <a:t>Therefore minimal data is sent from the server to the client side.</a:t>
+            </a:r>
+          </a:p>
+        </p:txBody>
+      </p:sp>
+    </p:spTree>
+  </p:cSld>
+</p:sld>
+</file>
+
+<file path=ppt/slides/slide43.xml><?xml version="1.0" encoding="utf-8"?>
+<p:sld xmlns:a="http://schemas.openxmlformats.org/drawingml/2006/main" xmlns:r="http://schemas.openxmlformats.org/officeDocument/2006/relationships" xmlns:p="http://schemas.openxmlformats.org/presentationml/2006/main">
+  <p:cSld>
+    <p:spTree>
+      <p:nvGrpSpPr>
+        <p:cNvPr id="1" name=""/>
+        <p:cNvGrpSpPr/>
+        <p:nvPr/>
+      </p:nvGrpSpPr>
+      <p:grpSpPr>
+        <a:xfrm>
+          <a:off x="0" y="0"/>
+          <a:ext cx="0" cy="0"/>
+          <a:chOff x="0" y="0"/>
+          <a:chExt cx="0" cy="0"/>
+        </a:xfrm>
+      </p:grpSpPr>
+      <p:sp>
+        <p:nvSpPr>
+          <p:cNvPr id="3" name="Content Placeholder 2"/>
+          <p:cNvSpPr>
+            <a:spLocks noGrp="1"/>
+          </p:cNvSpPr>
+          <p:nvPr>
+            <p:ph idx="1"/>
+          </p:nvPr>
+        </p:nvSpPr>
+        <p:spPr/>
+        <p:txBody>
+          <a:bodyPr/>
+          <a:lstStyle/>
+          <a:p>
+            <a:pPr lvl="0" indent="0" marL="0">
+              <a:spcBef>
+                <a:spcPts val="3000"/>
+              </a:spcBef>
+              <a:buNone/>
+            </a:pPr>
+            <a:r>
+              <a:rPr b="1"/>
+              <a:t>Database</a:t>
+            </a:r>
+          </a:p>
+          <a:p>
+            <a:pPr lvl="0"/>
+            <a:r>
+              <a:rPr/>
+              <a:t>In a relational database</a:t>
+            </a:r>
+          </a:p>
+          <a:p>
+            <a:pPr lvl="0"/>
+            <a:r>
+              <a:rPr/>
+              <a:t>Let’s assume that the department information of the person in the </a:t>
+            </a:r>
+            <a:r>
+              <a:rPr b="1"/>
+              <a:t>PERSONNEL</a:t>
+            </a:r>
+            <a:r>
+              <a:rPr/>
+              <a:t> table is kept in the </a:t>
+            </a:r>
+            <a:r>
+              <a:rPr b="1"/>
+              <a:t>SECTION_NO</a:t>
+            </a:r>
+            <a:r>
+              <a:rPr/>
+              <a:t> variable and</a:t>
+            </a:r>
+          </a:p>
+          <a:p>
+            <a:pPr lvl="0"/>
+            <a:r>
+              <a:rPr/>
+              <a:t>the name of the department is in the </a:t>
+            </a:r>
+            <a:r>
+              <a:rPr b="1"/>
+              <a:t>SECTION</a:t>
+            </a:r>
+            <a:r>
+              <a:rPr/>
+              <a:t> table.</a:t>
+            </a:r>
+          </a:p>
+        </p:txBody>
+      </p:sp>
+    </p:spTree>
+  </p:cSld>
+</p:sld>
+</file>
+
+<file path=ppt/slides/slide44.xml><?xml version="1.0" encoding="utf-8"?>
+<p:sld xmlns:a="http://schemas.openxmlformats.org/drawingml/2006/main" xmlns:r="http://schemas.openxmlformats.org/officeDocument/2006/relationships" xmlns:p="http://schemas.openxmlformats.org/presentationml/2006/main">
+  <p:cSld>
+    <p:spTree>
+      <p:nvGrpSpPr>
+        <p:cNvPr id="1" name=""/>
+        <p:cNvGrpSpPr/>
+        <p:nvPr/>
+      </p:nvGrpSpPr>
+      <p:grpSpPr>
+        <a:xfrm>
+          <a:off x="0" y="0"/>
+          <a:ext cx="0" cy="0"/>
+          <a:chOff x="0" y="0"/>
+          <a:chExt cx="0" cy="0"/>
+        </a:xfrm>
+      </p:grpSpPr>
+      <p:sp>
+        <p:nvSpPr>
+          <p:cNvPr id="3" name="Content Placeholder 2"/>
+          <p:cNvSpPr>
+            <a:spLocks noGrp="1"/>
+          </p:cNvSpPr>
+          <p:nvPr>
+            <p:ph idx="1"/>
+          </p:nvPr>
+        </p:nvSpPr>
+        <p:spPr/>
+        <p:txBody>
+          <a:bodyPr/>
+          <a:lstStyle/>
+          <a:p>
+            <a:pPr lvl="0" indent="0" marL="0">
+              <a:spcBef>
+                <a:spcPts val="3000"/>
+              </a:spcBef>
+              <a:buNone/>
+            </a:pPr>
+            <a:r>
+              <a:rPr b="1"/>
+              <a:t>Database</a:t>
+            </a:r>
+          </a:p>
+          <a:p>
+            <a:pPr lvl="0"/>
+            <a:r>
+              <a:rPr/>
+              <a:t>If the section numbered as 1 is used by any personnel, the record with SECTION_NO value of 1 from the SECTION table must not be deleted.</a:t>
+            </a:r>
+          </a:p>
+          <a:p>
+            <a:pPr lvl="0"/>
+            <a:r>
+              <a:rPr/>
+              <a:t>Protecting data integrity by making such controls is called </a:t>
+            </a:r>
+            <a:r>
+              <a:rPr b="1"/>
+              <a:t>referential integrity</a:t>
+            </a:r>
+            <a:r>
+              <a:rPr/>
+              <a:t>.</a:t>
+            </a:r>
+          </a:p>
+        </p:txBody>
+      </p:sp>
+    </p:spTree>
+  </p:cSld>
+</p:sld>
+</file>
+
+<file path=ppt/slides/slide45.xml><?xml version="1.0" encoding="utf-8"?>
+<p:sld xmlns:a="http://schemas.openxmlformats.org/drawingml/2006/main" xmlns:r="http://schemas.openxmlformats.org/officeDocument/2006/relationships" xmlns:p="http://schemas.openxmlformats.org/presentationml/2006/main">
+  <p:cSld>
+    <p:spTree>
+      <p:nvGrpSpPr>
+        <p:cNvPr id="1" name=""/>
+        <p:cNvGrpSpPr/>
+        <p:nvPr/>
+      </p:nvGrpSpPr>
+      <p:grpSpPr>
+        <a:xfrm>
+          <a:off x="0" y="0"/>
+          <a:ext cx="0" cy="0"/>
+          <a:chOff x="0" y="0"/>
+          <a:chExt cx="0" cy="0"/>
+        </a:xfrm>
+      </p:grpSpPr>
+      <p:sp>
+        <p:nvSpPr>
+          <p:cNvPr id="3" name="Content Placeholder 2"/>
+          <p:cNvSpPr>
+            <a:spLocks noGrp="1"/>
+          </p:cNvSpPr>
+          <p:nvPr>
+            <p:ph idx="1"/>
+          </p:nvPr>
+        </p:nvSpPr>
+        <p:spPr/>
+        <p:txBody>
+          <a:bodyPr/>
+          <a:lstStyle/>
+          <a:p>
+            <a:pPr lvl="0" indent="0" marL="0">
+              <a:spcBef>
+                <a:spcPts val="3000"/>
+              </a:spcBef>
+              <a:buNone/>
+            </a:pPr>
+            <a:r>
+              <a:rPr b="1"/>
+              <a:t>Database</a:t>
+            </a:r>
+          </a:p>
+          <a:p>
+            <a:pPr lvl="0"/>
+            <a:r>
+              <a:rPr/>
+              <a:t>The use of triggers is highly preferred in order to ensure data integrity.</a:t>
+            </a:r>
+          </a:p>
+        </p:txBody>
+      </p:sp>
+    </p:spTree>
+  </p:cSld>
+</p:sld>
+</file>
+
+<file path=ppt/slides/slide46.xml><?xml version="1.0" encoding="utf-8"?>
+<p:sld xmlns:a="http://schemas.openxmlformats.org/drawingml/2006/main" xmlns:r="http://schemas.openxmlformats.org/officeDocument/2006/relationships" xmlns:p="http://schemas.openxmlformats.org/presentationml/2006/main">
+  <p:cSld>
+    <p:spTree>
+      <p:nvGrpSpPr>
+        <p:cNvPr id="1" name=""/>
+        <p:cNvGrpSpPr/>
+        <p:nvPr/>
+      </p:nvGrpSpPr>
+      <p:grpSpPr>
+        <a:xfrm>
+          <a:off x="0" y="0"/>
+          <a:ext cx="0" cy="0"/>
+          <a:chOff x="0" y="0"/>
+          <a:chExt cx="0" cy="0"/>
+        </a:xfrm>
+      </p:grpSpPr>
+      <p:sp>
+        <p:nvSpPr>
+          <p:cNvPr id="3" name="Content Placeholder 2"/>
+          <p:cNvSpPr>
+            <a:spLocks noGrp="1"/>
+          </p:cNvSpPr>
+          <p:nvPr>
+            <p:ph idx="1"/>
+          </p:nvPr>
+        </p:nvSpPr>
+        <p:spPr/>
+        <p:txBody>
+          <a:bodyPr/>
+          <a:lstStyle/>
+          <a:p>
+            <a:pPr lvl="0" indent="0" marL="0">
+              <a:spcBef>
+                <a:spcPts val="3000"/>
+              </a:spcBef>
+              <a:buNone/>
+            </a:pPr>
+            <a:r>
+              <a:rPr b="1"/>
+              <a:t>Database</a:t>
+            </a:r>
+          </a:p>
+          <a:p>
+            <a:pPr lvl="0"/>
+            <a:r>
+              <a:rPr/>
+              <a:t>There can be 3 types of database systems:</a:t>
+            </a:r>
+          </a:p>
+          <a:p>
+            <a:pPr lvl="1"/>
+            <a:r>
+              <a:rPr/>
+              <a:t>used by a single person,</a:t>
+            </a:r>
+          </a:p>
+          <a:p>
+            <a:pPr lvl="1"/>
+            <a:r>
+              <a:rPr/>
+              <a:t>used by small businesses,</a:t>
+            </a:r>
+          </a:p>
+          <a:p>
+            <a:pPr lvl="1"/>
+            <a:r>
+              <a:rPr/>
+              <a:t>Used by large international companies</a:t>
+            </a:r>
+          </a:p>
+        </p:txBody>
+      </p:sp>
+    </p:spTree>
+  </p:cSld>
+</p:sld>
+</file>
+
+<file path=ppt/slides/slide47.xml><?xml version="1.0" encoding="utf-8"?>
+<p:sld xmlns:a="http://schemas.openxmlformats.org/drawingml/2006/main" xmlns:r="http://schemas.openxmlformats.org/officeDocument/2006/relationships" xmlns:p="http://schemas.openxmlformats.org/presentationml/2006/main">
+  <p:cSld>
+    <p:spTree>
+      <p:nvGrpSpPr>
+        <p:cNvPr id="1" name=""/>
+        <p:cNvGrpSpPr/>
+        <p:nvPr/>
+      </p:nvGrpSpPr>
+      <p:grpSpPr>
+        <a:xfrm>
+          <a:off x="0" y="0"/>
+          <a:ext cx="0" cy="0"/>
+          <a:chOff x="0" y="0"/>
+          <a:chExt cx="0" cy="0"/>
+        </a:xfrm>
+      </p:grpSpPr>
+      <p:sp>
+        <p:nvSpPr>
+          <p:cNvPr id="3" name="Content Placeholder 2"/>
+          <p:cNvSpPr>
+            <a:spLocks noGrp="1"/>
+          </p:cNvSpPr>
+          <p:nvPr>
+            <p:ph idx="1"/>
+          </p:nvPr>
+        </p:nvSpPr>
+        <p:spPr/>
+        <p:txBody>
+          <a:bodyPr/>
+          <a:lstStyle/>
+          <a:p>
+            <a:pPr lvl="0" indent="0" marL="0">
+              <a:spcBef>
+                <a:spcPts val="3000"/>
+              </a:spcBef>
+              <a:buNone/>
+            </a:pPr>
+            <a:r>
+              <a:rPr b="1"/>
+              <a:t>Database</a:t>
+            </a:r>
+          </a:p>
+          <a:p>
+            <a:pPr lvl="0"/>
+            <a:r>
+              <a:rPr/>
+              <a:t>used by a single person,</a:t>
+            </a:r>
+          </a:p>
+          <a:p>
+            <a:pPr lvl="1"/>
+            <a:r>
+              <a:rPr/>
+              <a:t>Painter</a:t>
+            </a:r>
+          </a:p>
+          <a:p>
+            <a:pPr lvl="1"/>
+            <a:r>
+              <a:rPr/>
+              <a:t>Whose house was painted, when and how much?</a:t>
+            </a:r>
+          </a:p>
+          <a:p>
+            <a:pPr lvl="1"/>
+            <a:r>
+              <a:rPr/>
+              <a:t>What was painted in the painting, what colors and styles were used?</a:t>
+            </a:r>
+          </a:p>
+          <a:p>
+            <a:pPr lvl="1"/>
+            <a:r>
+              <a:rPr/>
+              <a:t>Who referenced others? Who are the referrals?</a:t>
+            </a:r>
+          </a:p>
+        </p:txBody>
+      </p:sp>
+    </p:spTree>
+  </p:cSld>
+</p:sld>
+</file>
+
+<file path=ppt/slides/slide48.xml><?xml version="1.0" encoding="utf-8"?>
+<p:sld xmlns:a="http://schemas.openxmlformats.org/drawingml/2006/main" xmlns:r="http://schemas.openxmlformats.org/officeDocument/2006/relationships" xmlns:p="http://schemas.openxmlformats.org/presentationml/2006/main">
+  <p:cSld>
+    <p:spTree>
+      <p:nvGrpSpPr>
+        <p:cNvPr id="1" name=""/>
+        <p:cNvGrpSpPr/>
+        <p:nvPr/>
+      </p:nvGrpSpPr>
+      <p:grpSpPr>
+        <a:xfrm>
+          <a:off x="0" y="0"/>
+          <a:ext cx="0" cy="0"/>
+          <a:chOff x="0" y="0"/>
+          <a:chExt cx="0" cy="0"/>
+        </a:xfrm>
+      </p:grpSpPr>
+      <p:sp>
+        <p:nvSpPr>
+          <p:cNvPr id="4" name="Text Placeholder 3"/>
+          <p:cNvSpPr>
+            <a:spLocks noGrp="1"/>
+          </p:cNvSpPr>
+          <p:nvPr>
+            <p:ph idx="2" sz="half" type="body"/>
+          </p:nvPr>
+        </p:nvSpPr>
+        <p:spPr/>
+        <p:txBody>
+          <a:bodyPr/>
+          <a:lstStyle/>
+          <a:p>
+            <a:pPr lvl="0" indent="0" marL="0">
+              <a:spcBef>
+                <a:spcPts val="3000"/>
+              </a:spcBef>
+              <a:buNone/>
+            </a:pPr>
+            <a:r>
+              <a:rPr b="1"/>
+              <a:t>Database Systems</a:t>
+            </a:r>
+          </a:p>
+          <a:p>
+            <a:pPr lvl="0" indent="0" marL="0">
+              <a:buNone/>
+            </a:pPr>
+            <a:r>
+              <a:rPr/>
+              <a:t>used by a single person,</a:t>
+            </a:r>
+          </a:p>
+        </p:txBody>
+      </p:sp>
+      <p:pic>
+        <p:nvPicPr>
+          <p:cNvPr descr="fig:  assets/2_veri_tabani_temel_kavramlar_hafta_24.jpg" id="0" name="Picture 1"/>
+          <p:cNvPicPr>
+            <a:picLocks noGrp="1" noChangeAspect="1"/>
+          </p:cNvPicPr>
+          <p:nvPr/>
+        </p:nvPicPr>
+        <p:blipFill>
+          <a:blip r:embed="rId2"/>
+          <a:stretch>
+            <a:fillRect/>
+          </a:stretch>
+        </p:blipFill>
+        <p:spPr bwMode="auto">
+          <a:xfrm>
+            <a:off x="3568700" y="800100"/>
+            <a:ext cx="5105400" cy="4254500"/>
+          </a:xfrm>
+          <a:prstGeom prst="rect">
+            <a:avLst/>
+          </a:prstGeom>
+          <a:noFill/>
+          <a:ln w="9525">
+            <a:noFill/>
+            <a:headEnd/>
+            <a:tailEnd/>
+          </a:ln>
+        </p:spPr>
+      </p:pic>
+      <p:sp>
+        <p:nvSpPr>
+          <p:cNvPr id="1" name="TextBox 3"/>
+          <p:cNvSpPr txBox="1"/>
+          <p:nvPr/>
+        </p:nvSpPr>
+        <p:spPr>
+          <a:xfrm>
+            <a:off x="3568700" y="5600700"/>
+            <a:ext cx="5105400" cy="508000"/>
+          </a:xfrm>
+          <a:prstGeom prst="rect">
+            <a:avLst/>
+          </a:prstGeom>
+          <a:noFill/>
+        </p:spPr>
+        <p:txBody>
+          <a:bodyPr/>
+          <a:lstStyle/>
+          <a:p>
+            <a:pPr lvl="0" indent="0" marL="0" algn="ctr">
+              <a:buNone/>
+            </a:pPr>
+            <a:r>
+              <a:rPr/>
+              <a:t>center h:450px</a:t>
+            </a:r>
+          </a:p>
+        </p:txBody>
+      </p:sp>
+    </p:spTree>
+  </p:cSld>
+</p:sld>
+</file>
+
+<file path=ppt/slides/slide49.xml><?xml version="1.0" encoding="utf-8"?>
+<p:sld xmlns:a="http://schemas.openxmlformats.org/drawingml/2006/main" xmlns:r="http://schemas.openxmlformats.org/officeDocument/2006/relationships" xmlns:p="http://schemas.openxmlformats.org/presentationml/2006/main">
+  <p:cSld>
+    <p:spTree>
+      <p:nvGrpSpPr>
+        <p:cNvPr id="1" name=""/>
+        <p:cNvGrpSpPr/>
+        <p:nvPr/>
+      </p:nvGrpSpPr>
+      <p:grpSpPr>
+        <a:xfrm>
+          <a:off x="0" y="0"/>
+          <a:ext cx="0" cy="0"/>
+          <a:chOff x="0" y="0"/>
+          <a:chExt cx="0" cy="0"/>
+        </a:xfrm>
+      </p:grpSpPr>
+      <p:sp>
+        <p:nvSpPr>
+          <p:cNvPr id="4" name="Text Placeholder 3"/>
+          <p:cNvSpPr>
+            <a:spLocks noGrp="1"/>
+          </p:cNvSpPr>
+          <p:nvPr>
+            <p:ph idx="2" sz="half" type="body"/>
+          </p:nvPr>
+        </p:nvSpPr>
+        <p:spPr/>
+        <p:txBody>
+          <a:bodyPr/>
+          <a:lstStyle/>
+          <a:p>
+            <a:pPr lvl="0" indent="0" marL="0">
+              <a:spcBef>
+                <a:spcPts val="3000"/>
+              </a:spcBef>
+              <a:buNone/>
+            </a:pPr>
+            <a:r>
+              <a:rPr b="1"/>
+              <a:t>Database Systems</a:t>
+            </a:r>
+          </a:p>
+          <a:p>
+            <a:pPr lvl="0" indent="0" marL="0">
+              <a:buNone/>
+            </a:pPr>
+            <a:r>
+              <a:rPr/>
+              <a:t>used by a single person,</a:t>
+            </a:r>
+          </a:p>
+        </p:txBody>
+      </p:sp>
+      <p:pic>
+        <p:nvPicPr>
+          <p:cNvPr descr="fig:  assets/2_veri_tabani_temel_kavramlar_hafta_25.jpg" id="0" name="Picture 1"/>
+          <p:cNvPicPr>
+            <a:picLocks noGrp="1" noChangeAspect="1"/>
+          </p:cNvPicPr>
+          <p:nvPr/>
+        </p:nvPicPr>
+        <p:blipFill>
+          <a:blip r:embed="rId2"/>
+          <a:stretch>
+            <a:fillRect/>
+          </a:stretch>
+        </p:blipFill>
+        <p:spPr bwMode="auto">
+          <a:xfrm>
+            <a:off x="3568700" y="1397000"/>
+            <a:ext cx="5105400" cy="3073400"/>
+          </a:xfrm>
+          <a:prstGeom prst="rect">
+            <a:avLst/>
+          </a:prstGeom>
+          <a:noFill/>
+          <a:ln w="9525">
+            <a:noFill/>
+            <a:headEnd/>
+            <a:tailEnd/>
+          </a:ln>
+        </p:spPr>
+      </p:pic>
+      <p:sp>
+        <p:nvSpPr>
+          <p:cNvPr id="1" name="TextBox 3"/>
+          <p:cNvSpPr txBox="1"/>
+          <p:nvPr/>
+        </p:nvSpPr>
+        <p:spPr>
+          <a:xfrm>
+            <a:off x="3568700" y="5600700"/>
+            <a:ext cx="5105400" cy="508000"/>
+          </a:xfrm>
+          <a:prstGeom prst="rect">
+            <a:avLst/>
+          </a:prstGeom>
+          <a:noFill/>
+        </p:spPr>
+        <p:txBody>
+          <a:bodyPr/>
+          <a:lstStyle/>
+          <a:p>
+            <a:pPr lvl="0" indent="0" marL="0" algn="ctr">
+              <a:buNone/>
+            </a:pPr>
+            <a:r>
+              <a:rPr/>
+              <a:t>center h:450px</a:t>
+            </a:r>
+          </a:p>
+        </p:txBody>
+      </p:sp>
+    </p:spTree>
+  </p:cSld>
+</p:sld>
+</file>
+
+<file path=ppt/slides/slide5.xml><?xml version="1.0" encoding="utf-8"?>
+<p:sld xmlns:a="http://schemas.openxmlformats.org/drawingml/2006/main" xmlns:r="http://schemas.openxmlformats.org/officeDocument/2006/relationships" xmlns:p="http://schemas.openxmlformats.org/presentationml/2006/main">
+  <p:cSld>
+    <p:spTree>
+      <p:nvGrpSpPr>
+        <p:cNvPr id="1" name=""/>
+        <p:cNvGrpSpPr/>
+        <p:nvPr/>
+      </p:nvGrpSpPr>
+      <p:grpSpPr>
+        <a:xfrm>
+          <a:off x="0" y="0"/>
+          <a:ext cx="0" cy="0"/>
+          <a:chOff x="0" y="0"/>
+          <a:chExt cx="0" cy="0"/>
+        </a:xfrm>
+      </p:grpSpPr>
+      <p:sp>
+        <p:nvSpPr>
+          <p:cNvPr id="4" name="Text Placeholder 3"/>
+          <p:cNvSpPr>
+            <a:spLocks noGrp="1"/>
+          </p:cNvSpPr>
+          <p:nvPr>
+            <p:ph idx="2" sz="half" type="body"/>
+          </p:nvPr>
+        </p:nvSpPr>
+        <p:spPr/>
+        <p:txBody>
+          <a:bodyPr/>
+          <a:lstStyle/>
+          <a:p>
+            <a:pPr lvl="0" indent="0" marL="0">
+              <a:spcBef>
+                <a:spcPts val="3000"/>
+              </a:spcBef>
+              <a:buNone/>
+            </a:pPr>
+            <a:r>
+              <a:rPr b="1"/>
+              <a:t>Why we use the database?</a:t>
+            </a:r>
+          </a:p>
+        </p:txBody>
+      </p:sp>
+      <p:pic>
+        <p:nvPicPr>
+          <p:cNvPr descr="fig:  assets/2022-03-09-17-45-19-image.png" id="0" name="Picture 1"/>
+          <p:cNvPicPr>
+            <a:picLocks noGrp="1" noChangeAspect="1"/>
+          </p:cNvPicPr>
+          <p:nvPr/>
+        </p:nvPicPr>
+        <p:blipFill>
+          <a:blip r:embed="rId2"/>
+          <a:stretch>
+            <a:fillRect/>
+          </a:stretch>
+        </p:blipFill>
+        <p:spPr bwMode="auto">
+          <a:xfrm>
+            <a:off x="3568700" y="1587500"/>
+            <a:ext cx="5105400" cy="2705100"/>
+          </a:xfrm>
+          <a:prstGeom prst="rect">
+            <a:avLst/>
+          </a:prstGeom>
+          <a:noFill/>
+          <a:ln w="9525">
+            <a:noFill/>
+            <a:headEnd/>
+            <a:tailEnd/>
+          </a:ln>
+        </p:spPr>
+      </p:pic>
+      <p:sp>
+        <p:nvSpPr>
+          <p:cNvPr id="1" name="TextBox 3"/>
+          <p:cNvSpPr txBox="1"/>
+          <p:nvPr/>
+        </p:nvSpPr>
+        <p:spPr>
+          <a:xfrm>
+            <a:off x="3568700" y="5600700"/>
+            <a:ext cx="5105400" cy="508000"/>
+          </a:xfrm>
+          <a:prstGeom prst="rect">
+            <a:avLst/>
+          </a:prstGeom>
+          <a:noFill/>
+        </p:spPr>
+        <p:txBody>
+          <a:bodyPr/>
+          <a:lstStyle/>
+          <a:p>
+            <a:pPr lvl="0" indent="0" marL="0" algn="ctr">
+              <a:buNone/>
+            </a:pPr>
+            <a:r>
+              <a:rPr/>
+              <a:t>center h:450px</a:t>
+            </a:r>
+          </a:p>
+        </p:txBody>
+      </p:sp>
+    </p:spTree>
+  </p:cSld>
+</p:sld>
+</file>
+
+<file path=ppt/slides/slide50.xml><?xml version="1.0" encoding="utf-8"?>
+<p:sld xmlns:a="http://schemas.openxmlformats.org/drawingml/2006/main" xmlns:r="http://schemas.openxmlformats.org/officeDocument/2006/relationships" xmlns:p="http://schemas.openxmlformats.org/presentationml/2006/main">
+  <p:cSld>
+    <p:spTree>
+      <p:nvGrpSpPr>
+        <p:cNvPr id="1" name=""/>
+        <p:cNvGrpSpPr/>
+        <p:nvPr/>
+      </p:nvGrpSpPr>
+      <p:grpSpPr>
+        <a:xfrm>
+          <a:off x="0" y="0"/>
+          <a:ext cx="0" cy="0"/>
+          <a:chOff x="0" y="0"/>
+          <a:chExt cx="0" cy="0"/>
+        </a:xfrm>
+      </p:grpSpPr>
+      <p:sp>
+        <p:nvSpPr>
+          <p:cNvPr id="4" name="Text Placeholder 3"/>
+          <p:cNvSpPr>
+            <a:spLocks noGrp="1"/>
+          </p:cNvSpPr>
+          <p:nvPr>
+            <p:ph idx="2" sz="half" type="body"/>
+          </p:nvPr>
+        </p:nvSpPr>
+        <p:spPr/>
+        <p:txBody>
+          <a:bodyPr/>
+          <a:lstStyle/>
+          <a:p>
+            <a:pPr lvl="0" indent="0" marL="0">
+              <a:spcBef>
+                <a:spcPts val="3000"/>
+              </a:spcBef>
+              <a:buNone/>
+            </a:pPr>
+            <a:r>
+              <a:rPr b="1"/>
+              <a:t>Database Systems</a:t>
+            </a:r>
+          </a:p>
+          <a:p>
+            <a:pPr lvl="0" indent="0" marL="0">
+              <a:buNone/>
+            </a:pPr>
+            <a:r>
+              <a:rPr/>
+              <a:t>used by a single person,</a:t>
+            </a:r>
+          </a:p>
+        </p:txBody>
+      </p:sp>
+      <p:pic>
+        <p:nvPicPr>
+          <p:cNvPr descr="fig:  assets/2_veri_tabani_temel_kavramlar_hafta_26.png" id="0" name="Picture 1"/>
+          <p:cNvPicPr>
+            <a:picLocks noGrp="1" noChangeAspect="1"/>
+          </p:cNvPicPr>
+          <p:nvPr/>
+        </p:nvPicPr>
+        <p:blipFill>
+          <a:blip r:embed="rId2"/>
+          <a:stretch>
+            <a:fillRect/>
+          </a:stretch>
+        </p:blipFill>
+        <p:spPr bwMode="auto">
+          <a:xfrm>
+            <a:off x="3568700" y="990600"/>
+            <a:ext cx="5105400" cy="3886200"/>
+          </a:xfrm>
+          <a:prstGeom prst="rect">
+            <a:avLst/>
+          </a:prstGeom>
+          <a:noFill/>
+          <a:ln w="9525">
+            <a:noFill/>
+            <a:headEnd/>
+            <a:tailEnd/>
+          </a:ln>
+        </p:spPr>
+      </p:pic>
+      <p:sp>
+        <p:nvSpPr>
+          <p:cNvPr id="1" name="TextBox 3"/>
+          <p:cNvSpPr txBox="1"/>
+          <p:nvPr/>
+        </p:nvSpPr>
+        <p:spPr>
+          <a:xfrm>
+            <a:off x="3568700" y="5600700"/>
+            <a:ext cx="5105400" cy="508000"/>
+          </a:xfrm>
+          <a:prstGeom prst="rect">
+            <a:avLst/>
+          </a:prstGeom>
+          <a:noFill/>
+        </p:spPr>
+        <p:txBody>
+          <a:bodyPr/>
+          <a:lstStyle/>
+          <a:p>
+            <a:pPr lvl="0" indent="0" marL="0" algn="ctr">
+              <a:buNone/>
+            </a:pPr>
+            <a:r>
+              <a:rPr/>
+              <a:t>center h:450px</a:t>
+            </a:r>
+          </a:p>
+        </p:txBody>
+      </p:sp>
+    </p:spTree>
+  </p:cSld>
+</p:sld>
+</file>
+
+<file path=ppt/slides/slide51.xml><?xml version="1.0" encoding="utf-8"?>
+<p:sld xmlns:a="http://schemas.openxmlformats.org/drawingml/2006/main" xmlns:r="http://schemas.openxmlformats.org/officeDocument/2006/relationships" xmlns:p="http://schemas.openxmlformats.org/presentationml/2006/main">
+  <p:cSld>
+    <p:spTree>
+      <p:nvGrpSpPr>
+        <p:cNvPr id="1" name=""/>
+        <p:cNvGrpSpPr/>
+        <p:nvPr/>
+      </p:nvGrpSpPr>
+      <p:grpSpPr>
+        <a:xfrm>
+          <a:off x="0" y="0"/>
+          <a:ext cx="0" cy="0"/>
+          <a:chOff x="0" y="0"/>
+          <a:chExt cx="0" cy="0"/>
+        </a:xfrm>
+      </p:grpSpPr>
+      <p:sp>
+        <p:nvSpPr>
+          <p:cNvPr id="3" name="Content Placeholder 2"/>
+          <p:cNvSpPr>
+            <a:spLocks noGrp="1"/>
+          </p:cNvSpPr>
+          <p:nvPr>
+            <p:ph idx="1"/>
+          </p:nvPr>
+        </p:nvSpPr>
+        <p:spPr/>
+        <p:txBody>
+          <a:bodyPr/>
+          <a:lstStyle/>
+          <a:p>
+            <a:pPr lvl="0" indent="0" marL="0">
+              <a:spcBef>
+                <a:spcPts val="3000"/>
+              </a:spcBef>
+              <a:buNone/>
+            </a:pPr>
+            <a:r>
+              <a:rPr b="1"/>
+              <a:t>Database Systems</a:t>
+            </a:r>
+          </a:p>
+          <a:p>
+            <a:pPr lvl="0"/>
+            <a:r>
+              <a:rPr/>
+              <a:t>used by small businesses,</a:t>
+            </a:r>
+          </a:p>
+          <a:p>
+            <a:pPr lvl="1"/>
+            <a:r>
+              <a:rPr/>
+              <a:t>What are the rented musical instruments? How much is it rented?</a:t>
+            </a:r>
+          </a:p>
+          <a:p>
+            <a:pPr lvl="1"/>
+            <a:r>
+              <a:rPr/>
+              <a:t>Which musical instruments are rented the most?</a:t>
+            </a:r>
+          </a:p>
+          <a:p>
+            <a:pPr lvl="1"/>
+            <a:r>
+              <a:rPr/>
+              <a:t>Who made the lease? (multi-user database)</a:t>
+            </a:r>
+          </a:p>
+          <a:p>
+            <a:pPr lvl="1"/>
+            <a:r>
+              <a:rPr/>
+              <a:t>The same instrument cannot be selected by two different dealers at the same time!</a:t>
+            </a:r>
+          </a:p>
+        </p:txBody>
+      </p:sp>
+    </p:spTree>
+  </p:cSld>
+</p:sld>
+</file>
+
+<file path=ppt/slides/slide52.xml><?xml version="1.0" encoding="utf-8"?>
+<p:sld xmlns:a="http://schemas.openxmlformats.org/drawingml/2006/main" xmlns:r="http://schemas.openxmlformats.org/officeDocument/2006/relationships" xmlns:p="http://schemas.openxmlformats.org/presentationml/2006/main">
+  <p:cSld>
+    <p:spTree>
+      <p:nvGrpSpPr>
+        <p:cNvPr id="1" name=""/>
+        <p:cNvGrpSpPr/>
+        <p:nvPr/>
+      </p:nvGrpSpPr>
+      <p:grpSpPr>
+        <a:xfrm>
+          <a:off x="0" y="0"/>
+          <a:ext cx="0" cy="0"/>
+          <a:chOff x="0" y="0"/>
+          <a:chExt cx="0" cy="0"/>
+        </a:xfrm>
+      </p:grpSpPr>
+      <p:sp>
+        <p:nvSpPr>
+          <p:cNvPr id="4" name="Text Placeholder 3"/>
+          <p:cNvSpPr>
+            <a:spLocks noGrp="1"/>
+          </p:cNvSpPr>
+          <p:nvPr>
+            <p:ph idx="2" sz="half" type="body"/>
+          </p:nvPr>
+        </p:nvSpPr>
+        <p:spPr/>
+        <p:txBody>
+          <a:bodyPr/>
+          <a:lstStyle/>
+          <a:p>
+            <a:pPr lvl="0" indent="0" marL="0">
+              <a:spcBef>
+                <a:spcPts val="3000"/>
+              </a:spcBef>
+              <a:buNone/>
+            </a:pPr>
+            <a:r>
+              <a:rPr b="1"/>
+              <a:t>Database Systems</a:t>
+            </a:r>
+          </a:p>
+          <a:p>
+            <a:pPr lvl="0" indent="0" marL="0">
+              <a:buNone/>
+            </a:pPr>
+            <a:r>
+              <a:rPr/>
+              <a:t>used by small businesses,</a:t>
+            </a:r>
+          </a:p>
+        </p:txBody>
+      </p:sp>
+      <p:pic>
+        <p:nvPicPr>
+          <p:cNvPr descr="fig:  assets/2_veri_tabani_temel_kavramlar_hafta_27.png" id="0" name="Picture 1"/>
+          <p:cNvPicPr>
+            <a:picLocks noGrp="1" noChangeAspect="1"/>
+          </p:cNvPicPr>
+          <p:nvPr/>
+        </p:nvPicPr>
+        <p:blipFill>
+          <a:blip r:embed="rId2"/>
+          <a:stretch>
+            <a:fillRect/>
+          </a:stretch>
+        </p:blipFill>
+        <p:spPr bwMode="auto">
+          <a:xfrm>
+            <a:off x="3568700" y="1270000"/>
+            <a:ext cx="5105400" cy="3327400"/>
+          </a:xfrm>
+          <a:prstGeom prst="rect">
+            <a:avLst/>
+          </a:prstGeom>
+          <a:noFill/>
+          <a:ln w="9525">
+            <a:noFill/>
+            <a:headEnd/>
+            <a:tailEnd/>
+          </a:ln>
+        </p:spPr>
+      </p:pic>
+      <p:sp>
+        <p:nvSpPr>
+          <p:cNvPr id="1" name="TextBox 3"/>
+          <p:cNvSpPr txBox="1"/>
+          <p:nvPr/>
+        </p:nvSpPr>
+        <p:spPr>
+          <a:xfrm>
+            <a:off x="3568700" y="5600700"/>
+            <a:ext cx="5105400" cy="508000"/>
+          </a:xfrm>
+          <a:prstGeom prst="rect">
+            <a:avLst/>
+          </a:prstGeom>
+          <a:noFill/>
+        </p:spPr>
+        <p:txBody>
+          <a:bodyPr/>
+          <a:lstStyle/>
+          <a:p>
+            <a:pPr lvl="0" indent="0" marL="0" algn="ctr">
+              <a:buNone/>
+            </a:pPr>
+            <a:r>
+              <a:rPr/>
+              <a:t>center h:450px</a:t>
+            </a:r>
+          </a:p>
+        </p:txBody>
+      </p:sp>
+    </p:spTree>
+  </p:cSld>
+</p:sld>
+</file>
+
+<file path=ppt/slides/slide53.xml><?xml version="1.0" encoding="utf-8"?>
+<p:sld xmlns:a="http://schemas.openxmlformats.org/drawingml/2006/main" xmlns:r="http://schemas.openxmlformats.org/officeDocument/2006/relationships" xmlns:p="http://schemas.openxmlformats.org/presentationml/2006/main">
+  <p:cSld>
+    <p:spTree>
+      <p:nvGrpSpPr>
+        <p:cNvPr id="1" name=""/>
+        <p:cNvGrpSpPr/>
+        <p:nvPr/>
+      </p:nvGrpSpPr>
+      <p:grpSpPr>
+        <a:xfrm>
+          <a:off x="0" y="0"/>
+          <a:ext cx="0" cy="0"/>
+          <a:chOff x="0" y="0"/>
+          <a:chExt cx="0" cy="0"/>
+        </a:xfrm>
+      </p:grpSpPr>
+      <p:sp>
+        <p:nvSpPr>
+          <p:cNvPr id="4" name="Text Placeholder 3"/>
+          <p:cNvSpPr>
+            <a:spLocks noGrp="1"/>
+          </p:cNvSpPr>
+          <p:nvPr>
+            <p:ph idx="2" sz="half" type="body"/>
+          </p:nvPr>
+        </p:nvSpPr>
+        <p:spPr/>
+        <p:txBody>
+          <a:bodyPr/>
+          <a:lstStyle/>
+          <a:p>
+            <a:pPr lvl="0" indent="0" marL="0">
+              <a:spcBef>
+                <a:spcPts val="3000"/>
+              </a:spcBef>
+              <a:buNone/>
+            </a:pPr>
+            <a:r>
+              <a:rPr b="1"/>
+              <a:t>Database Systems</a:t>
+            </a:r>
+          </a:p>
+          <a:p>
+            <a:pPr lvl="0" indent="0" marL="0">
+              <a:buNone/>
+            </a:pPr>
+            <a:r>
+              <a:rPr/>
+              <a:t>used by small businesses,</a:t>
+            </a:r>
+          </a:p>
+        </p:txBody>
+      </p:sp>
+      <p:pic>
+        <p:nvPicPr>
+          <p:cNvPr descr="fig:  assets/2_veri_tabani_temel_kavramlar_hafta_28.png" id="0" name="Picture 1"/>
+          <p:cNvPicPr>
+            <a:picLocks noGrp="1" noChangeAspect="1"/>
+          </p:cNvPicPr>
+          <p:nvPr/>
+        </p:nvPicPr>
+        <p:blipFill>
+          <a:blip r:embed="rId2"/>
+          <a:stretch>
+            <a:fillRect/>
+          </a:stretch>
+        </p:blipFill>
+        <p:spPr bwMode="auto">
+          <a:xfrm>
+            <a:off x="3568700" y="1143000"/>
+            <a:ext cx="5105400" cy="3581400"/>
+          </a:xfrm>
+          <a:prstGeom prst="rect">
+            <a:avLst/>
+          </a:prstGeom>
+          <a:noFill/>
+          <a:ln w="9525">
+            <a:noFill/>
+            <a:headEnd/>
+            <a:tailEnd/>
+          </a:ln>
+        </p:spPr>
+      </p:pic>
+      <p:sp>
+        <p:nvSpPr>
+          <p:cNvPr id="1" name="TextBox 3"/>
+          <p:cNvSpPr txBox="1"/>
+          <p:nvPr/>
+        </p:nvSpPr>
+        <p:spPr>
+          <a:xfrm>
+            <a:off x="3568700" y="5600700"/>
+            <a:ext cx="5105400" cy="508000"/>
+          </a:xfrm>
+          <a:prstGeom prst="rect">
+            <a:avLst/>
+          </a:prstGeom>
+          <a:noFill/>
+        </p:spPr>
+        <p:txBody>
+          <a:bodyPr/>
+          <a:lstStyle/>
+          <a:p>
+            <a:pPr lvl="0" indent="0" marL="0" algn="ctr">
+              <a:buNone/>
+            </a:pPr>
+            <a:r>
+              <a:rPr/>
+              <a:t>center h:450px</a:t>
+            </a:r>
+          </a:p>
+        </p:txBody>
+      </p:sp>
+    </p:spTree>
+  </p:cSld>
+</p:sld>
+</file>
+
+<file path=ppt/slides/slide54.xml><?xml version="1.0" encoding="utf-8"?>
+<p:sld xmlns:a="http://schemas.openxmlformats.org/drawingml/2006/main" xmlns:r="http://schemas.openxmlformats.org/officeDocument/2006/relationships" xmlns:p="http://schemas.openxmlformats.org/presentationml/2006/main">
+  <p:cSld>
+    <p:spTree>
+      <p:nvGrpSpPr>
+        <p:cNvPr id="1" name=""/>
+        <p:cNvGrpSpPr/>
+        <p:nvPr/>
+      </p:nvGrpSpPr>
+      <p:grpSpPr>
+        <a:xfrm>
+          <a:off x="0" y="0"/>
+          <a:ext cx="0" cy="0"/>
+          <a:chOff x="0" y="0"/>
+          <a:chExt cx="0" cy="0"/>
+        </a:xfrm>
+      </p:grpSpPr>
+      <p:sp>
+        <p:nvSpPr>
+          <p:cNvPr id="4" name="Text Placeholder 3"/>
+          <p:cNvSpPr>
+            <a:spLocks noGrp="1"/>
+          </p:cNvSpPr>
+          <p:nvPr>
+            <p:ph idx="2" sz="half" type="body"/>
+          </p:nvPr>
+        </p:nvSpPr>
+        <p:spPr/>
+        <p:txBody>
+          <a:bodyPr/>
+          <a:lstStyle/>
+          <a:p>
+            <a:pPr lvl="0" indent="0" marL="0">
+              <a:spcBef>
+                <a:spcPts val="3000"/>
+              </a:spcBef>
+              <a:buNone/>
+            </a:pPr>
+            <a:r>
+              <a:rPr b="1"/>
+              <a:t>Database Systems</a:t>
+            </a:r>
+          </a:p>
+          <a:p>
+            <a:pPr lvl="0" indent="0" marL="0">
+              <a:buNone/>
+            </a:pPr>
+            <a:r>
+              <a:rPr/>
+              <a:t>used by small businesses,</a:t>
+            </a:r>
+          </a:p>
+        </p:txBody>
+      </p:sp>
+      <p:pic>
+        <p:nvPicPr>
+          <p:cNvPr descr="fig:  assets/2_veri_tabani_temel_kavramlar_hafta_29.png" id="0" name="Picture 1"/>
+          <p:cNvPicPr>
+            <a:picLocks noGrp="1" noChangeAspect="1"/>
+          </p:cNvPicPr>
+          <p:nvPr/>
+        </p:nvPicPr>
+        <p:blipFill>
+          <a:blip r:embed="rId2"/>
+          <a:stretch>
+            <a:fillRect/>
+          </a:stretch>
+        </p:blipFill>
+        <p:spPr bwMode="auto">
+          <a:xfrm>
+            <a:off x="3568700" y="1473200"/>
+            <a:ext cx="5105400" cy="2908300"/>
+          </a:xfrm>
+          <a:prstGeom prst="rect">
+            <a:avLst/>
+          </a:prstGeom>
+          <a:noFill/>
+          <a:ln w="9525">
+            <a:noFill/>
+            <a:headEnd/>
+            <a:tailEnd/>
+          </a:ln>
+        </p:spPr>
+      </p:pic>
+      <p:sp>
+        <p:nvSpPr>
+          <p:cNvPr id="1" name="TextBox 3"/>
+          <p:cNvSpPr txBox="1"/>
+          <p:nvPr/>
+        </p:nvSpPr>
+        <p:spPr>
+          <a:xfrm>
+            <a:off x="3568700" y="5600700"/>
+            <a:ext cx="5105400" cy="508000"/>
+          </a:xfrm>
+          <a:prstGeom prst="rect">
+            <a:avLst/>
+          </a:prstGeom>
+          <a:noFill/>
+        </p:spPr>
+        <p:txBody>
+          <a:bodyPr/>
+          <a:lstStyle/>
+          <a:p>
+            <a:pPr lvl="0" indent="0" marL="0" algn="ctr">
+              <a:buNone/>
+            </a:pPr>
+            <a:r>
+              <a:rPr/>
+              <a:t>center h:450px</a:t>
+            </a:r>
+          </a:p>
+        </p:txBody>
+      </p:sp>
+    </p:spTree>
+  </p:cSld>
+</p:sld>
+</file>
+
+<file path=ppt/slides/slide55.xml><?xml version="1.0" encoding="utf-8"?>
+<p:sld xmlns:a="http://schemas.openxmlformats.org/drawingml/2006/main" xmlns:r="http://schemas.openxmlformats.org/officeDocument/2006/relationships" xmlns:p="http://schemas.openxmlformats.org/presentationml/2006/main">
+  <p:cSld>
+    <p:spTree>
+      <p:nvGrpSpPr>
+        <p:cNvPr id="1" name=""/>
+        <p:cNvGrpSpPr/>
+        <p:nvPr/>
+      </p:nvGrpSpPr>
+      <p:grpSpPr>
+        <a:xfrm>
+          <a:off x="0" y="0"/>
+          <a:ext cx="0" cy="0"/>
+          <a:chOff x="0" y="0"/>
+          <a:chExt cx="0" cy="0"/>
+        </a:xfrm>
+      </p:grpSpPr>
+      <p:sp>
+        <p:nvSpPr>
+          <p:cNvPr id="4" name="Text Placeholder 3"/>
+          <p:cNvSpPr>
+            <a:spLocks noGrp="1"/>
+          </p:cNvSpPr>
+          <p:nvPr>
+            <p:ph idx="2" sz="half" type="body"/>
+          </p:nvPr>
+        </p:nvSpPr>
+        <p:spPr/>
+        <p:txBody>
+          <a:bodyPr/>
+          <a:lstStyle/>
+          <a:p>
+            <a:pPr lvl="0" indent="0" marL="0">
+              <a:spcBef>
+                <a:spcPts val="3000"/>
+              </a:spcBef>
+              <a:buNone/>
+            </a:pPr>
+            <a:r>
+              <a:rPr b="1"/>
+              <a:t>Database Systems</a:t>
+            </a:r>
+          </a:p>
+          <a:p>
+            <a:pPr lvl="0" indent="0" marL="0">
+              <a:buNone/>
+            </a:pPr>
+            <a:r>
+              <a:rPr/>
+              <a:t>used by small businesses,</a:t>
+            </a:r>
+          </a:p>
+        </p:txBody>
+      </p:sp>
+      <p:pic>
+        <p:nvPicPr>
+          <p:cNvPr descr="fig:  assets/2_veri_tabani_temel_kavramlar_hafta_210.png" id="0" name="Picture 1"/>
+          <p:cNvPicPr>
+            <a:picLocks noGrp="1" noChangeAspect="1"/>
+          </p:cNvPicPr>
+          <p:nvPr/>
+        </p:nvPicPr>
+        <p:blipFill>
+          <a:blip r:embed="rId2"/>
+          <a:stretch>
+            <a:fillRect/>
+          </a:stretch>
+        </p:blipFill>
+        <p:spPr bwMode="auto">
+          <a:xfrm>
+            <a:off x="3568700" y="1422400"/>
+            <a:ext cx="5105400" cy="3009900"/>
+          </a:xfrm>
+          <a:prstGeom prst="rect">
+            <a:avLst/>
+          </a:prstGeom>
+          <a:noFill/>
+          <a:ln w="9525">
+            <a:noFill/>
+            <a:headEnd/>
+            <a:tailEnd/>
+          </a:ln>
+        </p:spPr>
+      </p:pic>
+      <p:sp>
+        <p:nvSpPr>
+          <p:cNvPr id="1" name="TextBox 3"/>
+          <p:cNvSpPr txBox="1"/>
+          <p:nvPr/>
+        </p:nvSpPr>
+        <p:spPr>
+          <a:xfrm>
+            <a:off x="3568700" y="5600700"/>
+            <a:ext cx="5105400" cy="508000"/>
+          </a:xfrm>
+          <a:prstGeom prst="rect">
+            <a:avLst/>
+          </a:prstGeom>
+          <a:noFill/>
+        </p:spPr>
+        <p:txBody>
+          <a:bodyPr/>
+          <a:lstStyle/>
+          <a:p>
+            <a:pPr lvl="0" indent="0" marL="0" algn="ctr">
+              <a:buNone/>
+            </a:pPr>
+            <a:r>
+              <a:rPr/>
+              <a:t>center h:450px</a:t>
+            </a:r>
+          </a:p>
+        </p:txBody>
+      </p:sp>
+    </p:spTree>
+  </p:cSld>
+</p:sld>
+</file>
+
+<file path=ppt/slides/slide56.xml><?xml version="1.0" encoding="utf-8"?>
+<p:sld xmlns:a="http://schemas.openxmlformats.org/drawingml/2006/main" xmlns:r="http://schemas.openxmlformats.org/officeDocument/2006/relationships" xmlns:p="http://schemas.openxmlformats.org/presentationml/2006/main">
+  <p:cSld>
+    <p:spTree>
+      <p:nvGrpSpPr>
+        <p:cNvPr id="1" name=""/>
+        <p:cNvGrpSpPr/>
+        <p:nvPr/>
+      </p:nvGrpSpPr>
+      <p:grpSpPr>
+        <a:xfrm>
+          <a:off x="0" y="0"/>
+          <a:ext cx="0" cy="0"/>
+          <a:chOff x="0" y="0"/>
+          <a:chExt cx="0" cy="0"/>
+        </a:xfrm>
+      </p:grpSpPr>
+      <p:sp>
+        <p:nvSpPr>
+          <p:cNvPr id="3" name="Content Placeholder 2"/>
+          <p:cNvSpPr>
+            <a:spLocks noGrp="1"/>
+          </p:cNvSpPr>
+          <p:nvPr>
+            <p:ph idx="1"/>
+          </p:nvPr>
+        </p:nvSpPr>
+        <p:spPr/>
+        <p:txBody>
+          <a:bodyPr/>
+          <a:lstStyle/>
+          <a:p>
+            <a:pPr lvl="0" indent="0" marL="0">
+              <a:spcBef>
+                <a:spcPts val="3000"/>
+              </a:spcBef>
+              <a:buNone/>
+            </a:pPr>
+            <a:r>
+              <a:rPr b="1"/>
+              <a:t>Database Systems</a:t>
+            </a:r>
+          </a:p>
+          <a:p>
+            <a:pPr lvl="0"/>
+            <a:r>
+              <a:rPr/>
+              <a:t>Used by large international companies,</a:t>
+            </a:r>
+          </a:p>
+          <a:p>
+            <a:pPr lvl="1"/>
+            <a:r>
+              <a:rPr/>
+              <a:t>Driver licensing and auto registration office</a:t>
+            </a:r>
+          </a:p>
+          <a:p>
+            <a:pPr lvl="1"/>
+            <a:r>
+              <a:rPr/>
+              <a:t>It has 52 different centers</a:t>
+            </a:r>
+          </a:p>
+          <a:p>
+            <a:pPr lvl="1"/>
+            <a:r>
+              <a:rPr/>
+              <a:t>Accidents of people, traffic violations are kept,</a:t>
+            </a:r>
+          </a:p>
+          <a:p>
+            <a:pPr lvl="1"/>
+            <a:r>
+              <a:rPr/>
+              <a:t>Is the license renewable, are there any limitations?</a:t>
+            </a:r>
+          </a:p>
+          <a:p>
+            <a:pPr lvl="1"/>
+            <a:r>
+              <a:rPr/>
+              <a:t>Database is used by 100s of people</a:t>
+            </a:r>
+          </a:p>
+          <a:p>
+            <a:pPr lvl="2"/>
+            <a:r>
+              <a:rPr/>
+              <a:t>Licensing and registration staff</a:t>
+            </a:r>
+          </a:p>
+          <a:p>
+            <a:pPr lvl="2"/>
+            <a:r>
+              <a:rPr/>
+              <a:t>Those who follow law enforcement</a:t>
+            </a:r>
+          </a:p>
+          <a:p>
+            <a:pPr lvl="2"/>
+            <a:r>
+              <a:rPr/>
+              <a:t>Finance department staff</a:t>
+            </a:r>
+          </a:p>
+          <a:p>
+            <a:pPr lvl="1"/>
+            <a:r>
+              <a:rPr/>
+              <a:t>Reachable 24 hours a day, 7 days a week</a:t>
+            </a:r>
+          </a:p>
+        </p:txBody>
+      </p:sp>
+    </p:spTree>
+  </p:cSld>
+</p:sld>
+</file>
+
+<file path=ppt/slides/slide57.xml><?xml version="1.0" encoding="utf-8"?>
+<p:sld xmlns:a="http://schemas.openxmlformats.org/drawingml/2006/main" xmlns:r="http://schemas.openxmlformats.org/officeDocument/2006/relationships" xmlns:p="http://schemas.openxmlformats.org/presentationml/2006/main">
+  <p:cSld>
+    <p:spTree>
+      <p:nvGrpSpPr>
+        <p:cNvPr id="1" name=""/>
+        <p:cNvGrpSpPr/>
+        <p:nvPr/>
+      </p:nvGrpSpPr>
+      <p:grpSpPr>
+        <a:xfrm>
+          <a:off x="0" y="0"/>
+          <a:ext cx="0" cy="0"/>
+          <a:chOff x="0" y="0"/>
+          <a:chExt cx="0" cy="0"/>
+        </a:xfrm>
+      </p:grpSpPr>
+      <p:sp>
+        <p:nvSpPr>
+          <p:cNvPr id="4" name="Text Placeholder 3"/>
+          <p:cNvSpPr>
+            <a:spLocks noGrp="1"/>
+          </p:cNvSpPr>
+          <p:nvPr>
+            <p:ph idx="2" sz="half" type="body"/>
+          </p:nvPr>
+        </p:nvSpPr>
+        <p:spPr/>
+        <p:txBody>
+          <a:bodyPr/>
+          <a:lstStyle/>
+          <a:p>
+            <a:pPr lvl="0" indent="0" marL="0">
+              <a:spcBef>
+                <a:spcPts val="3000"/>
+              </a:spcBef>
+              <a:buNone/>
+            </a:pPr>
+            <a:r>
+              <a:rPr b="1"/>
+              <a:t>Database Systems</a:t>
+            </a:r>
+          </a:p>
+          <a:p>
+            <a:pPr lvl="0" indent="0" marL="0">
+              <a:buNone/>
+            </a:pPr>
+            <a:r>
+              <a:rPr/>
+              <a:t>Used by large international companies,</a:t>
+            </a:r>
+          </a:p>
+        </p:txBody>
+      </p:sp>
+      <p:pic>
+        <p:nvPicPr>
+          <p:cNvPr descr="fig:  assets/2_veri_tabani_temel_kavramlar_hafta_211.png" id="0" name="Picture 1"/>
+          <p:cNvPicPr>
+            <a:picLocks noGrp="1" noChangeAspect="1"/>
+          </p:cNvPicPr>
+          <p:nvPr/>
+        </p:nvPicPr>
+        <p:blipFill>
+          <a:blip r:embed="rId2"/>
+          <a:stretch>
+            <a:fillRect/>
+          </a:stretch>
+        </p:blipFill>
+        <p:spPr bwMode="auto">
+          <a:xfrm>
+            <a:off x="3568700" y="1231900"/>
+            <a:ext cx="5105400" cy="3416300"/>
+          </a:xfrm>
+          <a:prstGeom prst="rect">
+            <a:avLst/>
+          </a:prstGeom>
+          <a:noFill/>
+          <a:ln w="9525">
+            <a:noFill/>
+            <a:headEnd/>
+            <a:tailEnd/>
+          </a:ln>
+        </p:spPr>
+      </p:pic>
+      <p:sp>
+        <p:nvSpPr>
+          <p:cNvPr id="1" name="TextBox 3"/>
+          <p:cNvSpPr txBox="1"/>
+          <p:nvPr/>
+        </p:nvSpPr>
+        <p:spPr>
+          <a:xfrm>
+            <a:off x="3568700" y="5600700"/>
+            <a:ext cx="5105400" cy="508000"/>
+          </a:xfrm>
+          <a:prstGeom prst="rect">
+            <a:avLst/>
+          </a:prstGeom>
+          <a:noFill/>
+        </p:spPr>
+        <p:txBody>
+          <a:bodyPr/>
+          <a:lstStyle/>
+          <a:p>
+            <a:pPr lvl="0" indent="0" marL="0" algn="ctr">
+              <a:buNone/>
+            </a:pPr>
+            <a:r>
+              <a:rPr/>
+              <a:t>center h:450px</a:t>
+            </a:r>
+          </a:p>
+        </p:txBody>
+      </p:sp>
+    </p:spTree>
+  </p:cSld>
+</p:sld>
+</file>
+
+<file path=ppt/slides/slide58.xml><?xml version="1.0" encoding="utf-8"?>
+<p:sld xmlns:a="http://schemas.openxmlformats.org/drawingml/2006/main" xmlns:r="http://schemas.openxmlformats.org/officeDocument/2006/relationships" xmlns:p="http://schemas.openxmlformats.org/presentationml/2006/main">
+  <p:cSld>
+    <p:spTree>
+      <p:nvGrpSpPr>
+        <p:cNvPr id="1" name=""/>
+        <p:cNvGrpSpPr/>
+        <p:nvPr/>
+      </p:nvGrpSpPr>
+      <p:grpSpPr>
+        <a:xfrm>
+          <a:off x="0" y="0"/>
+          <a:ext cx="0" cy="0"/>
+          <a:chOff x="0" y="0"/>
+          <a:chExt cx="0" cy="0"/>
+        </a:xfrm>
+      </p:grpSpPr>
+      <p:sp>
+        <p:nvSpPr>
+          <p:cNvPr id="2" name="Title 1"/>
+          <p:cNvSpPr>
+            <a:spLocks noGrp="1"/>
+          </p:cNvSpPr>
+          <p:nvPr>
+            <p:ph type="title"/>
+          </p:nvPr>
+        </p:nvSpPr>
+        <p:spPr/>
+        <p:txBody>
+          <a:bodyPr/>
+          <a:lstStyle/>
+          <a:p>
+            <a:pPr lvl="0" indent="0" marL="0">
+              <a:buNone/>
+            </a:pPr>
+            <a:r>
+              <a:rPr/>
+              <a:t>References</a:t>
+            </a:r>
+          </a:p>
+        </p:txBody>
+      </p:sp>
+      <p:sp>
+        <p:nvSpPr>
+          <p:cNvPr id="3" name="Content Placeholder 2"/>
+          <p:cNvSpPr>
+            <a:spLocks noGrp="1"/>
+          </p:cNvSpPr>
+          <p:nvPr>
+            <p:ph idx="1"/>
+          </p:nvPr>
+        </p:nvSpPr>
+        <p:spPr/>
+        <p:txBody>
+          <a:bodyPr/>
+          <a:lstStyle/>
+          <a:p>
+            <a:pPr lvl="0"/>
+            <a:r>
+              <a:rPr/>
+              <a:t>Kroenke, D. M. (2006). </a:t>
+            </a:r>
+            <a:r>
+              <a:rPr b="1"/>
+              <a:t>Database Processing:</a:t>
+            </a:r>
+            <a:r>
+              <a:rPr/>
+              <a:t> </a:t>
+            </a:r>
+            <a:r>
+              <a:rPr b="1"/>
+              <a:t>Fundamentals, Design, and Implementation</a:t>
+            </a:r>
+            <a:r>
+              <a:rPr/>
+              <a:t> .Pearson Education International. Singapore,Canada,Japan.</a:t>
+            </a:r>
+          </a:p>
+          <a:p>
+            <a:pPr lvl="0"/>
+            <a:r>
+              <a:rPr/>
+              <a:t>http://www.delphiturkiye.com/trigger.htm</a:t>
+            </a:r>
+          </a:p>
+        </p:txBody>
+      </p:sp>
+    </p:spTree>
+  </p:cSld>
+</p:sld>
+</file>
+
+<file path=ppt/slides/slide59.xml><?xml version="1.0" encoding="utf-8"?>
 <p:sld xmlns:a="http://schemas.openxmlformats.org/drawingml/2006/main" xmlns:r="http://schemas.openxmlformats.org/officeDocument/2006/relationships" xmlns:p="http://schemas.openxmlformats.org/presentationml/2006/main">
   <p:cSld>
     <p:spTree>
@@ -6439,19 +8309,43 @@
                 <a14:m>
                   <m:oMath xmlns:m="http://schemas.openxmlformats.org/officeDocument/2006/math">
                     <m:r>
-                      <m:t>H</m:t>
+                      <m:t>E</m:t>
                     </m:r>
                     <m:r>
-                      <m:t>a</m:t>
+                      <m:t>n</m:t>
+                    </m:r>
+                    <m:r>
+                      <m:t>d</m:t>
+                    </m:r>
+                    <m:r>
+                      <m:rPr>
+                        <m:sty m:val="p"/>
+                      </m:rPr>
+                      <m:t>−</m:t>
+                    </m:r>
+                    <m:r>
+                      <m:t>O</m:t>
                     </m:r>
                     <m:r>
                       <m:t>f</m:t>
                     </m:r>
                     <m:r>
-                      <m:t>t</m:t>
+                      <m:rPr>
+                        <m:sty m:val="p"/>
+                      </m:rPr>
+                      <m:t>−</m:t>
                     </m:r>
                     <m:r>
-                      <m:t>a</m:t>
+                      <m:t>W</m:t>
+                    </m:r>
+                    <m:r>
+                      <m:t>e</m:t>
+                    </m:r>
+                    <m:r>
+                      <m:t>e</m:t>
+                    </m:r>
+                    <m:r>
+                      <m:t>k</m:t>
                     </m:r>
                     <m:r>
                       <m:rPr>
@@ -6469,13 +8363,22 @@
                       <m:t>−</m:t>
                     </m:r>
                     <m:r>
-                      <m:t>S</m:t>
+                      <m:t>M</m:t>
                     </m:r>
                     <m:r>
                       <m:t>o</m:t>
                     </m:r>
                     <m:r>
-                      <m:t>n</m:t>
+                      <m:t>d</m:t>
+                    </m:r>
+                    <m:r>
+                      <m:t>u</m:t>
+                    </m:r>
+                    <m:r>
+                      <m:t>l</m:t>
+                    </m:r>
+                    <m:r>
+                      <m:t>e</m:t>
                     </m:r>
                   </m:oMath>
                 </a14:m>
@@ -6484,423 +8387,6 @@
           </p:sp>
         </mc:Choice>
       </mc:AlternateContent>
-    </p:spTree>
-  </p:cSld>
-</p:sld>
-</file>
-
-<file path=ppt/slides/slide2.xml><?xml version="1.0" encoding="utf-8"?>
-<p:sld xmlns:a="http://schemas.openxmlformats.org/drawingml/2006/main" xmlns:r="http://schemas.openxmlformats.org/officeDocument/2006/relationships" xmlns:p="http://schemas.openxmlformats.org/presentationml/2006/main">
-  <p:cSld>
-    <p:spTree>
-      <p:nvGrpSpPr>
-        <p:cNvPr id="1" name=""/>
-        <p:cNvGrpSpPr/>
-        <p:nvPr/>
-      </p:nvGrpSpPr>
-      <p:grpSpPr>
-        <a:xfrm>
-          <a:off x="0" y="0"/>
-          <a:ext cx="0" cy="0"/>
-          <a:chOff x="0" y="0"/>
-          <a:chExt cx="0" cy="0"/>
-        </a:xfrm>
-      </p:grpSpPr>
-      <p:sp>
-        <p:nvSpPr>
-          <p:cNvPr id="2" name="Title 1"/>
-          <p:cNvSpPr>
-            <a:spLocks noGrp="1"/>
-          </p:cNvSpPr>
-          <p:nvPr>
-            <p:ph type="title"/>
-          </p:nvPr>
-        </p:nvSpPr>
-        <p:spPr/>
-        <p:txBody>
-          <a:bodyPr/>
-          <a:lstStyle/>
-          <a:p>
-            <a:pPr lvl="0" indent="0" marL="0">
-              <a:buNone/>
-            </a:pPr>
-            <a:r>
-              <a:rPr/>
-              <a:t>Örnek Ders Adı</a:t>
-            </a:r>
-          </a:p>
-        </p:txBody>
-      </p:sp>
-      <p:sp>
-        <p:nvSpPr>
-          <p:cNvPr id="3" name="Content Placeholder 2"/>
-          <p:cNvSpPr>
-            <a:spLocks noGrp="1"/>
-          </p:cNvSpPr>
-          <p:nvPr>
-            <p:ph idx="1"/>
-          </p:nvPr>
-        </p:nvSpPr>
-        <p:spPr/>
-        <p:txBody>
-          <a:bodyPr/>
-          <a:lstStyle/>
-          <a:p>
-            <a:pPr lvl="0" indent="0" marL="0">
-              <a:spcBef>
-                <a:spcPts val="3000"/>
-              </a:spcBef>
-              <a:buNone/>
-            </a:pPr>
-            <a:r>
-              <a:rPr b="1"/>
-              <a:t>Hafta-2 (Örnek Ders Modülü Adı)</a:t>
-            </a:r>
-          </a:p>
-          <a:p>
-            <a:pPr lvl="0" indent="0" marL="0">
-              <a:spcBef>
-                <a:spcPts val="3000"/>
-              </a:spcBef>
-              <a:buNone/>
-            </a:pPr>
-            <a:r>
-              <a:rPr b="1"/>
-              <a:t>Bahar Dönemi, 20XX-20XX</a:t>
-            </a:r>
-          </a:p>
-          <a:p>
-            <a:pPr lvl="0" indent="0" marL="0">
-              <a:buNone/>
-            </a:pPr>
-            <a:r>
-              <a:rPr/>
-              <a:t>İndir </a:t>
-            </a:r>
-            <a:r>
-              <a:rPr>
-                <a:hlinkClick r:id="rId2"/>
-              </a:rPr>
-              <a:t>DOC</a:t>
-            </a:r>
-            <a:r>
-              <a:rPr/>
-              <a:t>, </a:t>
-            </a:r>
-            <a:r>
-              <a:rPr>
-                <a:hlinkClick r:id="rId3"/>
-              </a:rPr>
-              <a:t>SLIDE</a:t>
-            </a:r>
-            <a:r>
-              <a:rPr/>
-              <a:t>, </a:t>
-            </a:r>
-            <a:r>
-              <a:rPr>
-                <a:hlinkClick r:id="rId4"/>
-              </a:rPr>
-              <a:t>PPTX</a:t>
-            </a:r>
-          </a:p>
-        </p:txBody>
-      </p:sp>
-    </p:spTree>
-  </p:cSld>
-</p:sld>
-</file>
-
-<file path=ppt/slides/slide3.xml><?xml version="1.0" encoding="utf-8"?>
-<p:sld xmlns:a="http://schemas.openxmlformats.org/drawingml/2006/main" xmlns:r="http://schemas.openxmlformats.org/officeDocument/2006/relationships" xmlns:p="http://schemas.openxmlformats.org/presentationml/2006/main">
-  <p:cSld>
-    <p:spTree>
-      <p:nvGrpSpPr>
-        <p:cNvPr id="1" name=""/>
-        <p:cNvGrpSpPr/>
-        <p:nvPr/>
-      </p:nvGrpSpPr>
-      <p:grpSpPr>
-        <a:xfrm>
-          <a:off x="0" y="0"/>
-          <a:ext cx="0" cy="0"/>
-          <a:chOff x="0" y="0"/>
-          <a:chExt cx="0" cy="0"/>
-        </a:xfrm>
-      </p:grpSpPr>
-      <p:sp>
-        <p:nvSpPr>
-          <p:cNvPr id="3" name="Content Placeholder 2"/>
-          <p:cNvSpPr>
-            <a:spLocks noGrp="1"/>
-          </p:cNvSpPr>
-          <p:nvPr>
-            <p:ph idx="1"/>
-          </p:nvPr>
-        </p:nvSpPr>
-        <p:spPr/>
-        <p:txBody>
-          <a:bodyPr/>
-          <a:lstStyle/>
-          <a:p>
-            <a:pPr lvl="0" indent="0" marL="0">
-              <a:spcBef>
-                <a:spcPts val="3000"/>
-              </a:spcBef>
-              <a:buNone/>
-            </a:pPr>
-            <a:r>
-              <a:rPr b="1"/>
-              <a:t>Anahat</a:t>
-            </a:r>
-          </a:p>
-          <a:p>
-            <a:pPr lvl="0"/>
-            <a:r>
-              <a:rPr/>
-              <a:t>Örnek Anahat</a:t>
-            </a:r>
-          </a:p>
-          <a:p>
-            <a:pPr lvl="0"/>
-            <a:r>
-              <a:rPr/>
-              <a:t>Örnek Anahat</a:t>
-            </a:r>
-          </a:p>
-          <a:p>
-            <a:pPr lvl="0"/>
-            <a:r>
-              <a:rPr/>
-              <a:t>Örnek Anahat</a:t>
-            </a:r>
-          </a:p>
-          <a:p>
-            <a:pPr lvl="0"/>
-            <a:r>
-              <a:rPr/>
-              <a:t>Örnek Anahat</a:t>
-            </a:r>
-          </a:p>
-        </p:txBody>
-      </p:sp>
-    </p:spTree>
-  </p:cSld>
-</p:sld>
-</file>
-
-<file path=ppt/slides/slide4.xml><?xml version="1.0" encoding="utf-8"?>
-<p:sld xmlns:a="http://schemas.openxmlformats.org/drawingml/2006/main" xmlns:r="http://schemas.openxmlformats.org/officeDocument/2006/relationships" xmlns:p="http://schemas.openxmlformats.org/presentationml/2006/main">
-  <p:cSld>
-    <p:spTree>
-      <p:nvGrpSpPr>
-        <p:cNvPr id="1" name=""/>
-        <p:cNvGrpSpPr/>
-        <p:nvPr/>
-      </p:nvGrpSpPr>
-      <p:grpSpPr>
-        <a:xfrm>
-          <a:off x="0" y="0"/>
-          <a:ext cx="0" cy="0"/>
-          <a:chOff x="0" y="0"/>
-          <a:chExt cx="0" cy="0"/>
-        </a:xfrm>
-      </p:grpSpPr>
-      <p:sp>
-        <p:nvSpPr>
-          <p:cNvPr id="2" name="Title 1"/>
-          <p:cNvSpPr>
-            <a:spLocks noGrp="1"/>
-          </p:cNvSpPr>
-          <p:nvPr>
-            <p:ph type="title"/>
-          </p:nvPr>
-        </p:nvSpPr>
-        <p:spPr/>
-        <p:txBody>
-          <a:bodyPr/>
-          <a:lstStyle/>
-          <a:p>
-            <a:pPr lvl="0" indent="0" marL="0">
-              <a:buNone/>
-            </a:pPr>
-            <a:r>
-              <a:rPr b="1"/>
-              <a:t>Örnek Konu</a:t>
-            </a:r>
-          </a:p>
-        </p:txBody>
-      </p:sp>
-    </p:spTree>
-  </p:cSld>
-</p:sld>
-</file>
-
-<file path=ppt/slides/slide5.xml><?xml version="1.0" encoding="utf-8"?>
-<p:sld xmlns:a="http://schemas.openxmlformats.org/drawingml/2006/main" xmlns:r="http://schemas.openxmlformats.org/officeDocument/2006/relationships" xmlns:p="http://schemas.openxmlformats.org/presentationml/2006/main">
-  <p:cSld>
-    <p:spTree>
-      <p:nvGrpSpPr>
-        <p:cNvPr id="1" name=""/>
-        <p:cNvGrpSpPr/>
-        <p:nvPr/>
-      </p:nvGrpSpPr>
-      <p:grpSpPr>
-        <a:xfrm>
-          <a:off x="0" y="0"/>
-          <a:ext cx="0" cy="0"/>
-          <a:chOff x="0" y="0"/>
-          <a:chExt cx="0" cy="0"/>
-        </a:xfrm>
-      </p:grpSpPr>
-      <p:sp>
-        <p:nvSpPr>
-          <p:cNvPr id="4" name="Text Placeholder 3"/>
-          <p:cNvSpPr>
-            <a:spLocks noGrp="1"/>
-          </p:cNvSpPr>
-          <p:nvPr>
-            <p:ph idx="2" sz="half" type="body"/>
-          </p:nvPr>
-        </p:nvSpPr>
-        <p:spPr/>
-        <p:txBody>
-          <a:bodyPr/>
-          <a:lstStyle/>
-          <a:p>
-            <a:pPr lvl="0" indent="0" marL="0">
-              <a:spcBef>
-                <a:spcPts val="3000"/>
-              </a:spcBef>
-              <a:buNone/>
-            </a:pPr>
-            <a:r>
-              <a:rPr b="1"/>
-              <a:t>Örnek Konu</a:t>
-            </a:r>
-          </a:p>
-          <a:p>
-            <a:pPr lvl="0"/>
-            <a:r>
-              <a:rPr b="1"/>
-              <a:t>Lorem Ipsum nedir?</a:t>
-            </a:r>
-            <a:r>
-              <a:rPr/>
-              <a:t> Lorem Ipsum, basım ve dizgi endüstrisinin basit bir sahte metnidir. Lorem Ipsum, 1500’lerden beri endüstrinin standart sahte metni olmuştur.</a:t>
-            </a:r>
-          </a:p>
-          <a:p>
-            <a:pPr lvl="1"/>
-            <a:r>
-              <a:rPr/>
-              <a:t>bilinmeyen bir matbaacı bir tür kadırga alıp onu bir tip numune kitabı yapmak için karıştırdığında. Sadece beş yüzyıl hayatta kalmadı,</a:t>
-            </a:r>
-          </a:p>
-          <a:p>
-            <a:pPr lvl="2"/>
-            <a:r>
-              <a:rPr/>
-              <a:t>ama aynı zamanda, esasen değişmeden kalan elektronik dizgiye geçiş.</a:t>
-            </a:r>
-          </a:p>
-          <a:p>
-            <a:pPr lvl="0" indent="0" marL="0">
-              <a:spcBef>
-                <a:spcPts val="3000"/>
-              </a:spcBef>
-              <a:buNone/>
-            </a:pPr>
-            <a:r>
-              <a:rPr b="1"/>
-              <a:t>1960’larda Lorem Ipsum pasajları içeren Letraset sayfalarının yayınlanmasıyla ve daha yakın zamanda Aldus PageMaker gibi Lorem Ipsum sürümlerini içeren masaüstü yayıncılık yazılımlarıyla popüler hale geldi.</a:t>
-            </a:r>
-          </a:p>
-          <a:p>
-            <a:pPr lvl="0" indent="0" marL="0">
-              <a:spcBef>
-                <a:spcPts val="3000"/>
-              </a:spcBef>
-              <a:buNone/>
-            </a:pPr>
-            <a:r>
-              <a:rPr b="1"/>
-              <a:t>Örnek Resimler-1</a:t>
-            </a:r>
-          </a:p>
-          <a:p>
-            <a:pPr lvl="0"/>
-            <a:r>
-              <a:rPr b="1"/>
-              <a:t>Lorem Ipsum nedir?</a:t>
-            </a:r>
-            <a:r>
-              <a:rPr/>
-              <a:t> Lorem Ipsum, basım ve dizgi endüstrisinin basit bir sahte metnidir. Lorem Ipsum, 1500’lerden beri endüstrinin standart sahte metni olmuştur.</a:t>
-            </a:r>
-          </a:p>
-        </p:txBody>
-      </p:sp>
-      <p:pic>
-        <p:nvPicPr>
-          <p:cNvPr descr="fig:  assets/sample-1.png" id="0" name="Picture 1"/>
-          <p:cNvPicPr>
-            <a:picLocks noGrp="1" noChangeAspect="1"/>
-          </p:cNvPicPr>
-          <p:nvPr/>
-        </p:nvPicPr>
-        <p:blipFill>
-          <a:blip r:embed="rId2"/>
-          <a:stretch>
-            <a:fillRect/>
-          </a:stretch>
-        </p:blipFill>
-        <p:spPr bwMode="auto">
-          <a:xfrm>
-            <a:off x="4749800" y="266700"/>
-            <a:ext cx="2743200" cy="5334000"/>
-          </a:xfrm>
-          <a:prstGeom prst="rect">
-            <a:avLst/>
-          </a:prstGeom>
-          <a:noFill/>
-          <a:ln w="9525">
-            <a:noFill/>
-            <a:headEnd/>
-            <a:tailEnd/>
-          </a:ln>
-        </p:spPr>
-      </p:pic>
-      <p:sp>
-        <p:nvSpPr>
-          <p:cNvPr id="1" name="TextBox 3"/>
-          <p:cNvSpPr txBox="1"/>
-          <p:nvPr/>
-        </p:nvSpPr>
-        <p:spPr>
-          <a:xfrm>
-            <a:off x="3568700" y="5600700"/>
-            <a:ext cx="5105400" cy="508000"/>
-          </a:xfrm>
-          <a:prstGeom prst="rect">
-            <a:avLst/>
-          </a:prstGeom>
-          <a:noFill/>
-        </p:spPr>
-        <p:txBody>
-          <a:bodyPr/>
-          <a:lstStyle/>
-          <a:p>
-            <a:pPr lvl="0" indent="0" marL="0" algn="ctr">
-              <a:buNone/>
-            </a:pPr>
-            <a:r>
-              <a:rPr/>
-              <a:t>center h:400px</a:t>
-            </a:r>
-          </a:p>
-        </p:txBody>
-      </p:sp>
     </p:spTree>
   </p:cSld>
 </p:sld>
@@ -6925,12 +8411,12 @@
       </p:grpSpPr>
       <p:sp>
         <p:nvSpPr>
-          <p:cNvPr id="4" name="Text Placeholder 3"/>
-          <p:cNvSpPr>
-            <a:spLocks noGrp="1"/>
-          </p:cNvSpPr>
-          <p:nvPr>
-            <p:ph idx="2" sz="half" type="body"/>
+          <p:cNvPr id="3" name="Content Placeholder 2"/>
+          <p:cNvSpPr>
+            <a:spLocks noGrp="1"/>
+          </p:cNvSpPr>
+          <p:nvPr>
+            <p:ph idx="1"/>
           </p:nvPr>
         </p:nvSpPr>
         <p:spPr/>
@@ -6946,78 +8432,58 @@
             </a:pPr>
             <a:r>
               <a:rPr b="1"/>
-              <a:t>Örnek Resimler-2</a:t>
+              <a:t>Why we use the database?</a:t>
             </a:r>
           </a:p>
           <a:p>
             <a:pPr lvl="0"/>
             <a:r>
+              <a:rPr/>
+              <a:t>Problems with lists;</a:t>
+            </a:r>
+          </a:p>
+          <a:p>
+            <a:pPr lvl="1"/>
+            <a:r>
+              <a:rPr/>
+              <a:t>For example, the address of company B has changed.</a:t>
+            </a:r>
+          </a:p>
+          <a:p>
+            <a:pPr lvl="1"/>
+            <a:r>
+              <a:rPr/>
+              <a:t>Address information in 3 lines should also change</a:t>
+            </a:r>
+          </a:p>
+          <a:p>
+            <a:pPr lvl="1"/>
+            <a:r>
+              <a:rPr/>
+              <a:t>If it is missing, information inconsistency occurs.</a:t>
+            </a:r>
+          </a:p>
+          <a:p>
+            <a:pPr lvl="1"/>
+            <a:r>
+              <a:rPr/>
+              <a:t>It can cause both </a:t>
+            </a:r>
+            <a:r>
               <a:rPr b="1"/>
-              <a:t>Lorem Ipsum nedir?</a:t>
-            </a:r>
-            <a:r>
-              <a:rPr/>
-              <a:t> Lorem Ipsum, basım ve dizgi endüstrisinin basit bir sahte metnidir. Lorem Ipsum, 1500’lerden beri endüstrinin standart sahte metni olmuştur.</a:t>
-            </a:r>
-          </a:p>
-        </p:txBody>
-      </p:sp>
-      <p:pic>
-        <p:nvPicPr>
-          <p:cNvPr descr="fig:  assets/sample-1.png" id="0" name="Picture 1"/>
-          <p:cNvPicPr>
-            <a:picLocks noGrp="1" noChangeAspect="1"/>
-          </p:cNvPicPr>
-          <p:nvPr/>
-        </p:nvPicPr>
-        <p:blipFill>
-          <a:blip r:embed="rId2"/>
-          <a:stretch>
-            <a:fillRect/>
-          </a:stretch>
-        </p:blipFill>
-        <p:spPr bwMode="auto">
-          <a:xfrm>
-            <a:off x="4749800" y="266700"/>
-            <a:ext cx="2743200" cy="5334000"/>
-          </a:xfrm>
-          <a:prstGeom prst="rect">
-            <a:avLst/>
-          </a:prstGeom>
-          <a:noFill/>
-          <a:ln w="9525">
-            <a:noFill/>
-            <a:headEnd/>
-            <a:tailEnd/>
-          </a:ln>
-        </p:spPr>
-      </p:pic>
-      <p:sp>
-        <p:nvSpPr>
-          <p:cNvPr id="1" name="TextBox 3"/>
-          <p:cNvSpPr txBox="1"/>
-          <p:nvPr/>
-        </p:nvSpPr>
-        <p:spPr>
-          <a:xfrm>
-            <a:off x="3568700" y="5600700"/>
-            <a:ext cx="5105400" cy="508000"/>
-          </a:xfrm>
-          <a:prstGeom prst="rect">
-            <a:avLst/>
-          </a:prstGeom>
-          <a:noFill/>
-        </p:spPr>
-        <p:txBody>
-          <a:bodyPr/>
-          <a:lstStyle/>
-          <a:p>
-            <a:pPr lvl="0" indent="0" marL="0" algn="ctr">
-              <a:buNone/>
-            </a:pPr>
-            <a:r>
-              <a:rPr/>
-              <a:t>bg right:50% h:400px</a:t>
+              <a:t>a waste of time</a:t>
+            </a:r>
+            <a:r>
+              <a:rPr/>
+              <a:t> and an </a:t>
+            </a:r>
+            <a:r>
+              <a:rPr b="1"/>
+              <a:t>error</a:t>
+            </a:r>
+            <a:r>
+              <a:rPr/>
+              <a:t>.</a:t>
             </a:r>
           </a:p>
         </p:txBody>
@@ -7046,12 +8512,12 @@
       </p:grpSpPr>
       <p:sp>
         <p:nvSpPr>
-          <p:cNvPr id="4" name="Text Placeholder 3"/>
-          <p:cNvSpPr>
-            <a:spLocks noGrp="1"/>
-          </p:cNvSpPr>
-          <p:nvPr>
-            <p:ph idx="2" sz="half" type="body"/>
+          <p:cNvPr id="3" name="Content Placeholder 2"/>
+          <p:cNvSpPr>
+            <a:spLocks noGrp="1"/>
+          </p:cNvSpPr>
+          <p:nvPr>
+            <p:ph idx="1"/>
           </p:nvPr>
         </p:nvSpPr>
         <p:spPr/>
@@ -7067,78 +8533,28 @@
             </a:pPr>
             <a:r>
               <a:rPr b="1"/>
-              <a:t>Örnek Resimler-3</a:t>
+              <a:t>Why we use the database?</a:t>
             </a:r>
           </a:p>
           <a:p>
             <a:pPr lvl="0"/>
             <a:r>
-              <a:rPr b="1"/>
-              <a:t>Lorem Ipsum nedir?</a:t>
-            </a:r>
-            <a:r>
-              <a:rPr/>
-              <a:t> Lorem Ipsum, basım ve dizgi endüstrisinin basit bir sahte metnidir. Lorem Ipsum, 1500’lerden beri endüstrinin standart sahte metni olmuştur.</a:t>
-            </a:r>
-          </a:p>
-        </p:txBody>
-      </p:sp>
-      <p:pic>
-        <p:nvPicPr>
-          <p:cNvPr descr="fig:  assets/sample-1.png" id="0" name="Picture 1"/>
-          <p:cNvPicPr>
-            <a:picLocks noGrp="1" noChangeAspect="1"/>
-          </p:cNvPicPr>
-          <p:nvPr/>
-        </p:nvPicPr>
-        <p:blipFill>
-          <a:blip r:embed="rId2"/>
-          <a:stretch>
-            <a:fillRect/>
-          </a:stretch>
-        </p:blipFill>
-        <p:spPr bwMode="auto">
-          <a:xfrm>
-            <a:off x="4749800" y="266700"/>
-            <a:ext cx="2743200" cy="5334000"/>
-          </a:xfrm>
-          <a:prstGeom prst="rect">
-            <a:avLst/>
-          </a:prstGeom>
-          <a:noFill/>
-          <a:ln w="9525">
-            <a:noFill/>
-            <a:headEnd/>
-            <a:tailEnd/>
-          </a:ln>
-        </p:spPr>
-      </p:pic>
-      <p:sp>
-        <p:nvSpPr>
-          <p:cNvPr id="1" name="TextBox 3"/>
-          <p:cNvSpPr txBox="1"/>
-          <p:nvPr/>
-        </p:nvSpPr>
-        <p:spPr>
-          <a:xfrm>
-            <a:off x="3568700" y="5600700"/>
-            <a:ext cx="5105400" cy="508000"/>
-          </a:xfrm>
-          <a:prstGeom prst="rect">
-            <a:avLst/>
-          </a:prstGeom>
-          <a:noFill/>
-        </p:spPr>
-        <p:txBody>
-          <a:bodyPr/>
-          <a:lstStyle/>
-          <a:p>
-            <a:pPr lvl="0" indent="0" marL="0" algn="ctr">
-              <a:buNone/>
-            </a:pPr>
-            <a:r>
-              <a:rPr/>
-              <a:t>bg left:50% h:400px</a:t>
+              <a:rPr/>
+              <a:t>Problems with lists;</a:t>
+            </a:r>
+          </a:p>
+          <a:p>
+            <a:pPr lvl="1"/>
+            <a:r>
+              <a:rPr/>
+              <a:t>For example, company A no longer works with your company,</a:t>
+            </a:r>
+          </a:p>
+          <a:p>
+            <a:pPr lvl="1"/>
+            <a:r>
+              <a:rPr/>
+              <a:t>If you delete the record related to company A from the list, you will lose information such as customer information and company address where the product was sold.</a:t>
             </a:r>
           </a:p>
         </p:txBody>
@@ -7167,12 +8583,12 @@
       </p:grpSpPr>
       <p:sp>
         <p:nvSpPr>
-          <p:cNvPr id="4" name="Text Placeholder 3"/>
-          <p:cNvSpPr>
-            <a:spLocks noGrp="1"/>
-          </p:cNvSpPr>
-          <p:nvPr>
-            <p:ph idx="2" sz="half" type="body"/>
+          <p:cNvPr id="3" name="Content Placeholder 2"/>
+          <p:cNvSpPr>
+            <a:spLocks noGrp="1"/>
+          </p:cNvSpPr>
+          <p:nvPr>
+            <p:ph idx="1"/>
           </p:nvPr>
         </p:nvSpPr>
         <p:spPr/>
@@ -7188,78 +8604,42 @@
             </a:pPr>
             <a:r>
               <a:rPr b="1"/>
-              <a:t>Örnek Resimler-4</a:t>
+              <a:t>Why we use the database?</a:t>
             </a:r>
           </a:p>
           <a:p>
             <a:pPr lvl="0"/>
             <a:r>
-              <a:rPr b="1"/>
-              <a:t>Lorem Ipsum nedir?</a:t>
-            </a:r>
-            <a:r>
-              <a:rPr/>
-              <a:t> Lorem Ipsum, basım ve dizgi endüstrisinin basit bir sahte metnidir. Lorem Ipsum, 1500’lerden beri endüstrinin standart sahte metni olmuştur.</a:t>
-            </a:r>
-          </a:p>
-        </p:txBody>
-      </p:sp>
-      <p:pic>
-        <p:nvPicPr>
-          <p:cNvPr descr="fig:  assets/sample-1.png" id="0" name="Picture 1"/>
-          <p:cNvPicPr>
-            <a:picLocks noGrp="1" noChangeAspect="1"/>
-          </p:cNvPicPr>
-          <p:nvPr/>
-        </p:nvPicPr>
-        <p:blipFill>
-          <a:blip r:embed="rId2"/>
-          <a:stretch>
-            <a:fillRect/>
-          </a:stretch>
-        </p:blipFill>
-        <p:spPr bwMode="auto">
-          <a:xfrm>
-            <a:off x="4749800" y="266700"/>
-            <a:ext cx="2743200" cy="5334000"/>
-          </a:xfrm>
-          <a:prstGeom prst="rect">
-            <a:avLst/>
-          </a:prstGeom>
-          <a:noFill/>
-          <a:ln w="9525">
-            <a:noFill/>
-            <a:headEnd/>
-            <a:tailEnd/>
-          </a:ln>
-        </p:spPr>
-      </p:pic>
-      <p:sp>
-        <p:nvSpPr>
-          <p:cNvPr id="1" name="TextBox 3"/>
-          <p:cNvSpPr txBox="1"/>
-          <p:nvPr/>
-        </p:nvSpPr>
-        <p:spPr>
-          <a:xfrm>
-            <a:off x="3568700" y="5600700"/>
-            <a:ext cx="5105400" cy="508000"/>
-          </a:xfrm>
-          <a:prstGeom prst="rect">
-            <a:avLst/>
-          </a:prstGeom>
-          <a:noFill/>
-        </p:spPr>
-        <p:txBody>
-          <a:bodyPr/>
-          <a:lstStyle/>
-          <a:p>
-            <a:pPr lvl="0" indent="0" marL="0" algn="ctr">
-              <a:buNone/>
-            </a:pPr>
-            <a:r>
-              <a:rPr/>
-              <a:t>bg h:400px</a:t>
+              <a:rPr/>
+              <a:t>Problems with shared data;</a:t>
+            </a:r>
+          </a:p>
+          <a:p>
+            <a:pPr lvl="0"/>
+            <a:r>
+              <a:rPr/>
+              <a:t>For example, different departments of your company need to display company information;</a:t>
+            </a:r>
+          </a:p>
+          <a:p>
+            <a:pPr lvl="1"/>
+            <a:r>
+              <a:rPr/>
+              <a:t>Communication department: company, address</a:t>
+            </a:r>
+          </a:p>
+          <a:p>
+            <a:pPr lvl="1"/>
+            <a:r>
+              <a:rPr/>
+              <a:t>Marketing department: company, price</a:t>
+            </a:r>
+          </a:p>
+          <a:p>
+            <a:pPr lvl="1"/>
+            <a:r>
+              <a:rPr/>
+              <a:t>Customer service: customer name, job, company</a:t>
             </a:r>
           </a:p>
         </p:txBody>
@@ -7288,12 +8668,12 @@
       </p:grpSpPr>
       <p:sp>
         <p:nvSpPr>
-          <p:cNvPr id="4" name="Text Placeholder 3"/>
-          <p:cNvSpPr>
-            <a:spLocks noGrp="1"/>
-          </p:cNvSpPr>
-          <p:nvPr>
-            <p:ph idx="2" sz="half" type="body"/>
+          <p:cNvPr id="3" name="Content Placeholder 2"/>
+          <p:cNvSpPr>
+            <a:spLocks noGrp="1"/>
+          </p:cNvSpPr>
+          <p:nvPr>
+            <p:ph idx="1"/>
           </p:nvPr>
         </p:nvSpPr>
         <p:spPr/>
@@ -7309,78 +8689,42 @@
             </a:pPr>
             <a:r>
               <a:rPr b="1"/>
-              <a:t>Örnek Resimler-5</a:t>
+              <a:t>Why we use the database?</a:t>
             </a:r>
           </a:p>
           <a:p>
             <a:pPr lvl="0"/>
             <a:r>
-              <a:rPr b="1"/>
-              <a:t>Lorem Ipsum nedir?</a:t>
-            </a:r>
-            <a:r>
-              <a:rPr/>
-              <a:t> Lorem Ipsum, basım ve dizgi endüstrisinin basit bir sahte metnidir. Lorem Ipsum, 1500’lerden beri endüstrinin standart sahte metni olmuştur.</a:t>
-            </a:r>
-          </a:p>
-        </p:txBody>
-      </p:sp>
-      <p:pic>
-        <p:nvPicPr>
-          <p:cNvPr descr="assets/sample-1.png" id="0" name="Picture 1"/>
-          <p:cNvPicPr>
-            <a:picLocks noGrp="1" noChangeAspect="1"/>
-          </p:cNvPicPr>
-          <p:nvPr/>
-        </p:nvPicPr>
-        <p:blipFill>
-          <a:blip r:embed="rId2"/>
-          <a:stretch>
-            <a:fillRect/>
-          </a:stretch>
-        </p:blipFill>
-        <p:spPr bwMode="auto">
-          <a:xfrm>
-            <a:off x="4749800" y="266700"/>
-            <a:ext cx="2743200" cy="5334000"/>
-          </a:xfrm>
-          <a:prstGeom prst="rect">
-            <a:avLst/>
-          </a:prstGeom>
-          <a:noFill/>
-          <a:ln w="9525">
-            <a:noFill/>
-            <a:headEnd/>
-            <a:tailEnd/>
-          </a:ln>
-        </p:spPr>
-      </p:pic>
-      <p:sp>
-        <p:nvSpPr>
-          <p:cNvPr id="1" name="TextBox 3"/>
-          <p:cNvSpPr txBox="1"/>
-          <p:nvPr/>
-        </p:nvSpPr>
-        <p:spPr>
-          <a:xfrm>
-            <a:off x="3568700" y="5600700"/>
-            <a:ext cx="5105400" cy="508000"/>
-          </a:xfrm>
-          <a:prstGeom prst="rect">
-            <a:avLst/>
-          </a:prstGeom>
-          <a:noFill/>
-        </p:spPr>
-        <p:txBody>
-          <a:bodyPr/>
-          <a:lstStyle/>
-          <a:p>
-            <a:pPr lvl="0" indent="0" marL="0" algn="ctr">
-              <a:buNone/>
-            </a:pPr>
-            <a:r>
-              <a:rPr/>
-              <a:t>bg left:50% h:800px</a:t>
+              <a:rPr/>
+              <a:t>Problems with shared data;</a:t>
+            </a:r>
+          </a:p>
+          <a:p>
+            <a:pPr lvl="1"/>
+            <a:r>
+              <a:rPr/>
+              <a:t>Sharing all of this information with all departments is inconvenient for different reasons.</a:t>
+            </a:r>
+          </a:p>
+          <a:p>
+            <a:pPr lvl="1"/>
+            <a:r>
+              <a:rPr/>
+              <a:t>Security</a:t>
+            </a:r>
+          </a:p>
+          <a:p>
+            <a:pPr lvl="1"/>
+            <a:r>
+              <a:rPr/>
+              <a:t>customer privacy</a:t>
+            </a:r>
+          </a:p>
+          <a:p>
+            <a:pPr lvl="1"/>
+            <a:r>
+              <a:rPr/>
+              <a:t>etc.</a:t>
             </a:r>
           </a:p>
         </p:txBody>

--- a/docs/week-2/week-2.tr.md_word.pptx
+++ b/docs/week-2/week-2.tr.md_word.pptx
@@ -4341,7 +4341,7 @@
               <a:rPr>
                 <a:hlinkClick r:id="rId4"/>
               </a:rPr>
-              <a:t>PPTX-MD</a:t>
+              <a:t>DOCX-MD</a:t>
             </a:r>
             <a:r>
               <a:rPr/>
@@ -4351,8 +4351,26 @@
               <a:rPr>
                 <a:hlinkClick r:id="rId5"/>
               </a:rPr>
+              <a:t>PPTX-MD</a:t>
+            </a:r>
+            <a:r>
+              <a:rPr/>
+              <a:t>, </a:t>
+            </a:r>
+            <a:r>
+              <a:rPr>
+                <a:hlinkClick r:id="rId6"/>
+              </a:rPr>
               <a:t>PPTX-MS</a:t>
             </a:r>
+          </a:p>
+          <a:p>
+            <a:pPr lvl="0" indent="0" marL="0">
+              <a:spcBef>
+                <a:spcPts val="3000"/>
+              </a:spcBef>
+              <a:buNone/>
+            </a:pPr>
           </a:p>
         </p:txBody>
       </p:sp>
